--- a/scripts/init_data/ppt_analysis/2/Iphone16Pro.pptx
+++ b/scripts/init_data/ppt_analysis/2/Iphone16Pro.pptx
@@ -4,16 +4,29 @@
   <p:sldMasterIdLst>
     <p:sldMasterId id="2147483648" r:id="rId1"/>
   </p:sldMasterIdLst>
+  <p:notesMasterIdLst>
+    <p:notesMasterId r:id="rId21"/>
+  </p:notesMasterIdLst>
   <p:sldIdLst>
     <p:sldId id="256" r:id="rId2"/>
-    <p:sldId id="257" r:id="rId3"/>
-    <p:sldId id="258" r:id="rId4"/>
-    <p:sldId id="259" r:id="rId5"/>
-    <p:sldId id="260" r:id="rId6"/>
-    <p:sldId id="261" r:id="rId7"/>
-    <p:sldId id="262" r:id="rId8"/>
-    <p:sldId id="263" r:id="rId9"/>
-    <p:sldId id="264" r:id="rId10"/>
+    <p:sldId id="265" r:id="rId3"/>
+    <p:sldId id="266" r:id="rId4"/>
+    <p:sldId id="267" r:id="rId5"/>
+    <p:sldId id="268" r:id="rId6"/>
+    <p:sldId id="269" r:id="rId7"/>
+    <p:sldId id="270" r:id="rId8"/>
+    <p:sldId id="271" r:id="rId9"/>
+    <p:sldId id="272" r:id="rId10"/>
+    <p:sldId id="273" r:id="rId11"/>
+    <p:sldId id="257" r:id="rId12"/>
+    <p:sldId id="274" r:id="rId13"/>
+    <p:sldId id="275" r:id="rId14"/>
+    <p:sldId id="276" r:id="rId15"/>
+    <p:sldId id="262" r:id="rId16"/>
+    <p:sldId id="277" r:id="rId17"/>
+    <p:sldId id="278" r:id="rId18"/>
+    <p:sldId id="279" r:id="rId19"/>
+    <p:sldId id="264" r:id="rId20"/>
   </p:sldIdLst>
   <p:sldSz cx="12192000" cy="6858000"/>
   <p:notesSz cx="6858000" cy="9144000"/>
@@ -118,6 +131,439 @@
     </p:ext>
   </p:extLst>
 </p:presentation>
+</file>
+
+<file path=ppt/notesMasters/notesMaster1.xml><?xml version="1.0" encoding="utf-8"?>
+<p:notesMaster xmlns:a="http://schemas.openxmlformats.org/drawingml/2006/main" xmlns:r="http://schemas.openxmlformats.org/officeDocument/2006/relationships" xmlns:p="http://schemas.openxmlformats.org/presentationml/2006/main">
+  <p:cSld>
+    <p:bg>
+      <p:bgRef idx="1001">
+        <a:schemeClr val="bg1"/>
+      </p:bgRef>
+    </p:bg>
+    <p:spTree>
+      <p:nvGrpSpPr>
+        <p:cNvPr id="1" name=""/>
+        <p:cNvGrpSpPr/>
+        <p:nvPr/>
+      </p:nvGrpSpPr>
+      <p:grpSpPr>
+        <a:xfrm>
+          <a:off x="0" y="0"/>
+          <a:ext cx="0" cy="0"/>
+          <a:chOff x="0" y="0"/>
+          <a:chExt cx="0" cy="0"/>
+        </a:xfrm>
+      </p:grpSpPr>
+      <p:sp>
+        <p:nvSpPr>
+          <p:cNvPr id="2" name="页眉占位符 1"/>
+          <p:cNvSpPr>
+            <a:spLocks noGrp="1"/>
+          </p:cNvSpPr>
+          <p:nvPr>
+            <p:ph type="hdr" sz="quarter"/>
+          </p:nvPr>
+        </p:nvSpPr>
+        <p:spPr>
+          <a:xfrm>
+            <a:off x="0" y="0"/>
+            <a:ext cx="2971800" cy="458788"/>
+          </a:xfrm>
+          <a:prstGeom prst="rect">
+            <a:avLst/>
+          </a:prstGeom>
+        </p:spPr>
+        <p:txBody>
+          <a:bodyPr vert="horz" lIns="91440" tIns="45720" rIns="91440" bIns="45720" rtlCol="0"/>
+          <a:lstStyle>
+            <a:lvl1pPr algn="l">
+              <a:defRPr sz="1200"/>
+            </a:lvl1pPr>
+          </a:lstStyle>
+          <a:p>
+            <a:endParaRPr kumimoji="1" lang="zh-CN" altLang="en-US"/>
+          </a:p>
+        </p:txBody>
+      </p:sp>
+      <p:sp>
+        <p:nvSpPr>
+          <p:cNvPr id="3" name="日期占位符 2"/>
+          <p:cNvSpPr>
+            <a:spLocks noGrp="1"/>
+          </p:cNvSpPr>
+          <p:nvPr>
+            <p:ph type="dt" idx="1"/>
+          </p:nvPr>
+        </p:nvSpPr>
+        <p:spPr>
+          <a:xfrm>
+            <a:off x="3884613" y="0"/>
+            <a:ext cx="2971800" cy="458788"/>
+          </a:xfrm>
+          <a:prstGeom prst="rect">
+            <a:avLst/>
+          </a:prstGeom>
+        </p:spPr>
+        <p:txBody>
+          <a:bodyPr vert="horz" lIns="91440" tIns="45720" rIns="91440" bIns="45720" rtlCol="0"/>
+          <a:lstStyle>
+            <a:lvl1pPr algn="r">
+              <a:defRPr sz="1200"/>
+            </a:lvl1pPr>
+          </a:lstStyle>
+          <a:p>
+            <a:fld id="{039F20EB-1818-344F-89FF-2550C5D234E3}" type="datetimeFigureOut">
+              <a:rPr kumimoji="1" lang="zh-CN" altLang="en-US" smtClean="0"/>
+              <a:t>2025/6/1</a:t>
+            </a:fld>
+            <a:endParaRPr kumimoji="1" lang="zh-CN" altLang="en-US"/>
+          </a:p>
+        </p:txBody>
+      </p:sp>
+      <p:sp>
+        <p:nvSpPr>
+          <p:cNvPr id="4" name="幻灯片图像占位符 3"/>
+          <p:cNvSpPr>
+            <a:spLocks noGrp="1" noRot="1" noChangeAspect="1"/>
+          </p:cNvSpPr>
+          <p:nvPr>
+            <p:ph type="sldImg" idx="2"/>
+          </p:nvPr>
+        </p:nvSpPr>
+        <p:spPr>
+          <a:xfrm>
+            <a:off x="685800" y="1143000"/>
+            <a:ext cx="5486400" cy="3086100"/>
+          </a:xfrm>
+          <a:prstGeom prst="rect">
+            <a:avLst/>
+          </a:prstGeom>
+          <a:noFill/>
+          <a:ln w="12700">
+            <a:solidFill>
+              <a:prstClr val="black"/>
+            </a:solidFill>
+          </a:ln>
+        </p:spPr>
+        <p:txBody>
+          <a:bodyPr vert="horz" lIns="91440" tIns="45720" rIns="91440" bIns="45720" rtlCol="0" anchor="ctr"/>
+          <a:lstStyle/>
+          <a:p>
+            <a:endParaRPr lang="zh-CN" altLang="en-US"/>
+          </a:p>
+        </p:txBody>
+      </p:sp>
+      <p:sp>
+        <p:nvSpPr>
+          <p:cNvPr id="5" name="备注占位符 4"/>
+          <p:cNvSpPr>
+            <a:spLocks noGrp="1"/>
+          </p:cNvSpPr>
+          <p:nvPr>
+            <p:ph type="body" sz="quarter" idx="3"/>
+          </p:nvPr>
+        </p:nvSpPr>
+        <p:spPr>
+          <a:xfrm>
+            <a:off x="685800" y="4400550"/>
+            <a:ext cx="5486400" cy="3600450"/>
+          </a:xfrm>
+          <a:prstGeom prst="rect">
+            <a:avLst/>
+          </a:prstGeom>
+        </p:spPr>
+        <p:txBody>
+          <a:bodyPr vert="horz" lIns="91440" tIns="45720" rIns="91440" bIns="45720" rtlCol="0"/>
+          <a:lstStyle/>
+          <a:p>
+            <a:pPr lvl="0"/>
+            <a:r>
+              <a:rPr kumimoji="1" lang="zh-CN" altLang="en-US"/>
+              <a:t>单击此处编辑母版文本样式</a:t>
+            </a:r>
+          </a:p>
+          <a:p>
+            <a:pPr lvl="1"/>
+            <a:r>
+              <a:rPr kumimoji="1" lang="zh-CN" altLang="en-US"/>
+              <a:t>二级</a:t>
+            </a:r>
+          </a:p>
+          <a:p>
+            <a:pPr lvl="2"/>
+            <a:r>
+              <a:rPr kumimoji="1" lang="zh-CN" altLang="en-US"/>
+              <a:t>三级</a:t>
+            </a:r>
+          </a:p>
+          <a:p>
+            <a:pPr lvl="3"/>
+            <a:r>
+              <a:rPr kumimoji="1" lang="zh-CN" altLang="en-US"/>
+              <a:t>四级</a:t>
+            </a:r>
+          </a:p>
+          <a:p>
+            <a:pPr lvl="4"/>
+            <a:r>
+              <a:rPr kumimoji="1" lang="zh-CN" altLang="en-US"/>
+              <a:t>五级</a:t>
+            </a:r>
+          </a:p>
+        </p:txBody>
+      </p:sp>
+      <p:sp>
+        <p:nvSpPr>
+          <p:cNvPr id="6" name="页脚占位符 5"/>
+          <p:cNvSpPr>
+            <a:spLocks noGrp="1"/>
+          </p:cNvSpPr>
+          <p:nvPr>
+            <p:ph type="ftr" sz="quarter" idx="4"/>
+          </p:nvPr>
+        </p:nvSpPr>
+        <p:spPr>
+          <a:xfrm>
+            <a:off x="0" y="8685213"/>
+            <a:ext cx="2971800" cy="458787"/>
+          </a:xfrm>
+          <a:prstGeom prst="rect">
+            <a:avLst/>
+          </a:prstGeom>
+        </p:spPr>
+        <p:txBody>
+          <a:bodyPr vert="horz" lIns="91440" tIns="45720" rIns="91440" bIns="45720" rtlCol="0" anchor="b"/>
+          <a:lstStyle>
+            <a:lvl1pPr algn="l">
+              <a:defRPr sz="1200"/>
+            </a:lvl1pPr>
+          </a:lstStyle>
+          <a:p>
+            <a:endParaRPr kumimoji="1" lang="zh-CN" altLang="en-US"/>
+          </a:p>
+        </p:txBody>
+      </p:sp>
+      <p:sp>
+        <p:nvSpPr>
+          <p:cNvPr id="7" name="灯片编号占位符 6"/>
+          <p:cNvSpPr>
+            <a:spLocks noGrp="1"/>
+          </p:cNvSpPr>
+          <p:nvPr>
+            <p:ph type="sldNum" sz="quarter" idx="5"/>
+          </p:nvPr>
+        </p:nvSpPr>
+        <p:spPr>
+          <a:xfrm>
+            <a:off x="3884613" y="8685213"/>
+            <a:ext cx="2971800" cy="458787"/>
+          </a:xfrm>
+          <a:prstGeom prst="rect">
+            <a:avLst/>
+          </a:prstGeom>
+        </p:spPr>
+        <p:txBody>
+          <a:bodyPr vert="horz" lIns="91440" tIns="45720" rIns="91440" bIns="45720" rtlCol="0" anchor="b"/>
+          <a:lstStyle>
+            <a:lvl1pPr algn="r">
+              <a:defRPr sz="1200"/>
+            </a:lvl1pPr>
+          </a:lstStyle>
+          <a:p>
+            <a:fld id="{F619D02B-8415-6C49-872F-55F8EEFD705E}" type="slidenum">
+              <a:rPr kumimoji="1" lang="zh-CN" altLang="en-US" smtClean="0"/>
+              <a:t>‹#›</a:t>
+            </a:fld>
+            <a:endParaRPr kumimoji="1" lang="zh-CN" altLang="en-US"/>
+          </a:p>
+        </p:txBody>
+      </p:sp>
+    </p:spTree>
+    <p:extLst>
+      <p:ext uri="{BB962C8B-B14F-4D97-AF65-F5344CB8AC3E}">
+        <p14:creationId xmlns:p14="http://schemas.microsoft.com/office/powerpoint/2010/main" val="2132258033"/>
+      </p:ext>
+    </p:extLst>
+  </p:cSld>
+  <p:clrMap bg1="lt1" tx1="dk1" bg2="lt2" tx2="dk2" accent1="accent1" accent2="accent2" accent3="accent3" accent4="accent4" accent5="accent5" accent6="accent6" hlink="hlink" folHlink="folHlink"/>
+  <p:notesStyle>
+    <a:lvl1pPr marL="0" algn="l" defTabSz="914400" rtl="0" eaLnBrk="1" latinLnBrk="0" hangingPunct="1">
+      <a:defRPr sz="1200" kern="1200">
+        <a:solidFill>
+          <a:schemeClr val="tx1"/>
+        </a:solidFill>
+        <a:latin typeface="+mn-lt"/>
+        <a:ea typeface="+mn-ea"/>
+        <a:cs typeface="+mn-cs"/>
+      </a:defRPr>
+    </a:lvl1pPr>
+    <a:lvl2pPr marL="457200" algn="l" defTabSz="914400" rtl="0" eaLnBrk="1" latinLnBrk="0" hangingPunct="1">
+      <a:defRPr sz="1200" kern="1200">
+        <a:solidFill>
+          <a:schemeClr val="tx1"/>
+        </a:solidFill>
+        <a:latin typeface="+mn-lt"/>
+        <a:ea typeface="+mn-ea"/>
+        <a:cs typeface="+mn-cs"/>
+      </a:defRPr>
+    </a:lvl2pPr>
+    <a:lvl3pPr marL="914400" algn="l" defTabSz="914400" rtl="0" eaLnBrk="1" latinLnBrk="0" hangingPunct="1">
+      <a:defRPr sz="1200" kern="1200">
+        <a:solidFill>
+          <a:schemeClr val="tx1"/>
+        </a:solidFill>
+        <a:latin typeface="+mn-lt"/>
+        <a:ea typeface="+mn-ea"/>
+        <a:cs typeface="+mn-cs"/>
+      </a:defRPr>
+    </a:lvl3pPr>
+    <a:lvl4pPr marL="1371600" algn="l" defTabSz="914400" rtl="0" eaLnBrk="1" latinLnBrk="0" hangingPunct="1">
+      <a:defRPr sz="1200" kern="1200">
+        <a:solidFill>
+          <a:schemeClr val="tx1"/>
+        </a:solidFill>
+        <a:latin typeface="+mn-lt"/>
+        <a:ea typeface="+mn-ea"/>
+        <a:cs typeface="+mn-cs"/>
+      </a:defRPr>
+    </a:lvl4pPr>
+    <a:lvl5pPr marL="1828800" algn="l" defTabSz="914400" rtl="0" eaLnBrk="1" latinLnBrk="0" hangingPunct="1">
+      <a:defRPr sz="1200" kern="1200">
+        <a:solidFill>
+          <a:schemeClr val="tx1"/>
+        </a:solidFill>
+        <a:latin typeface="+mn-lt"/>
+        <a:ea typeface="+mn-ea"/>
+        <a:cs typeface="+mn-cs"/>
+      </a:defRPr>
+    </a:lvl5pPr>
+    <a:lvl6pPr marL="2286000" algn="l" defTabSz="914400" rtl="0" eaLnBrk="1" latinLnBrk="0" hangingPunct="1">
+      <a:defRPr sz="1200" kern="1200">
+        <a:solidFill>
+          <a:schemeClr val="tx1"/>
+        </a:solidFill>
+        <a:latin typeface="+mn-lt"/>
+        <a:ea typeface="+mn-ea"/>
+        <a:cs typeface="+mn-cs"/>
+      </a:defRPr>
+    </a:lvl6pPr>
+    <a:lvl7pPr marL="2743200" algn="l" defTabSz="914400" rtl="0" eaLnBrk="1" latinLnBrk="0" hangingPunct="1">
+      <a:defRPr sz="1200" kern="1200">
+        <a:solidFill>
+          <a:schemeClr val="tx1"/>
+        </a:solidFill>
+        <a:latin typeface="+mn-lt"/>
+        <a:ea typeface="+mn-ea"/>
+        <a:cs typeface="+mn-cs"/>
+      </a:defRPr>
+    </a:lvl7pPr>
+    <a:lvl8pPr marL="3200400" algn="l" defTabSz="914400" rtl="0" eaLnBrk="1" latinLnBrk="0" hangingPunct="1">
+      <a:defRPr sz="1200" kern="1200">
+        <a:solidFill>
+          <a:schemeClr val="tx1"/>
+        </a:solidFill>
+        <a:latin typeface="+mn-lt"/>
+        <a:ea typeface="+mn-ea"/>
+        <a:cs typeface="+mn-cs"/>
+      </a:defRPr>
+    </a:lvl8pPr>
+    <a:lvl9pPr marL="3657600" algn="l" defTabSz="914400" rtl="0" eaLnBrk="1" latinLnBrk="0" hangingPunct="1">
+      <a:defRPr sz="1200" kern="1200">
+        <a:solidFill>
+          <a:schemeClr val="tx1"/>
+        </a:solidFill>
+        <a:latin typeface="+mn-lt"/>
+        <a:ea typeface="+mn-ea"/>
+        <a:cs typeface="+mn-cs"/>
+      </a:defRPr>
+    </a:lvl9pPr>
+  </p:notesStyle>
+</p:notesMaster>
+</file>
+
+<file path=ppt/notesSlides/notesSlide1.xml><?xml version="1.0" encoding="utf-8"?>
+<p:notes xmlns:a="http://schemas.openxmlformats.org/drawingml/2006/main" xmlns:r="http://schemas.openxmlformats.org/officeDocument/2006/relationships" xmlns:p="http://schemas.openxmlformats.org/presentationml/2006/main">
+  <p:cSld>
+    <p:spTree>
+      <p:nvGrpSpPr>
+        <p:cNvPr id="1" name=""/>
+        <p:cNvGrpSpPr/>
+        <p:nvPr/>
+      </p:nvGrpSpPr>
+      <p:grpSpPr>
+        <a:xfrm>
+          <a:off x="0" y="0"/>
+          <a:ext cx="0" cy="0"/>
+          <a:chOff x="0" y="0"/>
+          <a:chExt cx="0" cy="0"/>
+        </a:xfrm>
+      </p:grpSpPr>
+      <p:sp>
+        <p:nvSpPr>
+          <p:cNvPr id="2" name="幻灯片图像占位符 1"/>
+          <p:cNvSpPr>
+            <a:spLocks noGrp="1" noRot="1" noChangeAspect="1"/>
+          </p:cNvSpPr>
+          <p:nvPr>
+            <p:ph type="sldImg"/>
+          </p:nvPr>
+        </p:nvSpPr>
+        <p:spPr/>
+      </p:sp>
+      <p:sp>
+        <p:nvSpPr>
+          <p:cNvPr id="3" name="备注占位符 2"/>
+          <p:cNvSpPr>
+            <a:spLocks noGrp="1"/>
+          </p:cNvSpPr>
+          <p:nvPr>
+            <p:ph type="body" idx="1"/>
+          </p:nvPr>
+        </p:nvSpPr>
+        <p:spPr/>
+        <p:txBody>
+          <a:bodyPr/>
+          <a:lstStyle/>
+          <a:p>
+            <a:endParaRPr kumimoji="1" lang="zh-CN" altLang="en-US"/>
+          </a:p>
+        </p:txBody>
+      </p:sp>
+      <p:sp>
+        <p:nvSpPr>
+          <p:cNvPr id="4" name="灯片编号占位符 3"/>
+          <p:cNvSpPr>
+            <a:spLocks noGrp="1"/>
+          </p:cNvSpPr>
+          <p:nvPr>
+            <p:ph type="sldNum" sz="quarter" idx="5"/>
+          </p:nvPr>
+        </p:nvSpPr>
+        <p:spPr/>
+        <p:txBody>
+          <a:bodyPr/>
+          <a:lstStyle/>
+          <a:p>
+            <a:fld id="{F619D02B-8415-6C49-872F-55F8EEFD705E}" type="slidenum">
+              <a:rPr kumimoji="1" lang="zh-CN" altLang="en-US" smtClean="0"/>
+              <a:t>2</a:t>
+            </a:fld>
+            <a:endParaRPr kumimoji="1" lang="zh-CN" altLang="en-US"/>
+          </a:p>
+        </p:txBody>
+      </p:sp>
+    </p:spTree>
+    <p:extLst>
+      <p:ext uri="{BB962C8B-B14F-4D97-AF65-F5344CB8AC3E}">
+        <p14:creationId xmlns:p14="http://schemas.microsoft.com/office/powerpoint/2010/main" val="3961588871"/>
+      </p:ext>
+    </p:extLst>
+  </p:cSld>
+  <p:clrMapOvr>
+    <a:masterClrMapping/>
+  </p:clrMapOvr>
+</p:notes>
 </file>
 
 <file path=ppt/slideLayouts/slideLayout1.xml><?xml version="1.0" encoding="utf-8"?>
@@ -845,7 +1291,7 @@
             <a:fld id="{B61BEF0D-F0BB-DE4B-95CE-6DB70DBA9567}" type="datetimeFigureOut">
               <a:rPr lang="en-US" dirty="0"/>
               <a:pPr/>
-              <a:t>5/15/25</a:t>
+              <a:t>6/1/25</a:t>
             </a:fld>
             <a:endParaRPr lang="en-US" dirty="0"/>
           </a:p>
@@ -1121,7 +1567,7 @@
             <a:fld id="{B61BEF0D-F0BB-DE4B-95CE-6DB70DBA9567}" type="datetimeFigureOut">
               <a:rPr lang="en-US" dirty="0"/>
               <a:pPr/>
-              <a:t>5/15/25</a:t>
+              <a:t>6/1/25</a:t>
             </a:fld>
             <a:endParaRPr lang="en-US" dirty="0"/>
           </a:p>
@@ -1444,7 +1890,7 @@
             <a:fld id="{B61BEF0D-F0BB-DE4B-95CE-6DB70DBA9567}" type="datetimeFigureOut">
               <a:rPr lang="en-US" dirty="0"/>
               <a:pPr/>
-              <a:t>5/15/25</a:t>
+              <a:t>6/1/25</a:t>
             </a:fld>
             <a:endParaRPr lang="en-US" dirty="0"/>
           </a:p>
@@ -1780,7 +2226,7 @@
             <a:fld id="{B61BEF0D-F0BB-DE4B-95CE-6DB70DBA9567}" type="datetimeFigureOut">
               <a:rPr lang="en-US" dirty="0"/>
               <a:pPr/>
-              <a:t>5/15/25</a:t>
+              <a:t>6/1/25</a:t>
             </a:fld>
             <a:endParaRPr lang="en-US" dirty="0"/>
           </a:p>
@@ -2103,7 +2549,7 @@
             <a:fld id="{B61BEF0D-F0BB-DE4B-95CE-6DB70DBA9567}" type="datetimeFigureOut">
               <a:rPr lang="en-US" dirty="0"/>
               <a:pPr/>
-              <a:t>5/15/25</a:t>
+              <a:t>6/1/25</a:t>
             </a:fld>
             <a:endParaRPr lang="en-US" dirty="0"/>
           </a:p>
@@ -2499,7 +2945,7 @@
             <a:fld id="{B61BEF0D-F0BB-DE4B-95CE-6DB70DBA9567}" type="datetimeFigureOut">
               <a:rPr lang="en-US" dirty="0"/>
               <a:pPr/>
-              <a:t>5/15/25</a:t>
+              <a:t>6/1/25</a:t>
             </a:fld>
             <a:endParaRPr lang="en-US" dirty="0"/>
           </a:p>
@@ -2684,7 +3130,7 @@
             <a:fld id="{B61BEF0D-F0BB-DE4B-95CE-6DB70DBA9567}" type="datetimeFigureOut">
               <a:rPr lang="en-US" dirty="0"/>
               <a:pPr/>
-              <a:t>5/15/25</a:t>
+              <a:t>6/1/25</a:t>
             </a:fld>
             <a:endParaRPr lang="en-US" dirty="0"/>
           </a:p>
@@ -2940,7 +3386,7 @@
             <a:fld id="{B61BEF0D-F0BB-DE4B-95CE-6DB70DBA9567}" type="datetimeFigureOut">
               <a:rPr lang="en-US" dirty="0"/>
               <a:pPr/>
-              <a:t>5/15/25</a:t>
+              <a:t>6/1/25</a:t>
             </a:fld>
             <a:endParaRPr lang="en-US" dirty="0"/>
           </a:p>
@@ -3180,7 +3626,7 @@
           <a:p>
             <a:fld id="{EB712588-04B1-427B-82EE-E8DB90309F08}" type="datetimeFigureOut">
               <a:rPr lang="en-US" dirty="0"/>
-              <a:t>5/15/25</a:t>
+              <a:t>6/1/25</a:t>
             </a:fld>
             <a:endParaRPr lang="en-US" dirty="0"/>
           </a:p>
@@ -3562,7 +4008,7 @@
             <a:fld id="{B61BEF0D-F0BB-DE4B-95CE-6DB70DBA9567}" type="datetimeFigureOut">
               <a:rPr lang="en-US" dirty="0"/>
               <a:pPr/>
-              <a:t>5/15/25</a:t>
+              <a:t>6/1/25</a:t>
             </a:fld>
             <a:endParaRPr lang="en-US" dirty="0"/>
           </a:p>
@@ -3694,7 +4140,7 @@
             <a:fld id="{B61BEF0D-F0BB-DE4B-95CE-6DB70DBA9567}" type="datetimeFigureOut">
               <a:rPr lang="en-US" dirty="0"/>
               <a:pPr/>
-              <a:t>5/15/25</a:t>
+              <a:t>6/1/25</a:t>
             </a:fld>
             <a:endParaRPr lang="en-US" dirty="0"/>
           </a:p>
@@ -3798,7 +4244,7 @@
             <a:fld id="{B61BEF0D-F0BB-DE4B-95CE-6DB70DBA9567}" type="datetimeFigureOut">
               <a:rPr lang="en-US" dirty="0"/>
               <a:pPr/>
-              <a:t>5/15/25</a:t>
+              <a:t>6/1/25</a:t>
             </a:fld>
             <a:endParaRPr lang="en-US" dirty="0"/>
           </a:p>
@@ -4061,7 +4507,7 @@
           <a:p>
             <a:fld id="{42A54C80-263E-416B-A8E0-580EDEADCBDC}" type="datetimeFigureOut">
               <a:rPr lang="en-US" dirty="0"/>
-              <a:t>5/15/25</a:t>
+              <a:t>6/1/25</a:t>
             </a:fld>
             <a:endParaRPr lang="en-US" dirty="0"/>
           </a:p>
@@ -4332,7 +4778,7 @@
             <a:fld id="{B61BEF0D-F0BB-DE4B-95CE-6DB70DBA9567}" type="datetimeFigureOut">
               <a:rPr lang="en-US" dirty="0"/>
               <a:pPr/>
-              <a:t>5/15/25</a:t>
+              <a:t>6/1/25</a:t>
             </a:fld>
             <a:endParaRPr lang="en-US" dirty="0"/>
           </a:p>
@@ -5086,7 +5532,7 @@
             <a:fld id="{B61BEF0D-F0BB-DE4B-95CE-6DB70DBA9567}" type="datetimeFigureOut">
               <a:rPr lang="en-US" dirty="0"/>
               <a:pPr/>
-              <a:t>5/15/25</a:t>
+              <a:t>6/1/25</a:t>
             </a:fld>
             <a:endParaRPr lang="en-US" dirty="0"/>
           </a:p>
@@ -5655,7 +6101,7 @@
               </a:defRPr>
             </a:pPr>
             <a:r>
-              <a:rPr lang="en-IN">
+              <a:rPr lang="en-IN" dirty="0">
                 <a:solidFill/>
               </a:rPr>
               <a:t>iPhone 16 Pro</a:t>
@@ -5743,7 +6189,263 @@
 </p:sld>
 </file>
 
-<file path=ppt/slides/slide2.xml><?xml version="1.0" encoding="utf-8"?>
+<file path=ppt/slides/slide10.xml><?xml version="1.0" encoding="utf-8"?>
+<p:sld xmlns:a="http://schemas.openxmlformats.org/drawingml/2006/main" xmlns:r="http://schemas.openxmlformats.org/officeDocument/2006/relationships" xmlns:p="http://schemas.openxmlformats.org/presentationml/2006/main">
+  <p:cSld>
+    <p:spTree>
+      <p:nvGrpSpPr>
+        <p:cNvPr id="1" name="">
+          <a:extLst>
+            <a:ext uri="{FF2B5EF4-FFF2-40B4-BE49-F238E27FC236}">
+              <a16:creationId xmlns:a16="http://schemas.microsoft.com/office/drawing/2014/main" id="{6D28902F-EDE9-0C7D-A1C3-FA5E02FAD005}"/>
+            </a:ext>
+          </a:extLst>
+        </p:cNvPr>
+        <p:cNvGrpSpPr/>
+        <p:nvPr/>
+      </p:nvGrpSpPr>
+      <p:grpSpPr>
+        <a:xfrm>
+          <a:off x="0" y="0"/>
+          <a:ext cx="0" cy="0"/>
+          <a:chOff x="0" y="0"/>
+          <a:chExt cx="0" cy="0"/>
+        </a:xfrm>
+      </p:grpSpPr>
+      <p:sp>
+        <p:nvSpPr>
+          <p:cNvPr id="2" name="标题 1">
+            <a:extLst>
+              <a:ext uri="{FF2B5EF4-FFF2-40B4-BE49-F238E27FC236}">
+                <a16:creationId xmlns:a16="http://schemas.microsoft.com/office/drawing/2014/main" id="{CE9ECCDD-5CFE-CB62-84DA-3916AD039433}"/>
+              </a:ext>
+            </a:extLst>
+          </p:cNvPr>
+          <p:cNvSpPr>
+            <a:spLocks noGrp="1"/>
+          </p:cNvSpPr>
+          <p:nvPr>
+            <p:ph type="title"/>
+          </p:nvPr>
+        </p:nvSpPr>
+        <p:spPr/>
+        <p:txBody>
+          <a:bodyPr/>
+          <a:lstStyle/>
+          <a:p>
+            <a:r>
+              <a:rPr kumimoji="1" lang="zh-CN" altLang="en-US" dirty="0"/>
+              <a:t>学习目标</a:t>
+            </a:r>
+          </a:p>
+        </p:txBody>
+      </p:sp>
+      <p:sp>
+        <p:nvSpPr>
+          <p:cNvPr id="4" name="内容占位符 3">
+            <a:extLst>
+              <a:ext uri="{FF2B5EF4-FFF2-40B4-BE49-F238E27FC236}">
+                <a16:creationId xmlns:a16="http://schemas.microsoft.com/office/drawing/2014/main" id="{7E350243-D6AE-9FA3-F140-38D172E4397C}"/>
+              </a:ext>
+            </a:extLst>
+          </p:cNvPr>
+          <p:cNvSpPr txBox="1">
+            <a:spLocks noGrp="1"/>
+          </p:cNvSpPr>
+          <p:nvPr>
+            <p:ph idx="1"/>
+          </p:nvPr>
+        </p:nvSpPr>
+        <p:spPr>
+          <a:xfrm>
+            <a:off x="677334" y="2160589"/>
+            <a:ext cx="8596668" cy="1285673"/>
+          </a:xfrm>
+          <a:prstGeom prst="rect">
+            <a:avLst/>
+          </a:prstGeom>
+          <a:noFill/>
+        </p:spPr>
+        <p:txBody>
+          <a:bodyPr wrap="square" rtlCol="0">
+            <a:spAutoFit/>
+          </a:bodyPr>
+          <a:lstStyle/>
+          <a:p>
+            <a:pPr lvl="0" algn="l">
+              <a:lnSpc>
+                <a:spcPct val="150000"/>
+              </a:lnSpc>
+              <a:defRPr/>
+            </a:pPr>
+            <a:r>
+              <a:rPr lang="zh-CN" altLang="en-US" dirty="0">
+                <a:solidFill>
+                  <a:schemeClr val="tx1">
+                    <a:lumMod val="75000"/>
+                    <a:lumOff val="25000"/>
+                  </a:schemeClr>
+                </a:solidFill>
+                <a:latin typeface="Microsoft YaHei" panose="020B0503020204020204" pitchFamily="34" charset="-122"/>
+                <a:ea typeface="Microsoft YaHei" panose="020B0503020204020204" pitchFamily="34" charset="-122"/>
+              </a:rPr>
+              <a:t>介绍语</a:t>
+            </a:r>
+            <a:endParaRPr lang="en-US" altLang="zh-CN" dirty="0">
+              <a:solidFill>
+                <a:schemeClr val="tx1">
+                  <a:lumMod val="75000"/>
+                  <a:lumOff val="25000"/>
+                </a:schemeClr>
+              </a:solidFill>
+              <a:latin typeface="Microsoft YaHei" panose="020B0503020204020204" pitchFamily="34" charset="-122"/>
+              <a:ea typeface="Microsoft YaHei" panose="020B0503020204020204" pitchFamily="34" charset="-122"/>
+            </a:endParaRPr>
+          </a:p>
+          <a:p>
+            <a:r>
+              <a:rPr lang="zh-CN" altLang="en-US" dirty="0">
+                <a:latin typeface="Microsoft YaHei" panose="020B0503020204020204" pitchFamily="34" charset="-122"/>
+                <a:ea typeface="Microsoft YaHei" panose="020B0503020204020204" pitchFamily="34" charset="-122"/>
+              </a:rPr>
+              <a:t>请您单击此处添加合适文字加以说明</a:t>
+            </a:r>
+          </a:p>
+          <a:p>
+            <a:pPr lvl="0" algn="l">
+              <a:lnSpc>
+                <a:spcPct val="150000"/>
+              </a:lnSpc>
+              <a:defRPr/>
+            </a:pPr>
+            <a:endParaRPr lang="zh-CN" altLang="en-US" sz="1200" kern="0" dirty="0">
+              <a:solidFill>
+                <a:schemeClr val="tx1">
+                  <a:lumMod val="75000"/>
+                  <a:lumOff val="25000"/>
+                </a:schemeClr>
+              </a:solidFill>
+              <a:latin typeface="Microsoft YaHei" panose="020B0503020204020204" pitchFamily="34" charset="-122"/>
+              <a:ea typeface="Microsoft YaHei" panose="020B0503020204020204" pitchFamily="34" charset="-122"/>
+            </a:endParaRPr>
+          </a:p>
+        </p:txBody>
+      </p:sp>
+    </p:spTree>
+    <p:extLst>
+      <p:ext uri="{BB962C8B-B14F-4D97-AF65-F5344CB8AC3E}">
+        <p14:creationId xmlns:p14="http://schemas.microsoft.com/office/powerpoint/2010/main" val="2343522190"/>
+      </p:ext>
+    </p:extLst>
+  </p:cSld>
+  <p:clrMapOvr>
+    <a:masterClrMapping/>
+  </p:clrMapOvr>
+  <mc:AlternateContent xmlns:mc="http://schemas.openxmlformats.org/markup-compatibility/2006" xmlns:p14="http://schemas.microsoft.com/office/powerpoint/2010/main">
+    <mc:Choice Requires="p14">
+      <p:transition spd="med" p14:dur="700">
+        <p:fade/>
+      </p:transition>
+    </mc:Choice>
+    <mc:Fallback xmlns="">
+      <p:transition spd="med">
+        <p:fade/>
+      </p:transition>
+    </mc:Fallback>
+  </mc:AlternateContent>
+  <p:timing>
+    <p:tnLst>
+      <p:par>
+        <p:cTn id="1" dur="indefinite" restart="never" nodeType="tmRoot">
+          <p:childTnLst>
+            <p:seq concurrent="1" nextAc="seek">
+              <p:cTn id="2" dur="indefinite" nodeType="mainSeq">
+                <p:childTnLst>
+                  <p:par>
+                    <p:cTn id="3" fill="hold">
+                      <p:stCondLst>
+                        <p:cond delay="indefinite"/>
+                        <p:cond evt="onBegin" delay="0">
+                          <p:tn val="2"/>
+                        </p:cond>
+                      </p:stCondLst>
+                      <p:childTnLst>
+                        <p:par>
+                          <p:cTn id="4" fill="hold">
+                            <p:stCondLst>
+                              <p:cond delay="0"/>
+                            </p:stCondLst>
+                            <p:childTnLst>
+                              <p:par>
+                                <p:cTn id="5" presetID="14" presetClass="entr" presetSubtype="10" fill="hold" grpId="0" nodeType="afterEffect">
+                                  <p:stCondLst>
+                                    <p:cond delay="0"/>
+                                  </p:stCondLst>
+                                  <p:childTnLst>
+                                    <p:set>
+                                      <p:cBhvr>
+                                        <p:cTn id="6" dur="1" fill="hold">
+                                          <p:stCondLst>
+                                            <p:cond delay="0"/>
+                                          </p:stCondLst>
+                                        </p:cTn>
+                                        <p:tgtEl>
+                                          <p:spTgt spid="4"/>
+                                        </p:tgtEl>
+                                        <p:attrNameLst>
+                                          <p:attrName>style.visibility</p:attrName>
+                                        </p:attrNameLst>
+                                      </p:cBhvr>
+                                      <p:to>
+                                        <p:strVal val="visible"/>
+                                      </p:to>
+                                    </p:set>
+                                    <p:animEffect transition="in" filter="randombar(horizontal)">
+                                      <p:cBhvr>
+                                        <p:cTn id="7" dur="500"/>
+                                        <p:tgtEl>
+                                          <p:spTgt spid="4"/>
+                                        </p:tgtEl>
+                                      </p:cBhvr>
+                                    </p:animEffect>
+                                  </p:childTnLst>
+                                </p:cTn>
+                              </p:par>
+                            </p:childTnLst>
+                          </p:cTn>
+                        </p:par>
+                      </p:childTnLst>
+                    </p:cTn>
+                  </p:par>
+                </p:childTnLst>
+              </p:cTn>
+              <p:prevCondLst>
+                <p:cond evt="onPrev" delay="0">
+                  <p:tgtEl>
+                    <p:sldTgt/>
+                  </p:tgtEl>
+                </p:cond>
+              </p:prevCondLst>
+              <p:nextCondLst>
+                <p:cond evt="onNext" delay="0">
+                  <p:tgtEl>
+                    <p:sldTgt/>
+                  </p:tgtEl>
+                </p:cond>
+              </p:nextCondLst>
+            </p:seq>
+          </p:childTnLst>
+        </p:cTn>
+      </p:par>
+    </p:tnLst>
+    <p:bldLst>
+      <p:bldP spid="4" grpId="0"/>
+    </p:bldLst>
+  </p:timing>
+</p:sld>
+</file>
+
+<file path=ppt/slides/slide11.xml><?xml version="1.0" encoding="utf-8"?>
 <p:sld xmlns:a="http://schemas.openxmlformats.org/drawingml/2006/main" xmlns:r="http://schemas.openxmlformats.org/officeDocument/2006/relationships" xmlns:p="http://schemas.openxmlformats.org/presentationml/2006/main">
   <p:cSld>
     <p:bg>
@@ -5785,7 +6487,7 @@
         <p:spPr>
           <a:xfrm>
             <a:off x="677334" y="106680"/>
-            <a:ext cx="8596668" cy="1320800"/>
+            <a:ext cx="8596668" cy="719585"/>
           </a:xfrm>
         </p:spPr>
         <p:txBody>
@@ -5804,11 +6506,14 @@
               </a:defRPr>
             </a:pPr>
             <a:r>
-              <a:rPr lang="en-IN" dirty="0">
+              <a:rPr lang="en-IN" dirty="0" err="1">
                 <a:solidFill/>
               </a:rPr>
-              <a:t>iPhone 16 Pro</a:t>
-            </a:r>
+              <a:t>知识与能力</a:t>
+            </a:r>
+            <a:endParaRPr lang="en-IN" dirty="0">
+              <a:solidFill/>
+            </a:endParaRPr>
           </a:p>
         </p:txBody>
       </p:sp>
@@ -5846,95 +6551,136 @@
             </a:lvl1pPr>
           </a:lstStyle>
           <a:p>
-            <a:pPr marL="0" indent="0">
-              <a:buNone/>
-              <a:defRPr>
-                <a:solidFill/>
-              </a:defRPr>
-            </a:pPr>
-            <a:r>
-              <a:rPr lang="en-IN" sz="2400" dirty="0" err="1">
-                <a:solidFill>
-                  <a:schemeClr val="accent1">
-                    <a:lumMod val="60000"/>
-                    <a:lumOff val="40000"/>
-                  </a:schemeClr>
-                </a:solidFill>
+            <a:r>
+              <a:rPr lang="zh-CN" altLang="en-US" b="1" dirty="0">
+                <a:latin typeface="Microsoft YaHei" panose="020B0503020204020204" pitchFamily="34" charset="-122"/>
+                <a:ea typeface="Microsoft YaHei" panose="020B0503020204020204" pitchFamily="34" charset="-122"/>
               </a:rPr>
-              <a:t>Trade-In and Pricing: Receive $180–$650 credit towards iPhone 16 Pro when trading in an iPhone 12 or newer.</a:t>
-            </a:r>
-          </a:p>
-          <a:p>
-            <a:pPr>
-              <a:defRPr>
-                <a:solidFill/>
-              </a:defRPr>
-            </a:pPr>
-            <a:r>
-              <a:rPr lang="en-IN" sz="2400" dirty="0">
-                <a:solidFill>
-                  <a:schemeClr val="accent1">
-                    <a:lumMod val="60000"/>
-                    <a:lumOff val="40000"/>
-                  </a:schemeClr>
-                </a:solidFill>
+              <a:t>标题</a:t>
+            </a:r>
+            <a:r>
+              <a:rPr lang="zh-CN" altLang="en-US" dirty="0">
+                <a:latin typeface="Microsoft YaHei" panose="020B0503020204020204" pitchFamily="34" charset="-122"/>
+                <a:ea typeface="Microsoft YaHei" panose="020B0503020204020204" pitchFamily="34" charset="-122"/>
               </a:rPr>
-              <a:t>Design and Durability: Grade 5 titanium design with microblasted texture, available in four finishes including Desert Titanium.</a:t>
-            </a:r>
-          </a:p>
-          <a:p>
-            <a:pPr>
-              <a:defRPr>
-                <a:solidFill/>
-              </a:defRPr>
-            </a:pPr>
-            <a:r>
-              <a:rPr lang="en-IN" sz="2400" dirty="0">
-                <a:solidFill>
-                  <a:schemeClr val="accent1">
-                    <a:lumMod val="60000"/>
-                    <a:lumOff val="40000"/>
-                  </a:schemeClr>
-                </a:solidFill>
+              <a:t>：请您单击此处添加合适文字加以说明</a:t>
+            </a:r>
+            <a:endParaRPr lang="zh-CN" altLang="en-US" sz="1200" kern="0" dirty="0">
+              <a:solidFill>
+                <a:schemeClr val="tx1">
+                  <a:lumMod val="75000"/>
+                  <a:lumOff val="25000"/>
+                </a:schemeClr>
+              </a:solidFill>
+              <a:latin typeface="Microsoft YaHei" panose="020B0503020204020204" pitchFamily="34" charset="-122"/>
+              <a:ea typeface="Microsoft YaHei" panose="020B0503020204020204" pitchFamily="34" charset="-122"/>
+            </a:endParaRPr>
+          </a:p>
+          <a:p>
+            <a:r>
+              <a:rPr lang="zh-CN" altLang="en-US" b="1" dirty="0">
+                <a:latin typeface="Microsoft YaHei" panose="020B0503020204020204" pitchFamily="34" charset="-122"/>
+                <a:ea typeface="Microsoft YaHei" panose="020B0503020204020204" pitchFamily="34" charset="-122"/>
               </a:rPr>
-              <a:t>Display and Camera: New Super Retina XDR displays with 48MP Ultra Wide and 5x Telephoto cameras.</a:t>
-            </a:r>
-          </a:p>
-          <a:p>
-            <a:pPr>
-              <a:defRPr>
-                <a:solidFill/>
-              </a:defRPr>
-            </a:pPr>
-            <a:r>
-              <a:rPr lang="en-IN" sz="2400" dirty="0">
-                <a:solidFill>
-                  <a:schemeClr val="accent1">
-                    <a:lumMod val="60000"/>
-                    <a:lumOff val="40000"/>
-                  </a:schemeClr>
-                </a:solidFill>
+              <a:t>标题</a:t>
+            </a:r>
+            <a:r>
+              <a:rPr lang="zh-CN" altLang="en-US" dirty="0">
+                <a:latin typeface="Microsoft YaHei" panose="020B0503020204020204" pitchFamily="34" charset="-122"/>
+                <a:ea typeface="Microsoft YaHei" panose="020B0503020204020204" pitchFamily="34" charset="-122"/>
               </a:rPr>
-              <a:t>Performance and Battery: Up to 27 hours video playback.</a:t>
-            </a:r>
-          </a:p>
-          <a:p>
-            <a:pPr>
-              <a:defRPr>
-                <a:solidFill/>
-              </a:defRPr>
-            </a:pPr>
-            <a:r>
-              <a:rPr lang="en-IN" sz="2400" dirty="0">
-                <a:solidFill>
-                  <a:schemeClr val="accent1">
-                    <a:lumMod val="60000"/>
-                    <a:lumOff val="40000"/>
-                  </a:schemeClr>
-                </a:solidFill>
+              <a:t>：请您单击此处添加合适文字加以说明</a:t>
+            </a:r>
+            <a:endParaRPr lang="zh-CN" altLang="en-US" sz="1200" kern="0" dirty="0">
+              <a:solidFill>
+                <a:schemeClr val="tx1">
+                  <a:lumMod val="75000"/>
+                  <a:lumOff val="25000"/>
+                </a:schemeClr>
+              </a:solidFill>
+              <a:latin typeface="Microsoft YaHei" panose="020B0503020204020204" pitchFamily="34" charset="-122"/>
+              <a:ea typeface="Microsoft YaHei" panose="020B0503020204020204" pitchFamily="34" charset="-122"/>
+            </a:endParaRPr>
+          </a:p>
+          <a:p>
+            <a:r>
+              <a:rPr lang="zh-CN" altLang="en-US" b="1" dirty="0">
+                <a:latin typeface="Microsoft YaHei" panose="020B0503020204020204" pitchFamily="34" charset="-122"/>
+                <a:ea typeface="Microsoft YaHei" panose="020B0503020204020204" pitchFamily="34" charset="-122"/>
               </a:rPr>
-              <a:t>Additional Features: Advanced Apple Intelligence, enhanced accessibility, environmental and ethical considerations.</a:t>
-            </a:r>
+              <a:t>标题</a:t>
+            </a:r>
+            <a:r>
+              <a:rPr lang="zh-CN" altLang="en-US" dirty="0">
+                <a:latin typeface="Microsoft YaHei" panose="020B0503020204020204" pitchFamily="34" charset="-122"/>
+                <a:ea typeface="Microsoft YaHei" panose="020B0503020204020204" pitchFamily="34" charset="-122"/>
+              </a:rPr>
+              <a:t>：请您单击此处添加合适文字加以说明</a:t>
+            </a:r>
+            <a:endParaRPr lang="zh-CN" altLang="en-US" sz="1200" kern="0" dirty="0">
+              <a:solidFill>
+                <a:schemeClr val="tx1">
+                  <a:lumMod val="75000"/>
+                  <a:lumOff val="25000"/>
+                </a:schemeClr>
+              </a:solidFill>
+              <a:latin typeface="Microsoft YaHei" panose="020B0503020204020204" pitchFamily="34" charset="-122"/>
+              <a:ea typeface="Microsoft YaHei" panose="020B0503020204020204" pitchFamily="34" charset="-122"/>
+            </a:endParaRPr>
+          </a:p>
+          <a:p>
+            <a:r>
+              <a:rPr lang="zh-CN" altLang="en-US" b="1" dirty="0">
+                <a:latin typeface="Microsoft YaHei" panose="020B0503020204020204" pitchFamily="34" charset="-122"/>
+                <a:ea typeface="Microsoft YaHei" panose="020B0503020204020204" pitchFamily="34" charset="-122"/>
+              </a:rPr>
+              <a:t>标题</a:t>
+            </a:r>
+            <a:r>
+              <a:rPr lang="zh-CN" altLang="en-US" dirty="0">
+                <a:latin typeface="Microsoft YaHei" panose="020B0503020204020204" pitchFamily="34" charset="-122"/>
+                <a:ea typeface="Microsoft YaHei" panose="020B0503020204020204" pitchFamily="34" charset="-122"/>
+              </a:rPr>
+              <a:t>：请您单击此处添加合适文字加以说明</a:t>
+            </a:r>
+            <a:endParaRPr lang="zh-CN" altLang="en-US" sz="1200" kern="0" dirty="0">
+              <a:solidFill>
+                <a:schemeClr val="tx1">
+                  <a:lumMod val="75000"/>
+                  <a:lumOff val="25000"/>
+                </a:schemeClr>
+              </a:solidFill>
+              <a:latin typeface="Microsoft YaHei" panose="020B0503020204020204" pitchFamily="34" charset="-122"/>
+              <a:ea typeface="Microsoft YaHei" panose="020B0503020204020204" pitchFamily="34" charset="-122"/>
+            </a:endParaRPr>
+          </a:p>
+          <a:p>
+            <a:r>
+              <a:rPr lang="zh-CN" altLang="en-US" b="1" dirty="0">
+                <a:latin typeface="Microsoft YaHei" panose="020B0503020204020204" pitchFamily="34" charset="-122"/>
+                <a:ea typeface="Microsoft YaHei" panose="020B0503020204020204" pitchFamily="34" charset="-122"/>
+              </a:rPr>
+              <a:t>标题</a:t>
+            </a:r>
+            <a:r>
+              <a:rPr lang="zh-CN" altLang="en-US" dirty="0">
+                <a:latin typeface="Microsoft YaHei" panose="020B0503020204020204" pitchFamily="34" charset="-122"/>
+                <a:ea typeface="Microsoft YaHei" panose="020B0503020204020204" pitchFamily="34" charset="-122"/>
+              </a:rPr>
+              <a:t>：请您单击此处添加合适文字加以说明</a:t>
+            </a:r>
+          </a:p>
+          <a:p>
+            <a:endParaRPr lang="en-IN" dirty="0">
+              <a:solidFill>
+                <a:schemeClr val="accent1">
+                  <a:lumMod val="60000"/>
+                  <a:lumOff val="40000"/>
+                </a:schemeClr>
+              </a:solidFill>
+              <a:latin typeface="Microsoft YaHei" panose="020B0503020204020204" pitchFamily="34" charset="-122"/>
+              <a:ea typeface="Microsoft YaHei" panose="020B0503020204020204" pitchFamily="34" charset="-122"/>
+            </a:endParaRPr>
           </a:p>
         </p:txBody>
       </p:sp>
@@ -5946,7 +6692,686 @@
 </p:sld>
 </file>
 
-<file path=ppt/slides/slide3.xml><?xml version="1.0" encoding="utf-8"?>
+<file path=ppt/slides/slide12.xml><?xml version="1.0" encoding="utf-8"?>
+<p:sld xmlns:a="http://schemas.openxmlformats.org/drawingml/2006/main" xmlns:r="http://schemas.openxmlformats.org/officeDocument/2006/relationships" xmlns:p="http://schemas.openxmlformats.org/presentationml/2006/main">
+  <p:cSld>
+    <p:spTree>
+      <p:nvGrpSpPr>
+        <p:cNvPr id="1" name="">
+          <a:extLst>
+            <a:ext uri="{FF2B5EF4-FFF2-40B4-BE49-F238E27FC236}">
+              <a16:creationId xmlns:a16="http://schemas.microsoft.com/office/drawing/2014/main" id="{7CBCA1EA-3844-B7EE-53A7-F495D8B0C7E3}"/>
+            </a:ext>
+          </a:extLst>
+        </p:cNvPr>
+        <p:cNvGrpSpPr/>
+        <p:nvPr/>
+      </p:nvGrpSpPr>
+      <p:grpSpPr>
+        <a:xfrm>
+          <a:off x="0" y="0"/>
+          <a:ext cx="0" cy="0"/>
+          <a:chOff x="0" y="0"/>
+          <a:chExt cx="0" cy="0"/>
+        </a:xfrm>
+      </p:grpSpPr>
+      <p:sp>
+        <p:nvSpPr>
+          <p:cNvPr id="6" name="标题 5">
+            <a:extLst>
+              <a:ext uri="{FF2B5EF4-FFF2-40B4-BE49-F238E27FC236}">
+                <a16:creationId xmlns:a16="http://schemas.microsoft.com/office/drawing/2014/main" id="{74CEE7B6-66C5-A755-AAE0-B93265046FB8}"/>
+              </a:ext>
+            </a:extLst>
+          </p:cNvPr>
+          <p:cNvSpPr>
+            <a:spLocks noGrp="1"/>
+          </p:cNvSpPr>
+          <p:nvPr>
+            <p:ph type="title"/>
+          </p:nvPr>
+        </p:nvSpPr>
+        <p:spPr>
+          <a:xfrm>
+            <a:off x="677335" y="3822853"/>
+            <a:ext cx="8596668" cy="704595"/>
+          </a:xfrm>
+        </p:spPr>
+        <p:txBody>
+          <a:bodyPr/>
+          <a:lstStyle/>
+          <a:p>
+            <a:pPr algn="ctr">
+              <a:defRPr/>
+            </a:pPr>
+            <a:r>
+              <a:rPr lang="zh-CN" altLang="en-US" dirty="0">
+                <a:solidFill>
+                  <a:schemeClr val="accent2"/>
+                </a:solidFill>
+                <a:latin typeface="思源宋体 CN Heavy" panose="02020900000000000000" charset="-122"/>
+                <a:ea typeface="思源宋体 CN Heavy" panose="02020900000000000000" charset="-122"/>
+              </a:rPr>
+              <a:t>请您单击此处添加合适文字加以说明</a:t>
+            </a:r>
+          </a:p>
+        </p:txBody>
+      </p:sp>
+      <p:sp>
+        <p:nvSpPr>
+          <p:cNvPr id="7" name="文本占位符 6">
+            <a:extLst>
+              <a:ext uri="{FF2B5EF4-FFF2-40B4-BE49-F238E27FC236}">
+                <a16:creationId xmlns:a16="http://schemas.microsoft.com/office/drawing/2014/main" id="{091B27DA-A06E-42EC-A10B-CF40A104276C}"/>
+              </a:ext>
+            </a:extLst>
+          </p:cNvPr>
+          <p:cNvSpPr>
+            <a:spLocks noGrp="1"/>
+          </p:cNvSpPr>
+          <p:nvPr>
+            <p:ph type="body" idx="1"/>
+          </p:nvPr>
+        </p:nvSpPr>
+        <p:spPr/>
+        <p:txBody>
+          <a:bodyPr/>
+          <a:lstStyle/>
+          <a:p>
+            <a:endParaRPr lang="zh-CN" altLang="en-US" dirty="0"/>
+          </a:p>
+        </p:txBody>
+      </p:sp>
+      <p:sp>
+        <p:nvSpPr>
+          <p:cNvPr id="2" name="文本框 1">
+            <a:extLst>
+              <a:ext uri="{FF2B5EF4-FFF2-40B4-BE49-F238E27FC236}">
+                <a16:creationId xmlns:a16="http://schemas.microsoft.com/office/drawing/2014/main" id="{956D019B-D775-6F5F-F6A6-E04F4FA90499}"/>
+              </a:ext>
+            </a:extLst>
+          </p:cNvPr>
+          <p:cNvSpPr txBox="1"/>
+          <p:nvPr/>
+        </p:nvSpPr>
+        <p:spPr>
+          <a:xfrm>
+            <a:off x="4231715" y="2736995"/>
+            <a:ext cx="1487908" cy="584775"/>
+          </a:xfrm>
+          <a:prstGeom prst="rect">
+            <a:avLst/>
+          </a:prstGeom>
+          <a:noFill/>
+        </p:spPr>
+        <p:txBody>
+          <a:bodyPr wrap="none" rtlCol="0">
+            <a:spAutoFit/>
+          </a:bodyPr>
+          <a:lstStyle/>
+          <a:p>
+            <a:r>
+              <a:rPr kumimoji="1" lang="en-US" altLang="zh-CN" sz="3200" dirty="0"/>
+              <a:t>Part</a:t>
+            </a:r>
+            <a:r>
+              <a:rPr kumimoji="1" lang="zh-CN" altLang="en-US" sz="3200" dirty="0"/>
+              <a:t> </a:t>
+            </a:r>
+            <a:r>
+              <a:rPr kumimoji="1" lang="en-US" altLang="zh-CN" sz="3200" dirty="0"/>
+              <a:t>03</a:t>
+            </a:r>
+            <a:endParaRPr kumimoji="1" lang="zh-CN" altLang="en-US" sz="3200" dirty="0"/>
+          </a:p>
+        </p:txBody>
+      </p:sp>
+    </p:spTree>
+    <p:extLst>
+      <p:ext uri="{BB962C8B-B14F-4D97-AF65-F5344CB8AC3E}">
+        <p14:creationId xmlns:p14="http://schemas.microsoft.com/office/powerpoint/2010/main" val="3608420221"/>
+      </p:ext>
+    </p:extLst>
+  </p:cSld>
+  <p:clrMapOvr>
+    <a:masterClrMapping/>
+  </p:clrMapOvr>
+  <mc:AlternateContent xmlns:mc="http://schemas.openxmlformats.org/markup-compatibility/2006" xmlns:p14="http://schemas.microsoft.com/office/powerpoint/2010/main">
+    <mc:Choice Requires="p14">
+      <p:transition spd="med" p14:dur="700">
+        <p:fade/>
+      </p:transition>
+    </mc:Choice>
+    <mc:Fallback xmlns="">
+      <p:transition spd="med">
+        <p:fade/>
+      </p:transition>
+    </mc:Fallback>
+  </mc:AlternateContent>
+</p:sld>
+</file>
+
+<file path=ppt/slides/slide13.xml><?xml version="1.0" encoding="utf-8"?>
+<p:sld xmlns:a="http://schemas.openxmlformats.org/drawingml/2006/main" xmlns:r="http://schemas.openxmlformats.org/officeDocument/2006/relationships" xmlns:p="http://schemas.openxmlformats.org/presentationml/2006/main">
+  <p:cSld>
+    <p:spTree>
+      <p:nvGrpSpPr>
+        <p:cNvPr id="1" name="">
+          <a:extLst>
+            <a:ext uri="{FF2B5EF4-FFF2-40B4-BE49-F238E27FC236}">
+              <a16:creationId xmlns:a16="http://schemas.microsoft.com/office/drawing/2014/main" id="{577EDC1F-FDE2-1A43-E527-DC9CEC1F7242}"/>
+            </a:ext>
+          </a:extLst>
+        </p:cNvPr>
+        <p:cNvGrpSpPr/>
+        <p:nvPr/>
+      </p:nvGrpSpPr>
+      <p:grpSpPr>
+        <a:xfrm>
+          <a:off x="0" y="0"/>
+          <a:ext cx="0" cy="0"/>
+          <a:chOff x="0" y="0"/>
+          <a:chExt cx="0" cy="0"/>
+        </a:xfrm>
+      </p:grpSpPr>
+      <p:sp>
+        <p:nvSpPr>
+          <p:cNvPr id="2" name="标题 1">
+            <a:extLst>
+              <a:ext uri="{FF2B5EF4-FFF2-40B4-BE49-F238E27FC236}">
+                <a16:creationId xmlns:a16="http://schemas.microsoft.com/office/drawing/2014/main" id="{916743AE-537A-E476-A08A-BB2D1A1C2E50}"/>
+              </a:ext>
+            </a:extLst>
+          </p:cNvPr>
+          <p:cNvSpPr>
+            <a:spLocks noGrp="1"/>
+          </p:cNvSpPr>
+          <p:nvPr>
+            <p:ph type="title"/>
+          </p:nvPr>
+        </p:nvSpPr>
+        <p:spPr/>
+        <p:txBody>
+          <a:bodyPr/>
+          <a:lstStyle/>
+          <a:p>
+            <a:r>
+              <a:rPr kumimoji="1" lang="zh-CN" altLang="en-US" dirty="0"/>
+              <a:t>引导问题</a:t>
+            </a:r>
+          </a:p>
+        </p:txBody>
+      </p:sp>
+      <p:sp>
+        <p:nvSpPr>
+          <p:cNvPr id="4" name="内容占位符 3">
+            <a:extLst>
+              <a:ext uri="{FF2B5EF4-FFF2-40B4-BE49-F238E27FC236}">
+                <a16:creationId xmlns:a16="http://schemas.microsoft.com/office/drawing/2014/main" id="{A94B1BAD-A772-5F7A-94B6-3B6F91A411FE}"/>
+              </a:ext>
+            </a:extLst>
+          </p:cNvPr>
+          <p:cNvSpPr txBox="1">
+            <a:spLocks noGrp="1"/>
+          </p:cNvSpPr>
+          <p:nvPr>
+            <p:ph idx="1"/>
+          </p:nvPr>
+        </p:nvSpPr>
+        <p:spPr>
+          <a:xfrm>
+            <a:off x="677334" y="2160589"/>
+            <a:ext cx="8596668" cy="1285673"/>
+          </a:xfrm>
+          <a:prstGeom prst="rect">
+            <a:avLst/>
+          </a:prstGeom>
+          <a:noFill/>
+        </p:spPr>
+        <p:txBody>
+          <a:bodyPr wrap="square" rtlCol="0">
+            <a:spAutoFit/>
+          </a:bodyPr>
+          <a:lstStyle/>
+          <a:p>
+            <a:pPr lvl="0" algn="l">
+              <a:lnSpc>
+                <a:spcPct val="150000"/>
+              </a:lnSpc>
+              <a:defRPr/>
+            </a:pPr>
+            <a:r>
+              <a:rPr lang="zh-CN" altLang="en-US" dirty="0">
+                <a:solidFill>
+                  <a:schemeClr val="tx1">
+                    <a:lumMod val="75000"/>
+                    <a:lumOff val="25000"/>
+                  </a:schemeClr>
+                </a:solidFill>
+                <a:latin typeface="Microsoft YaHei" panose="020B0503020204020204" pitchFamily="34" charset="-122"/>
+                <a:ea typeface="Microsoft YaHei" panose="020B0503020204020204" pitchFamily="34" charset="-122"/>
+              </a:rPr>
+              <a:t>引导词</a:t>
+            </a:r>
+            <a:endParaRPr lang="en-US" altLang="zh-CN" dirty="0">
+              <a:solidFill>
+                <a:schemeClr val="tx1">
+                  <a:lumMod val="75000"/>
+                  <a:lumOff val="25000"/>
+                </a:schemeClr>
+              </a:solidFill>
+              <a:latin typeface="Microsoft YaHei" panose="020B0503020204020204" pitchFamily="34" charset="-122"/>
+              <a:ea typeface="Microsoft YaHei" panose="020B0503020204020204" pitchFamily="34" charset="-122"/>
+            </a:endParaRPr>
+          </a:p>
+          <a:p>
+            <a:pPr marL="0" indent="0">
+              <a:buNone/>
+            </a:pPr>
+            <a:r>
+              <a:rPr lang="zh-CN" altLang="en-US" dirty="0">
+                <a:latin typeface="Microsoft YaHei" panose="020B0503020204020204" pitchFamily="34" charset="-122"/>
+                <a:ea typeface="Microsoft YaHei" panose="020B0503020204020204" pitchFamily="34" charset="-122"/>
+              </a:rPr>
+              <a:t>请您单击此处添加合适文字加以说明</a:t>
+            </a:r>
+            <a:endParaRPr lang="zh-CN" altLang="en-US" sz="1200" kern="0" dirty="0">
+              <a:latin typeface="Microsoft YaHei" panose="020B0503020204020204" pitchFamily="34" charset="-122"/>
+              <a:ea typeface="Microsoft YaHei" panose="020B0503020204020204" pitchFamily="34" charset="-122"/>
+            </a:endParaRPr>
+          </a:p>
+          <a:p>
+            <a:pPr lvl="0" algn="l">
+              <a:lnSpc>
+                <a:spcPct val="150000"/>
+              </a:lnSpc>
+              <a:defRPr/>
+            </a:pPr>
+            <a:endParaRPr lang="zh-CN" altLang="en-US" sz="1200" kern="0" dirty="0">
+              <a:solidFill>
+                <a:schemeClr val="tx1">
+                  <a:lumMod val="75000"/>
+                  <a:lumOff val="25000"/>
+                </a:schemeClr>
+              </a:solidFill>
+              <a:latin typeface="Microsoft YaHei" panose="020B0503020204020204" pitchFamily="34" charset="-122"/>
+              <a:ea typeface="Microsoft YaHei" panose="020B0503020204020204" pitchFamily="34" charset="-122"/>
+            </a:endParaRPr>
+          </a:p>
+        </p:txBody>
+      </p:sp>
+    </p:spTree>
+    <p:extLst>
+      <p:ext uri="{BB962C8B-B14F-4D97-AF65-F5344CB8AC3E}">
+        <p14:creationId xmlns:p14="http://schemas.microsoft.com/office/powerpoint/2010/main" val="2018368668"/>
+      </p:ext>
+    </p:extLst>
+  </p:cSld>
+  <p:clrMapOvr>
+    <a:masterClrMapping/>
+  </p:clrMapOvr>
+  <mc:AlternateContent xmlns:mc="http://schemas.openxmlformats.org/markup-compatibility/2006" xmlns:p14="http://schemas.microsoft.com/office/powerpoint/2010/main">
+    <mc:Choice Requires="p14">
+      <p:transition spd="med" p14:dur="700">
+        <p:fade/>
+      </p:transition>
+    </mc:Choice>
+    <mc:Fallback xmlns="">
+      <p:transition spd="med">
+        <p:fade/>
+      </p:transition>
+    </mc:Fallback>
+  </mc:AlternateContent>
+  <p:timing>
+    <p:tnLst>
+      <p:par>
+        <p:cTn id="1" dur="indefinite" restart="never" nodeType="tmRoot">
+          <p:childTnLst>
+            <p:seq concurrent="1" nextAc="seek">
+              <p:cTn id="2" dur="indefinite" nodeType="mainSeq">
+                <p:childTnLst>
+                  <p:par>
+                    <p:cTn id="3" fill="hold">
+                      <p:stCondLst>
+                        <p:cond delay="indefinite"/>
+                        <p:cond evt="onBegin" delay="0">
+                          <p:tn val="2"/>
+                        </p:cond>
+                      </p:stCondLst>
+                      <p:childTnLst>
+                        <p:par>
+                          <p:cTn id="4" fill="hold">
+                            <p:stCondLst>
+                              <p:cond delay="0"/>
+                            </p:stCondLst>
+                            <p:childTnLst>
+                              <p:par>
+                                <p:cTn id="5" presetID="14" presetClass="entr" presetSubtype="10" fill="hold" grpId="0" nodeType="afterEffect">
+                                  <p:stCondLst>
+                                    <p:cond delay="0"/>
+                                  </p:stCondLst>
+                                  <p:childTnLst>
+                                    <p:set>
+                                      <p:cBhvr>
+                                        <p:cTn id="6" dur="1" fill="hold">
+                                          <p:stCondLst>
+                                            <p:cond delay="0"/>
+                                          </p:stCondLst>
+                                        </p:cTn>
+                                        <p:tgtEl>
+                                          <p:spTgt spid="4"/>
+                                        </p:tgtEl>
+                                        <p:attrNameLst>
+                                          <p:attrName>style.visibility</p:attrName>
+                                        </p:attrNameLst>
+                                      </p:cBhvr>
+                                      <p:to>
+                                        <p:strVal val="visible"/>
+                                      </p:to>
+                                    </p:set>
+                                    <p:animEffect transition="in" filter="randombar(horizontal)">
+                                      <p:cBhvr>
+                                        <p:cTn id="7" dur="500"/>
+                                        <p:tgtEl>
+                                          <p:spTgt spid="4"/>
+                                        </p:tgtEl>
+                                      </p:cBhvr>
+                                    </p:animEffect>
+                                  </p:childTnLst>
+                                </p:cTn>
+                              </p:par>
+                            </p:childTnLst>
+                          </p:cTn>
+                        </p:par>
+                      </p:childTnLst>
+                    </p:cTn>
+                  </p:par>
+                </p:childTnLst>
+              </p:cTn>
+              <p:prevCondLst>
+                <p:cond evt="onPrev" delay="0">
+                  <p:tgtEl>
+                    <p:sldTgt/>
+                  </p:tgtEl>
+                </p:cond>
+              </p:prevCondLst>
+              <p:nextCondLst>
+                <p:cond evt="onNext" delay="0">
+                  <p:tgtEl>
+                    <p:sldTgt/>
+                  </p:tgtEl>
+                </p:cond>
+              </p:nextCondLst>
+            </p:seq>
+          </p:childTnLst>
+        </p:cTn>
+      </p:par>
+    </p:tnLst>
+    <p:bldLst>
+      <p:bldP spid="4" grpId="0"/>
+    </p:bldLst>
+  </p:timing>
+</p:sld>
+</file>
+
+<file path=ppt/slides/slide14.xml><?xml version="1.0" encoding="utf-8"?>
+<p:sld xmlns:a="http://schemas.openxmlformats.org/drawingml/2006/main" xmlns:r="http://schemas.openxmlformats.org/officeDocument/2006/relationships" xmlns:p="http://schemas.openxmlformats.org/presentationml/2006/main">
+  <p:cSld>
+    <p:spTree>
+      <p:nvGrpSpPr>
+        <p:cNvPr id="1" name="">
+          <a:extLst>
+            <a:ext uri="{FF2B5EF4-FFF2-40B4-BE49-F238E27FC236}">
+              <a16:creationId xmlns:a16="http://schemas.microsoft.com/office/drawing/2014/main" id="{25A0D0B5-E7C2-77D0-9B17-9F06DE5CE381}"/>
+            </a:ext>
+          </a:extLst>
+        </p:cNvPr>
+        <p:cNvGrpSpPr/>
+        <p:nvPr/>
+      </p:nvGrpSpPr>
+      <p:grpSpPr>
+        <a:xfrm>
+          <a:off x="0" y="0"/>
+          <a:ext cx="0" cy="0"/>
+          <a:chOff x="0" y="0"/>
+          <a:chExt cx="0" cy="0"/>
+        </a:xfrm>
+      </p:grpSpPr>
+      <p:sp>
+        <p:nvSpPr>
+          <p:cNvPr id="2" name="标题 1">
+            <a:extLst>
+              <a:ext uri="{FF2B5EF4-FFF2-40B4-BE49-F238E27FC236}">
+                <a16:creationId xmlns:a16="http://schemas.microsoft.com/office/drawing/2014/main" id="{B33EC646-125E-1905-373C-F5A81D82F61D}"/>
+              </a:ext>
+            </a:extLst>
+          </p:cNvPr>
+          <p:cNvSpPr>
+            <a:spLocks noGrp="1"/>
+          </p:cNvSpPr>
+          <p:nvPr>
+            <p:ph type="title"/>
+          </p:nvPr>
+        </p:nvSpPr>
+        <p:spPr/>
+        <p:txBody>
+          <a:bodyPr/>
+          <a:lstStyle/>
+          <a:p>
+            <a:r>
+              <a:rPr kumimoji="1" lang="zh-CN" altLang="en-US" dirty="0"/>
+              <a:t>价值与意义</a:t>
+            </a:r>
+          </a:p>
+        </p:txBody>
+      </p:sp>
+      <p:sp>
+        <p:nvSpPr>
+          <p:cNvPr id="4" name="内容占位符 3">
+            <a:extLst>
+              <a:ext uri="{FF2B5EF4-FFF2-40B4-BE49-F238E27FC236}">
+                <a16:creationId xmlns:a16="http://schemas.microsoft.com/office/drawing/2014/main" id="{3BC4320B-A206-CD1E-3215-04F0B2700DA4}"/>
+              </a:ext>
+            </a:extLst>
+          </p:cNvPr>
+          <p:cNvSpPr txBox="1">
+            <a:spLocks noGrp="1"/>
+          </p:cNvSpPr>
+          <p:nvPr>
+            <p:ph idx="1"/>
+          </p:nvPr>
+        </p:nvSpPr>
+        <p:spPr>
+          <a:xfrm>
+            <a:off x="677334" y="2160589"/>
+            <a:ext cx="8596668" cy="1285673"/>
+          </a:xfrm>
+          <a:prstGeom prst="rect">
+            <a:avLst/>
+          </a:prstGeom>
+          <a:noFill/>
+        </p:spPr>
+        <p:txBody>
+          <a:bodyPr wrap="square" rtlCol="0">
+            <a:spAutoFit/>
+          </a:bodyPr>
+          <a:lstStyle/>
+          <a:p>
+            <a:pPr lvl="0" algn="l">
+              <a:lnSpc>
+                <a:spcPct val="150000"/>
+              </a:lnSpc>
+              <a:defRPr/>
+            </a:pPr>
+            <a:r>
+              <a:rPr lang="zh-CN" altLang="en-US" dirty="0">
+                <a:latin typeface="Microsoft YaHei" panose="020B0503020204020204" pitchFamily="34" charset="-122"/>
+                <a:ea typeface="Microsoft YaHei" panose="020B0503020204020204" pitchFamily="34" charset="-122"/>
+              </a:rPr>
+              <a:t>介绍语</a:t>
+            </a:r>
+            <a:endParaRPr lang="en-US" altLang="zh-CN" dirty="0">
+              <a:solidFill>
+                <a:schemeClr val="tx1">
+                  <a:lumMod val="75000"/>
+                  <a:lumOff val="25000"/>
+                </a:schemeClr>
+              </a:solidFill>
+              <a:latin typeface="Microsoft YaHei" panose="020B0503020204020204" pitchFamily="34" charset="-122"/>
+              <a:ea typeface="Microsoft YaHei" panose="020B0503020204020204" pitchFamily="34" charset="-122"/>
+            </a:endParaRPr>
+          </a:p>
+          <a:p>
+            <a:pPr marL="0" indent="0">
+              <a:buNone/>
+            </a:pPr>
+            <a:r>
+              <a:rPr lang="zh-CN" altLang="en-US" dirty="0">
+                <a:latin typeface="Microsoft YaHei" panose="020B0503020204020204" pitchFamily="34" charset="-122"/>
+                <a:ea typeface="Microsoft YaHei" panose="020B0503020204020204" pitchFamily="34" charset="-122"/>
+              </a:rPr>
+              <a:t>请您单击此处添加合适文字加以说明</a:t>
+            </a:r>
+            <a:endParaRPr lang="zh-CN" altLang="en-US" sz="1200" kern="0" dirty="0">
+              <a:latin typeface="Microsoft YaHei" panose="020B0503020204020204" pitchFamily="34" charset="-122"/>
+              <a:ea typeface="Microsoft YaHei" panose="020B0503020204020204" pitchFamily="34" charset="-122"/>
+            </a:endParaRPr>
+          </a:p>
+          <a:p>
+            <a:pPr lvl="0" algn="l">
+              <a:lnSpc>
+                <a:spcPct val="150000"/>
+              </a:lnSpc>
+              <a:defRPr/>
+            </a:pPr>
+            <a:endParaRPr lang="zh-CN" altLang="en-US" sz="1200" kern="0" dirty="0">
+              <a:solidFill>
+                <a:schemeClr val="tx1">
+                  <a:lumMod val="75000"/>
+                  <a:lumOff val="25000"/>
+                </a:schemeClr>
+              </a:solidFill>
+              <a:latin typeface="Microsoft YaHei" panose="020B0503020204020204" pitchFamily="34" charset="-122"/>
+              <a:ea typeface="Microsoft YaHei" panose="020B0503020204020204" pitchFamily="34" charset="-122"/>
+            </a:endParaRPr>
+          </a:p>
+        </p:txBody>
+      </p:sp>
+    </p:spTree>
+    <p:extLst>
+      <p:ext uri="{BB962C8B-B14F-4D97-AF65-F5344CB8AC3E}">
+        <p14:creationId xmlns:p14="http://schemas.microsoft.com/office/powerpoint/2010/main" val="451362869"/>
+      </p:ext>
+    </p:extLst>
+  </p:cSld>
+  <p:clrMapOvr>
+    <a:masterClrMapping/>
+  </p:clrMapOvr>
+  <mc:AlternateContent xmlns:mc="http://schemas.openxmlformats.org/markup-compatibility/2006" xmlns:p14="http://schemas.microsoft.com/office/powerpoint/2010/main">
+    <mc:Choice Requires="p14">
+      <p:transition spd="med" p14:dur="700">
+        <p:fade/>
+      </p:transition>
+    </mc:Choice>
+    <mc:Fallback xmlns="">
+      <p:transition spd="med">
+        <p:fade/>
+      </p:transition>
+    </mc:Fallback>
+  </mc:AlternateContent>
+  <p:timing>
+    <p:tnLst>
+      <p:par>
+        <p:cTn id="1" dur="indefinite" restart="never" nodeType="tmRoot">
+          <p:childTnLst>
+            <p:seq concurrent="1" nextAc="seek">
+              <p:cTn id="2" dur="indefinite" nodeType="mainSeq">
+                <p:childTnLst>
+                  <p:par>
+                    <p:cTn id="3" fill="hold">
+                      <p:stCondLst>
+                        <p:cond delay="indefinite"/>
+                        <p:cond evt="onBegin" delay="0">
+                          <p:tn val="2"/>
+                        </p:cond>
+                      </p:stCondLst>
+                      <p:childTnLst>
+                        <p:par>
+                          <p:cTn id="4" fill="hold">
+                            <p:stCondLst>
+                              <p:cond delay="0"/>
+                            </p:stCondLst>
+                            <p:childTnLst>
+                              <p:par>
+                                <p:cTn id="5" presetID="14" presetClass="entr" presetSubtype="10" fill="hold" grpId="0" nodeType="afterEffect">
+                                  <p:stCondLst>
+                                    <p:cond delay="0"/>
+                                  </p:stCondLst>
+                                  <p:childTnLst>
+                                    <p:set>
+                                      <p:cBhvr>
+                                        <p:cTn id="6" dur="1" fill="hold">
+                                          <p:stCondLst>
+                                            <p:cond delay="0"/>
+                                          </p:stCondLst>
+                                        </p:cTn>
+                                        <p:tgtEl>
+                                          <p:spTgt spid="4"/>
+                                        </p:tgtEl>
+                                        <p:attrNameLst>
+                                          <p:attrName>style.visibility</p:attrName>
+                                        </p:attrNameLst>
+                                      </p:cBhvr>
+                                      <p:to>
+                                        <p:strVal val="visible"/>
+                                      </p:to>
+                                    </p:set>
+                                    <p:animEffect transition="in" filter="randombar(horizontal)">
+                                      <p:cBhvr>
+                                        <p:cTn id="7" dur="500"/>
+                                        <p:tgtEl>
+                                          <p:spTgt spid="4"/>
+                                        </p:tgtEl>
+                                      </p:cBhvr>
+                                    </p:animEffect>
+                                  </p:childTnLst>
+                                </p:cTn>
+                              </p:par>
+                            </p:childTnLst>
+                          </p:cTn>
+                        </p:par>
+                      </p:childTnLst>
+                    </p:cTn>
+                  </p:par>
+                </p:childTnLst>
+              </p:cTn>
+              <p:prevCondLst>
+                <p:cond evt="onPrev" delay="0">
+                  <p:tgtEl>
+                    <p:sldTgt/>
+                  </p:tgtEl>
+                </p:cond>
+              </p:prevCondLst>
+              <p:nextCondLst>
+                <p:cond evt="onNext" delay="0">
+                  <p:tgtEl>
+                    <p:sldTgt/>
+                  </p:tgtEl>
+                </p:cond>
+              </p:nextCondLst>
+            </p:seq>
+          </p:childTnLst>
+        </p:cTn>
+      </p:par>
+    </p:tnLst>
+    <p:bldLst>
+      <p:bldP spid="4" grpId="0"/>
+    </p:bldLst>
+  </p:timing>
+</p:sld>
+</file>
+
+<file path=ppt/slides/slide15.xml><?xml version="1.0" encoding="utf-8"?>
 <p:sld xmlns:a="http://schemas.openxmlformats.org/drawingml/2006/main" xmlns:r="http://schemas.openxmlformats.org/officeDocument/2006/relationships" xmlns:p="http://schemas.openxmlformats.org/presentationml/2006/main">
   <p:cSld>
     <p:bg>
@@ -5974,7 +7399,7 @@
           <p:cNvPr id="2" name="Title 1">
             <a:extLst>
               <a:ext uri="{FF2B5EF4-FFF2-40B4-BE49-F238E27FC236}">
-                <a16:creationId xmlns:a16="http://schemas.microsoft.com/office/drawing/2014/main" id="{F3605411-7D2C-4654-8BFB-2F393DFD5913}"/>
+                <a16:creationId xmlns:a16="http://schemas.microsoft.com/office/drawing/2014/main" id="{A007B38C-0E0A-475E-AAF1-5C4557C3F24A}"/>
               </a:ext>
             </a:extLst>
           </p:cNvPr>
@@ -5987,8 +7412,8 @@
         </p:nvSpPr>
         <p:spPr>
           <a:xfrm>
-            <a:off x="677334" y="4237304"/>
-            <a:ext cx="8596667" cy="674024"/>
+            <a:off x="677334" y="156237"/>
+            <a:ext cx="8596668" cy="725112"/>
           </a:xfrm>
         </p:spPr>
         <p:txBody>
@@ -6001,50 +7426,29 @@
             </a:lvl1pPr>
           </a:lstStyle>
           <a:p>
-            <a:pPr algn="ctr">
+            <a:pPr>
               <a:defRPr>
                 <a:solidFill/>
               </a:defRPr>
             </a:pPr>
             <a:r>
-              <a:rPr lang="en-IN" dirty="0">
+              <a:rPr lang="en-IN" dirty="0" err="1">
                 <a:solidFill/>
               </a:rPr>
-              <a:t>Design and Durability</a:t>
-            </a:r>
-          </a:p>
-        </p:txBody>
-      </p:sp>
-      <p:pic>
-        <p:nvPicPr>
-          <p:cNvPr id="3" name="Picture Placeholder 5" descr="_page_0_Picture_6.jpeg"/>
-          <p:cNvPicPr>
-            <a:picLocks noChangeAspect="1"/>
-          </p:cNvPicPr>
-          <p:nvPr/>
-        </p:nvPicPr>
-        <p:blipFill>
-          <a:blip r:embed="rId2"/>
-          <a:stretch>
-            <a:fillRect/>
-          </a:stretch>
-        </p:blipFill>
-        <p:spPr>
-          <a:xfrm>
-            <a:off x="677334" y="609600"/>
-            <a:ext cx="5499100" cy="3835400"/>
-          </a:xfrm>
-          <a:prstGeom prst="rect">
-            <a:avLst/>
-          </a:prstGeom>
-        </p:spPr>
-      </p:pic>
-      <p:sp>
-        <p:nvSpPr>
-          <p:cNvPr id="4" name="Text Placeholder 3">
+              <a:t>高精尖价值</a:t>
+            </a:r>
+            <a:endParaRPr lang="en-IN" dirty="0">
+              <a:solidFill/>
+            </a:endParaRPr>
+          </a:p>
+        </p:txBody>
+      </p:sp>
+      <p:sp>
+        <p:nvSpPr>
+          <p:cNvPr id="3" name="Content Placeholder 2">
             <a:extLst>
               <a:ext uri="{FF2B5EF4-FFF2-40B4-BE49-F238E27FC236}">
-                <a16:creationId xmlns:a16="http://schemas.microsoft.com/office/drawing/2014/main" id="{6A48B58D-A676-460B-A052-DDB6DC16EEF4}"/>
+                <a16:creationId xmlns:a16="http://schemas.microsoft.com/office/drawing/2014/main" id="{0649A416-4688-43F4-BBB6-AFE1E13406BA}"/>
               </a:ext>
             </a:extLst>
           </p:cNvPr>
@@ -6052,13 +7456,13 @@
             <a:spLocks noGrp="1"/>
           </p:cNvSpPr>
           <p:nvPr>
-            <p:ph type="body" sz="half" idx="2"/>
+            <p:ph idx="1"/>
           </p:nvPr>
         </p:nvSpPr>
         <p:spPr>
           <a:xfrm>
-            <a:off x="677334" y="4911328"/>
-            <a:ext cx="8596667" cy="1789510"/>
+            <a:off x="677334" y="1234440"/>
+            <a:ext cx="8596668" cy="5623559"/>
           </a:xfrm>
         </p:spPr>
         <p:txBody>
@@ -6073,40 +7477,169 @@
             </a:lvl1pPr>
           </a:lstStyle>
           <a:p>
-            <a:pPr>
+            <a:pPr marL="0" indent="0">
+              <a:buNone/>
               <a:defRPr>
                 <a:solidFill/>
               </a:defRPr>
             </a:pPr>
-            <a:r>
-              <a:rPr lang="en-IN" sz="1600" dirty="0">
-                <a:solidFill>
-                  <a:schemeClr val="accent1">
-                    <a:lumMod val="60000"/>
-                    <a:lumOff val="40000"/>
-                  </a:schemeClr>
-                </a:solidFill>
+            <a:endParaRPr lang="en-IN" dirty="0"/>
+          </a:p>
+          <a:p>
+            <a:r>
+              <a:rPr lang="zh-CN" altLang="en-US" b="1" dirty="0">
+                <a:latin typeface="Microsoft YaHei" panose="020B0503020204020204" pitchFamily="34" charset="-122"/>
+                <a:ea typeface="Microsoft YaHei" panose="020B0503020204020204" pitchFamily="34" charset="-122"/>
               </a:rPr>
-              <a:t>The iPhone 16 Pro features a Grade 5 titanium design with a microblasted texture, combining strength with a lightweight build.</a:t>
-            </a:r>
-          </a:p>
-          <a:p>
-            <a:pPr>
-              <a:defRPr>
-                <a:solidFill/>
-              </a:defRPr>
-            </a:pPr>
-            <a:r>
-              <a:rPr lang="en-IN" sz="1600" dirty="0">
-                <a:solidFill>
-                  <a:schemeClr val="accent1">
-                    <a:lumMod val="60000"/>
-                    <a:lumOff val="40000"/>
-                  </a:schemeClr>
-                </a:solidFill>
+              <a:t>标题</a:t>
+            </a:r>
+            <a:r>
+              <a:rPr lang="zh-CN" altLang="en-US" dirty="0">
+                <a:latin typeface="Microsoft YaHei" panose="020B0503020204020204" pitchFamily="34" charset="-122"/>
+                <a:ea typeface="Microsoft YaHei" panose="020B0503020204020204" pitchFamily="34" charset="-122"/>
               </a:rPr>
-              <a:t>Available in four finishes, including the new Desert Titanium, the iPhone 16 Pro is splash, water, and dust resistant, and comes with the latest-generation Ceramic Shield for enhanced durability.</a:t>
-            </a:r>
+              <a:t>：请您单击此处添加合适文字加以说明</a:t>
+            </a:r>
+            <a:endParaRPr lang="zh-CN" altLang="en-US" sz="1200" kern="0" dirty="0">
+              <a:solidFill>
+                <a:schemeClr val="tx1">
+                  <a:lumMod val="75000"/>
+                  <a:lumOff val="25000"/>
+                </a:schemeClr>
+              </a:solidFill>
+              <a:latin typeface="Microsoft YaHei" panose="020B0503020204020204" pitchFamily="34" charset="-122"/>
+              <a:ea typeface="Microsoft YaHei" panose="020B0503020204020204" pitchFamily="34" charset="-122"/>
+            </a:endParaRPr>
+          </a:p>
+          <a:p>
+            <a:r>
+              <a:rPr lang="zh-CN" altLang="en-US" b="1" dirty="0">
+                <a:latin typeface="Microsoft YaHei" panose="020B0503020204020204" pitchFamily="34" charset="-122"/>
+                <a:ea typeface="Microsoft YaHei" panose="020B0503020204020204" pitchFamily="34" charset="-122"/>
+              </a:rPr>
+              <a:t>标题</a:t>
+            </a:r>
+            <a:r>
+              <a:rPr lang="zh-CN" altLang="en-US" dirty="0">
+                <a:latin typeface="Microsoft YaHei" panose="020B0503020204020204" pitchFamily="34" charset="-122"/>
+                <a:ea typeface="Microsoft YaHei" panose="020B0503020204020204" pitchFamily="34" charset="-122"/>
+              </a:rPr>
+              <a:t>：请您单击此处添加合适文字加以说明</a:t>
+            </a:r>
+            <a:endParaRPr lang="zh-CN" altLang="en-US" sz="1200" kern="0" dirty="0">
+              <a:solidFill>
+                <a:schemeClr val="tx1">
+                  <a:lumMod val="75000"/>
+                  <a:lumOff val="25000"/>
+                </a:schemeClr>
+              </a:solidFill>
+              <a:latin typeface="Microsoft YaHei" panose="020B0503020204020204" pitchFamily="34" charset="-122"/>
+              <a:ea typeface="Microsoft YaHei" panose="020B0503020204020204" pitchFamily="34" charset="-122"/>
+            </a:endParaRPr>
+          </a:p>
+          <a:p>
+            <a:r>
+              <a:rPr lang="zh-CN" altLang="en-US" b="1" dirty="0">
+                <a:latin typeface="Microsoft YaHei" panose="020B0503020204020204" pitchFamily="34" charset="-122"/>
+                <a:ea typeface="Microsoft YaHei" panose="020B0503020204020204" pitchFamily="34" charset="-122"/>
+              </a:rPr>
+              <a:t>标题</a:t>
+            </a:r>
+            <a:r>
+              <a:rPr lang="zh-CN" altLang="en-US" dirty="0">
+                <a:latin typeface="Microsoft YaHei" panose="020B0503020204020204" pitchFamily="34" charset="-122"/>
+                <a:ea typeface="Microsoft YaHei" panose="020B0503020204020204" pitchFamily="34" charset="-122"/>
+              </a:rPr>
+              <a:t>：请您单击此处添加合适文字加以说明</a:t>
+            </a:r>
+            <a:endParaRPr lang="zh-CN" altLang="en-US" sz="1200" kern="0" dirty="0">
+              <a:solidFill>
+                <a:schemeClr val="tx1">
+                  <a:lumMod val="75000"/>
+                  <a:lumOff val="25000"/>
+                </a:schemeClr>
+              </a:solidFill>
+              <a:latin typeface="Microsoft YaHei" panose="020B0503020204020204" pitchFamily="34" charset="-122"/>
+              <a:ea typeface="Microsoft YaHei" panose="020B0503020204020204" pitchFamily="34" charset="-122"/>
+            </a:endParaRPr>
+          </a:p>
+          <a:p>
+            <a:r>
+              <a:rPr lang="zh-CN" altLang="en-US" b="1" dirty="0">
+                <a:latin typeface="Microsoft YaHei" panose="020B0503020204020204" pitchFamily="34" charset="-122"/>
+                <a:ea typeface="Microsoft YaHei" panose="020B0503020204020204" pitchFamily="34" charset="-122"/>
+              </a:rPr>
+              <a:t>标题</a:t>
+            </a:r>
+            <a:r>
+              <a:rPr lang="zh-CN" altLang="en-US" dirty="0">
+                <a:latin typeface="Microsoft YaHei" panose="020B0503020204020204" pitchFamily="34" charset="-122"/>
+                <a:ea typeface="Microsoft YaHei" panose="020B0503020204020204" pitchFamily="34" charset="-122"/>
+              </a:rPr>
+              <a:t>：请您单击此处添加合适文字加以说明</a:t>
+            </a:r>
+            <a:endParaRPr lang="zh-CN" altLang="en-US" sz="1200" kern="0" dirty="0">
+              <a:solidFill>
+                <a:schemeClr val="tx1">
+                  <a:lumMod val="75000"/>
+                  <a:lumOff val="25000"/>
+                </a:schemeClr>
+              </a:solidFill>
+              <a:latin typeface="Microsoft YaHei" panose="020B0503020204020204" pitchFamily="34" charset="-122"/>
+              <a:ea typeface="Microsoft YaHei" panose="020B0503020204020204" pitchFamily="34" charset="-122"/>
+            </a:endParaRPr>
+          </a:p>
+          <a:p>
+            <a:r>
+              <a:rPr lang="zh-CN" altLang="en-US" b="1" dirty="0">
+                <a:latin typeface="Microsoft YaHei" panose="020B0503020204020204" pitchFamily="34" charset="-122"/>
+                <a:ea typeface="Microsoft YaHei" panose="020B0503020204020204" pitchFamily="34" charset="-122"/>
+              </a:rPr>
+              <a:t>标题</a:t>
+            </a:r>
+            <a:r>
+              <a:rPr lang="zh-CN" altLang="en-US" dirty="0">
+                <a:latin typeface="Microsoft YaHei" panose="020B0503020204020204" pitchFamily="34" charset="-122"/>
+                <a:ea typeface="Microsoft YaHei" panose="020B0503020204020204" pitchFamily="34" charset="-122"/>
+              </a:rPr>
+              <a:t>：请您单击此处添加合适文字加以说明</a:t>
+            </a:r>
+            <a:endParaRPr lang="zh-CN" altLang="en-US" sz="1200" kern="0" dirty="0">
+              <a:solidFill>
+                <a:schemeClr val="tx1">
+                  <a:lumMod val="75000"/>
+                  <a:lumOff val="25000"/>
+                </a:schemeClr>
+              </a:solidFill>
+              <a:latin typeface="Microsoft YaHei" panose="020B0503020204020204" pitchFamily="34" charset="-122"/>
+              <a:ea typeface="Microsoft YaHei" panose="020B0503020204020204" pitchFamily="34" charset="-122"/>
+            </a:endParaRPr>
+          </a:p>
+          <a:p>
+            <a:r>
+              <a:rPr lang="zh-CN" altLang="en-US" b="1" dirty="0">
+                <a:latin typeface="Microsoft YaHei" panose="020B0503020204020204" pitchFamily="34" charset="-122"/>
+                <a:ea typeface="Microsoft YaHei" panose="020B0503020204020204" pitchFamily="34" charset="-122"/>
+              </a:rPr>
+              <a:t>标题</a:t>
+            </a:r>
+            <a:r>
+              <a:rPr lang="zh-CN" altLang="en-US" dirty="0">
+                <a:latin typeface="Microsoft YaHei" panose="020B0503020204020204" pitchFamily="34" charset="-122"/>
+                <a:ea typeface="Microsoft YaHei" panose="020B0503020204020204" pitchFamily="34" charset="-122"/>
+              </a:rPr>
+              <a:t>：请您单击此处添加合适文字加以说明</a:t>
+            </a:r>
+            <a:endParaRPr lang="zh-CN" altLang="en-US" sz="1200" kern="0" dirty="0">
+              <a:solidFill>
+                <a:schemeClr val="tx1">
+                  <a:lumMod val="75000"/>
+                  <a:lumOff val="25000"/>
+                </a:schemeClr>
+              </a:solidFill>
+              <a:latin typeface="Microsoft YaHei" panose="020B0503020204020204" pitchFamily="34" charset="-122"/>
+              <a:ea typeface="Microsoft YaHei" panose="020B0503020204020204" pitchFamily="34" charset="-122"/>
+            </a:endParaRPr>
           </a:p>
           <a:p>
             <a:endParaRPr lang="en-IN" dirty="0"/>
@@ -6121,7 +7654,1221 @@
 </p:sld>
 </file>
 
-<file path=ppt/slides/slide4.xml><?xml version="1.0" encoding="utf-8"?>
+<file path=ppt/slides/slide16.xml><?xml version="1.0" encoding="utf-8"?>
+<p:sld xmlns:a="http://schemas.openxmlformats.org/drawingml/2006/main" xmlns:r="http://schemas.openxmlformats.org/officeDocument/2006/relationships" xmlns:p="http://schemas.openxmlformats.org/presentationml/2006/main">
+  <p:cSld>
+    <p:spTree>
+      <p:nvGrpSpPr>
+        <p:cNvPr id="1" name="">
+          <a:extLst>
+            <a:ext uri="{FF2B5EF4-FFF2-40B4-BE49-F238E27FC236}">
+              <a16:creationId xmlns:a16="http://schemas.microsoft.com/office/drawing/2014/main" id="{6041B35D-D0AA-BA77-416C-6BB585B178BA}"/>
+            </a:ext>
+          </a:extLst>
+        </p:cNvPr>
+        <p:cNvGrpSpPr/>
+        <p:nvPr/>
+      </p:nvGrpSpPr>
+      <p:grpSpPr>
+        <a:xfrm>
+          <a:off x="0" y="0"/>
+          <a:ext cx="0" cy="0"/>
+          <a:chOff x="0" y="0"/>
+          <a:chExt cx="0" cy="0"/>
+        </a:xfrm>
+      </p:grpSpPr>
+      <p:sp>
+        <p:nvSpPr>
+          <p:cNvPr id="6" name="标题 5">
+            <a:extLst>
+              <a:ext uri="{FF2B5EF4-FFF2-40B4-BE49-F238E27FC236}">
+                <a16:creationId xmlns:a16="http://schemas.microsoft.com/office/drawing/2014/main" id="{E90E7D82-328E-1A12-2101-50292BF90A2C}"/>
+              </a:ext>
+            </a:extLst>
+          </p:cNvPr>
+          <p:cNvSpPr>
+            <a:spLocks noGrp="1"/>
+          </p:cNvSpPr>
+          <p:nvPr>
+            <p:ph type="title"/>
+          </p:nvPr>
+        </p:nvSpPr>
+        <p:spPr>
+          <a:xfrm>
+            <a:off x="677335" y="3822853"/>
+            <a:ext cx="8596668" cy="704595"/>
+          </a:xfrm>
+        </p:spPr>
+        <p:txBody>
+          <a:bodyPr/>
+          <a:lstStyle/>
+          <a:p>
+            <a:pPr algn="ctr">
+              <a:defRPr/>
+            </a:pPr>
+            <a:r>
+              <a:rPr lang="zh-CN" altLang="en-US" dirty="0">
+                <a:solidFill>
+                  <a:schemeClr val="accent2"/>
+                </a:solidFill>
+                <a:latin typeface="思源宋体 CN Heavy" panose="02020900000000000000" charset="-122"/>
+                <a:ea typeface="思源宋体 CN Heavy" panose="02020900000000000000" charset="-122"/>
+              </a:rPr>
+              <a:t>请您单击此处添加合适文字加以说明</a:t>
+            </a:r>
+          </a:p>
+        </p:txBody>
+      </p:sp>
+      <p:sp>
+        <p:nvSpPr>
+          <p:cNvPr id="7" name="文本占位符 6">
+            <a:extLst>
+              <a:ext uri="{FF2B5EF4-FFF2-40B4-BE49-F238E27FC236}">
+                <a16:creationId xmlns:a16="http://schemas.microsoft.com/office/drawing/2014/main" id="{0503B140-6322-48A9-52C7-368AC8B68D91}"/>
+              </a:ext>
+            </a:extLst>
+          </p:cNvPr>
+          <p:cNvSpPr>
+            <a:spLocks noGrp="1"/>
+          </p:cNvSpPr>
+          <p:nvPr>
+            <p:ph type="body" idx="1"/>
+          </p:nvPr>
+        </p:nvSpPr>
+        <p:spPr/>
+        <p:txBody>
+          <a:bodyPr/>
+          <a:lstStyle/>
+          <a:p>
+            <a:endParaRPr lang="zh-CN" altLang="en-US" dirty="0"/>
+          </a:p>
+        </p:txBody>
+      </p:sp>
+      <p:sp>
+        <p:nvSpPr>
+          <p:cNvPr id="2" name="文本框 1">
+            <a:extLst>
+              <a:ext uri="{FF2B5EF4-FFF2-40B4-BE49-F238E27FC236}">
+                <a16:creationId xmlns:a16="http://schemas.microsoft.com/office/drawing/2014/main" id="{F74C8C5C-26C8-4E99-688C-3A64623ED414}"/>
+              </a:ext>
+            </a:extLst>
+          </p:cNvPr>
+          <p:cNvSpPr txBox="1"/>
+          <p:nvPr/>
+        </p:nvSpPr>
+        <p:spPr>
+          <a:xfrm>
+            <a:off x="4231715" y="2736995"/>
+            <a:ext cx="1487908" cy="584775"/>
+          </a:xfrm>
+          <a:prstGeom prst="rect">
+            <a:avLst/>
+          </a:prstGeom>
+          <a:noFill/>
+        </p:spPr>
+        <p:txBody>
+          <a:bodyPr wrap="none" rtlCol="0">
+            <a:spAutoFit/>
+          </a:bodyPr>
+          <a:lstStyle/>
+          <a:p>
+            <a:r>
+              <a:rPr kumimoji="1" lang="en-US" altLang="zh-CN" sz="3200" dirty="0"/>
+              <a:t>Part</a:t>
+            </a:r>
+            <a:r>
+              <a:rPr kumimoji="1" lang="zh-CN" altLang="en-US" sz="3200" dirty="0"/>
+              <a:t> </a:t>
+            </a:r>
+            <a:r>
+              <a:rPr kumimoji="1" lang="en-US" altLang="zh-CN" sz="3200" dirty="0"/>
+              <a:t>04</a:t>
+            </a:r>
+            <a:endParaRPr kumimoji="1" lang="zh-CN" altLang="en-US" sz="3200" dirty="0"/>
+          </a:p>
+        </p:txBody>
+      </p:sp>
+    </p:spTree>
+    <p:extLst>
+      <p:ext uri="{BB962C8B-B14F-4D97-AF65-F5344CB8AC3E}">
+        <p14:creationId xmlns:p14="http://schemas.microsoft.com/office/powerpoint/2010/main" val="780257501"/>
+      </p:ext>
+    </p:extLst>
+  </p:cSld>
+  <p:clrMapOvr>
+    <a:masterClrMapping/>
+  </p:clrMapOvr>
+  <mc:AlternateContent xmlns:mc="http://schemas.openxmlformats.org/markup-compatibility/2006" xmlns:p14="http://schemas.microsoft.com/office/powerpoint/2010/main">
+    <mc:Choice Requires="p14">
+      <p:transition spd="med" p14:dur="700">
+        <p:fade/>
+      </p:transition>
+    </mc:Choice>
+    <mc:Fallback xmlns="">
+      <p:transition spd="med">
+        <p:fade/>
+      </p:transition>
+    </mc:Fallback>
+  </mc:AlternateContent>
+</p:sld>
+</file>
+
+<file path=ppt/slides/slide17.xml><?xml version="1.0" encoding="utf-8"?>
+<p:sld xmlns:a="http://schemas.openxmlformats.org/drawingml/2006/main" xmlns:r="http://schemas.openxmlformats.org/officeDocument/2006/relationships" xmlns:p="http://schemas.openxmlformats.org/presentationml/2006/main">
+  <p:cSld>
+    <p:spTree>
+      <p:nvGrpSpPr>
+        <p:cNvPr id="1" name="">
+          <a:extLst>
+            <a:ext uri="{FF2B5EF4-FFF2-40B4-BE49-F238E27FC236}">
+              <a16:creationId xmlns:a16="http://schemas.microsoft.com/office/drawing/2014/main" id="{685EAF9F-60C1-D1C9-8D81-325B8261660F}"/>
+            </a:ext>
+          </a:extLst>
+        </p:cNvPr>
+        <p:cNvGrpSpPr/>
+        <p:nvPr/>
+      </p:nvGrpSpPr>
+      <p:grpSpPr>
+        <a:xfrm>
+          <a:off x="0" y="0"/>
+          <a:ext cx="0" cy="0"/>
+          <a:chOff x="0" y="0"/>
+          <a:chExt cx="0" cy="0"/>
+        </a:xfrm>
+      </p:grpSpPr>
+      <p:sp>
+        <p:nvSpPr>
+          <p:cNvPr id="6" name="标题 5">
+            <a:extLst>
+              <a:ext uri="{FF2B5EF4-FFF2-40B4-BE49-F238E27FC236}">
+                <a16:creationId xmlns:a16="http://schemas.microsoft.com/office/drawing/2014/main" id="{EA93FB22-F905-F029-F14B-3093D7102B4B}"/>
+              </a:ext>
+            </a:extLst>
+          </p:cNvPr>
+          <p:cNvSpPr>
+            <a:spLocks noGrp="1"/>
+          </p:cNvSpPr>
+          <p:nvPr>
+            <p:ph type="title"/>
+          </p:nvPr>
+        </p:nvSpPr>
+        <p:spPr/>
+        <p:txBody>
+          <a:bodyPr/>
+          <a:lstStyle/>
+          <a:p>
+            <a:r>
+              <a:rPr lang="zh-CN" altLang="en-US" dirty="0"/>
+              <a:t>目标与任务导学设计</a:t>
+            </a:r>
+          </a:p>
+        </p:txBody>
+      </p:sp>
+      <p:sp>
+        <p:nvSpPr>
+          <p:cNvPr id="8" name="文本框 7">
+            <a:extLst>
+              <a:ext uri="{FF2B5EF4-FFF2-40B4-BE49-F238E27FC236}">
+                <a16:creationId xmlns:a16="http://schemas.microsoft.com/office/drawing/2014/main" id="{7B1AB2F4-0561-99AD-AAE7-7A996258E9B6}"/>
+              </a:ext>
+            </a:extLst>
+          </p:cNvPr>
+          <p:cNvSpPr txBox="1"/>
+          <p:nvPr/>
+        </p:nvSpPr>
+        <p:spPr>
+          <a:xfrm>
+            <a:off x="727387" y="1553944"/>
+            <a:ext cx="8496562" cy="784830"/>
+          </a:xfrm>
+          <a:prstGeom prst="rect">
+            <a:avLst/>
+          </a:prstGeom>
+          <a:noFill/>
+        </p:spPr>
+        <p:txBody>
+          <a:bodyPr wrap="square" rtlCol="0">
+            <a:spAutoFit/>
+          </a:bodyPr>
+          <a:lstStyle/>
+          <a:p>
+            <a:pPr lvl="0">
+              <a:lnSpc>
+                <a:spcPct val="150000"/>
+              </a:lnSpc>
+              <a:defRPr/>
+            </a:pPr>
+            <a:r>
+              <a:rPr lang="zh-CN" altLang="en-US" dirty="0">
+                <a:solidFill>
+                  <a:schemeClr val="tx1">
+                    <a:lumMod val="75000"/>
+                    <a:lumOff val="25000"/>
+                  </a:schemeClr>
+                </a:solidFill>
+                <a:latin typeface="Microsoft YaHei" panose="020B0503020204020204" pitchFamily="34" charset="-122"/>
+                <a:ea typeface="Microsoft YaHei" panose="020B0503020204020204" pitchFamily="34" charset="-122"/>
+              </a:rPr>
+              <a:t>引导词：鉴往如来</a:t>
+            </a:r>
+            <a:endParaRPr lang="en-US" altLang="zh-CN" dirty="0">
+              <a:solidFill>
+                <a:schemeClr val="tx1">
+                  <a:lumMod val="75000"/>
+                  <a:lumOff val="25000"/>
+                </a:schemeClr>
+              </a:solidFill>
+              <a:latin typeface="Microsoft YaHei" panose="020B0503020204020204" pitchFamily="34" charset="-122"/>
+              <a:ea typeface="Microsoft YaHei" panose="020B0503020204020204" pitchFamily="34" charset="-122"/>
+            </a:endParaRPr>
+          </a:p>
+          <a:p>
+            <a:r>
+              <a:rPr lang="zh-CN" altLang="en-US" dirty="0">
+                <a:latin typeface="Microsoft YaHei" panose="020B0503020204020204" pitchFamily="34" charset="-122"/>
+                <a:ea typeface="Microsoft YaHei" panose="020B0503020204020204" pitchFamily="34" charset="-122"/>
+              </a:rPr>
+              <a:t>请您单击此处添加合适文字加以说明</a:t>
+            </a:r>
+            <a:endParaRPr lang="zh-CN" altLang="en-US" sz="1200" kern="0" dirty="0">
+              <a:solidFill>
+                <a:schemeClr val="tx1">
+                  <a:lumMod val="75000"/>
+                  <a:lumOff val="25000"/>
+                </a:schemeClr>
+              </a:solidFill>
+              <a:latin typeface="Microsoft YaHei" panose="020B0503020204020204" pitchFamily="34" charset="-122"/>
+              <a:ea typeface="Microsoft YaHei" panose="020B0503020204020204" pitchFamily="34" charset="-122"/>
+            </a:endParaRPr>
+          </a:p>
+        </p:txBody>
+      </p:sp>
+      <p:sp>
+        <p:nvSpPr>
+          <p:cNvPr id="9" name="文本框 8">
+            <a:extLst>
+              <a:ext uri="{FF2B5EF4-FFF2-40B4-BE49-F238E27FC236}">
+                <a16:creationId xmlns:a16="http://schemas.microsoft.com/office/drawing/2014/main" id="{3B67AD4B-6299-E000-D222-9C64767E9BBC}"/>
+              </a:ext>
+            </a:extLst>
+          </p:cNvPr>
+          <p:cNvSpPr txBox="1"/>
+          <p:nvPr/>
+        </p:nvSpPr>
+        <p:spPr>
+          <a:xfrm>
+            <a:off x="727387" y="3804479"/>
+            <a:ext cx="6696428" cy="752194"/>
+          </a:xfrm>
+          <a:prstGeom prst="rect">
+            <a:avLst/>
+          </a:prstGeom>
+          <a:noFill/>
+        </p:spPr>
+        <p:txBody>
+          <a:bodyPr wrap="square" rtlCol="0">
+            <a:spAutoFit/>
+          </a:bodyPr>
+          <a:lstStyle/>
+          <a:p>
+            <a:pPr lvl="0" algn="l">
+              <a:lnSpc>
+                <a:spcPct val="150000"/>
+              </a:lnSpc>
+              <a:defRPr/>
+            </a:pPr>
+            <a:r>
+              <a:rPr lang="zh-CN" altLang="en-US" b="1" dirty="0">
+                <a:solidFill>
+                  <a:schemeClr val="tx1">
+                    <a:lumMod val="75000"/>
+                    <a:lumOff val="25000"/>
+                  </a:schemeClr>
+                </a:solidFill>
+                <a:latin typeface="思源黑体 CN Medium" panose="020B0600000000000000" pitchFamily="34" charset="-122"/>
+                <a:ea typeface="思源黑体 CN Medium" panose="020B0600000000000000" pitchFamily="34" charset="-122"/>
+              </a:rPr>
+              <a:t>回答</a:t>
+            </a:r>
+            <a:r>
+              <a:rPr lang="en-US" altLang="zh-CN" b="1" dirty="0">
+                <a:solidFill>
+                  <a:schemeClr val="tx1">
+                    <a:lumMod val="75000"/>
+                    <a:lumOff val="25000"/>
+                  </a:schemeClr>
+                </a:solidFill>
+                <a:latin typeface="思源黑体 CN Medium" panose="020B0600000000000000" pitchFamily="34" charset="-122"/>
+                <a:ea typeface="思源黑体 CN Medium" panose="020B0600000000000000" pitchFamily="34" charset="-122"/>
+                <a:sym typeface="Wingdings" pitchFamily="2" charset="2"/>
+              </a:rPr>
+              <a:t>:</a:t>
+            </a:r>
+            <a:r>
+              <a:rPr lang="zh-CN" altLang="en-US" dirty="0">
+                <a:solidFill>
+                  <a:schemeClr val="tx1">
+                    <a:lumMod val="75000"/>
+                    <a:lumOff val="25000"/>
+                  </a:schemeClr>
+                </a:solidFill>
+                <a:latin typeface="思源黑体 CN Medium" panose="020B0600000000000000" pitchFamily="34" charset="-122"/>
+                <a:ea typeface="思源黑体 CN Medium" panose="020B0600000000000000" pitchFamily="34" charset="-122"/>
+                <a:sym typeface="Wingdings" pitchFamily="2" charset="2"/>
+              </a:rPr>
+              <a:t>（留白）</a:t>
+            </a:r>
+            <a:endParaRPr lang="en-US" altLang="zh-CN" dirty="0">
+              <a:solidFill>
+                <a:schemeClr val="tx1">
+                  <a:lumMod val="75000"/>
+                  <a:lumOff val="25000"/>
+                </a:schemeClr>
+              </a:solidFill>
+              <a:latin typeface="思源黑体 CN Medium" panose="020B0600000000000000" pitchFamily="34" charset="-122"/>
+              <a:ea typeface="思源黑体 CN Medium" panose="020B0600000000000000" pitchFamily="34" charset="-122"/>
+            </a:endParaRPr>
+          </a:p>
+          <a:p>
+            <a:pPr lvl="0" algn="l">
+              <a:lnSpc>
+                <a:spcPct val="150000"/>
+              </a:lnSpc>
+              <a:defRPr/>
+            </a:pPr>
+            <a:endParaRPr lang="zh-CN" altLang="en-US" sz="1200" kern="0" dirty="0">
+              <a:solidFill>
+                <a:schemeClr val="tx1">
+                  <a:lumMod val="75000"/>
+                  <a:lumOff val="25000"/>
+                </a:schemeClr>
+              </a:solidFill>
+              <a:latin typeface="思源黑体 CN Normal" panose="020B0400000000000000" pitchFamily="34" charset="-122"/>
+              <a:ea typeface="思源黑体 CN Normal" panose="020B0400000000000000" pitchFamily="34" charset="-122"/>
+            </a:endParaRPr>
+          </a:p>
+        </p:txBody>
+      </p:sp>
+    </p:spTree>
+    <p:extLst>
+      <p:ext uri="{BB962C8B-B14F-4D97-AF65-F5344CB8AC3E}">
+        <p14:creationId xmlns:p14="http://schemas.microsoft.com/office/powerpoint/2010/main" val="2417007810"/>
+      </p:ext>
+    </p:extLst>
+  </p:cSld>
+  <p:clrMapOvr>
+    <a:masterClrMapping/>
+  </p:clrMapOvr>
+  <mc:AlternateContent xmlns:mc="http://schemas.openxmlformats.org/markup-compatibility/2006" xmlns:p14="http://schemas.microsoft.com/office/powerpoint/2010/main">
+    <mc:Choice Requires="p14">
+      <p:transition spd="med" p14:dur="700">
+        <p:fade/>
+      </p:transition>
+    </mc:Choice>
+    <mc:Fallback xmlns="">
+      <p:transition spd="med">
+        <p:fade/>
+      </p:transition>
+    </mc:Fallback>
+  </mc:AlternateContent>
+  <p:timing>
+    <p:tnLst>
+      <p:par>
+        <p:cTn id="1" dur="indefinite" restart="never" nodeType="tmRoot">
+          <p:childTnLst>
+            <p:seq concurrent="1" nextAc="seek">
+              <p:cTn id="2" dur="indefinite" nodeType="mainSeq">
+                <p:childTnLst>
+                  <p:par>
+                    <p:cTn id="3" fill="hold">
+                      <p:stCondLst>
+                        <p:cond delay="indefinite"/>
+                        <p:cond evt="onBegin" delay="0">
+                          <p:tn val="2"/>
+                        </p:cond>
+                      </p:stCondLst>
+                      <p:childTnLst>
+                        <p:par>
+                          <p:cTn id="4" fill="hold">
+                            <p:stCondLst>
+                              <p:cond delay="0"/>
+                            </p:stCondLst>
+                            <p:childTnLst>
+                              <p:par>
+                                <p:cTn id="5" presetID="14" presetClass="entr" presetSubtype="10" fill="hold" grpId="0" nodeType="afterEffect">
+                                  <p:stCondLst>
+                                    <p:cond delay="0"/>
+                                  </p:stCondLst>
+                                  <p:childTnLst>
+                                    <p:set>
+                                      <p:cBhvr>
+                                        <p:cTn id="6" dur="1" fill="hold">
+                                          <p:stCondLst>
+                                            <p:cond delay="0"/>
+                                          </p:stCondLst>
+                                        </p:cTn>
+                                        <p:tgtEl>
+                                          <p:spTgt spid="8"/>
+                                        </p:tgtEl>
+                                        <p:attrNameLst>
+                                          <p:attrName>style.visibility</p:attrName>
+                                        </p:attrNameLst>
+                                      </p:cBhvr>
+                                      <p:to>
+                                        <p:strVal val="visible"/>
+                                      </p:to>
+                                    </p:set>
+                                    <p:animEffect transition="in" filter="randombar(horizontal)">
+                                      <p:cBhvr>
+                                        <p:cTn id="7" dur="500"/>
+                                        <p:tgtEl>
+                                          <p:spTgt spid="8"/>
+                                        </p:tgtEl>
+                                      </p:cBhvr>
+                                    </p:animEffect>
+                                  </p:childTnLst>
+                                </p:cTn>
+                              </p:par>
+                            </p:childTnLst>
+                          </p:cTn>
+                        </p:par>
+                        <p:par>
+                          <p:cTn id="8" fill="hold">
+                            <p:stCondLst>
+                              <p:cond delay="500"/>
+                            </p:stCondLst>
+                            <p:childTnLst>
+                              <p:par>
+                                <p:cTn id="9" presetID="14" presetClass="entr" presetSubtype="10" fill="hold" grpId="0" nodeType="afterEffect">
+                                  <p:stCondLst>
+                                    <p:cond delay="0"/>
+                                  </p:stCondLst>
+                                  <p:childTnLst>
+                                    <p:set>
+                                      <p:cBhvr>
+                                        <p:cTn id="10" dur="1" fill="hold">
+                                          <p:stCondLst>
+                                            <p:cond delay="0"/>
+                                          </p:stCondLst>
+                                        </p:cTn>
+                                        <p:tgtEl>
+                                          <p:spTgt spid="9"/>
+                                        </p:tgtEl>
+                                        <p:attrNameLst>
+                                          <p:attrName>style.visibility</p:attrName>
+                                        </p:attrNameLst>
+                                      </p:cBhvr>
+                                      <p:to>
+                                        <p:strVal val="visible"/>
+                                      </p:to>
+                                    </p:set>
+                                    <p:animEffect transition="in" filter="randombar(horizontal)">
+                                      <p:cBhvr>
+                                        <p:cTn id="11" dur="500"/>
+                                        <p:tgtEl>
+                                          <p:spTgt spid="9"/>
+                                        </p:tgtEl>
+                                      </p:cBhvr>
+                                    </p:animEffect>
+                                  </p:childTnLst>
+                                </p:cTn>
+                              </p:par>
+                            </p:childTnLst>
+                          </p:cTn>
+                        </p:par>
+                      </p:childTnLst>
+                    </p:cTn>
+                  </p:par>
+                </p:childTnLst>
+              </p:cTn>
+              <p:prevCondLst>
+                <p:cond evt="onPrev" delay="0">
+                  <p:tgtEl>
+                    <p:sldTgt/>
+                  </p:tgtEl>
+                </p:cond>
+              </p:prevCondLst>
+              <p:nextCondLst>
+                <p:cond evt="onNext" delay="0">
+                  <p:tgtEl>
+                    <p:sldTgt/>
+                  </p:tgtEl>
+                </p:cond>
+              </p:nextCondLst>
+            </p:seq>
+          </p:childTnLst>
+        </p:cTn>
+      </p:par>
+    </p:tnLst>
+    <p:bldLst>
+      <p:bldP spid="8" grpId="0"/>
+      <p:bldP spid="9" grpId="0"/>
+    </p:bldLst>
+  </p:timing>
+</p:sld>
+</file>
+
+<file path=ppt/slides/slide18.xml><?xml version="1.0" encoding="utf-8"?>
+<p:sld xmlns:a="http://schemas.openxmlformats.org/drawingml/2006/main" xmlns:r="http://schemas.openxmlformats.org/officeDocument/2006/relationships" xmlns:p="http://schemas.openxmlformats.org/presentationml/2006/main">
+  <p:cSld>
+    <p:spTree>
+      <p:nvGrpSpPr>
+        <p:cNvPr id="1" name=""/>
+        <p:cNvGrpSpPr/>
+        <p:nvPr/>
+      </p:nvGrpSpPr>
+      <p:grpSpPr>
+        <a:xfrm>
+          <a:off x="0" y="0"/>
+          <a:ext cx="0" cy="0"/>
+          <a:chOff x="0" y="0"/>
+          <a:chExt cx="0" cy="0"/>
+        </a:xfrm>
+      </p:grpSpPr>
+      <p:sp>
+        <p:nvSpPr>
+          <p:cNvPr id="2" name="标题 1">
+            <a:extLst>
+              <a:ext uri="{FF2B5EF4-FFF2-40B4-BE49-F238E27FC236}">
+                <a16:creationId xmlns:a16="http://schemas.microsoft.com/office/drawing/2014/main" id="{538E6694-EF3B-A647-6972-49935C9D69D3}"/>
+              </a:ext>
+            </a:extLst>
+          </p:cNvPr>
+          <p:cNvSpPr>
+            <a:spLocks noGrp="1"/>
+          </p:cNvSpPr>
+          <p:nvPr>
+            <p:ph type="title"/>
+          </p:nvPr>
+        </p:nvSpPr>
+        <p:spPr>
+          <a:xfrm>
+            <a:off x="677334" y="609600"/>
+            <a:ext cx="8596668" cy="679373"/>
+          </a:xfrm>
+        </p:spPr>
+        <p:txBody>
+          <a:bodyPr/>
+          <a:lstStyle/>
+          <a:p>
+            <a:r>
+              <a:rPr kumimoji="1" lang="zh-CN" altLang="en-US" dirty="0"/>
+              <a:t>名人与案例</a:t>
+            </a:r>
+          </a:p>
+        </p:txBody>
+      </p:sp>
+      <p:sp>
+        <p:nvSpPr>
+          <p:cNvPr id="4" name="文本框 3">
+            <a:extLst>
+              <a:ext uri="{FF2B5EF4-FFF2-40B4-BE49-F238E27FC236}">
+                <a16:creationId xmlns:a16="http://schemas.microsoft.com/office/drawing/2014/main" id="{DA9A13E7-126E-D823-8523-22ACBC10BC8E}"/>
+              </a:ext>
+            </a:extLst>
+          </p:cNvPr>
+          <p:cNvSpPr txBox="1"/>
+          <p:nvPr/>
+        </p:nvSpPr>
+        <p:spPr>
+          <a:xfrm>
+            <a:off x="677334" y="1142328"/>
+            <a:ext cx="10752364" cy="784830"/>
+          </a:xfrm>
+          <a:prstGeom prst="rect">
+            <a:avLst/>
+          </a:prstGeom>
+          <a:noFill/>
+        </p:spPr>
+        <p:txBody>
+          <a:bodyPr wrap="square" rtlCol="0">
+            <a:spAutoFit/>
+          </a:bodyPr>
+          <a:lstStyle/>
+          <a:p>
+            <a:pPr lvl="0" algn="l">
+              <a:lnSpc>
+                <a:spcPct val="150000"/>
+              </a:lnSpc>
+              <a:defRPr/>
+            </a:pPr>
+            <a:r>
+              <a:rPr lang="zh-CN" altLang="en-US" b="1" dirty="0">
+                <a:solidFill>
+                  <a:schemeClr val="tx1">
+                    <a:lumMod val="75000"/>
+                    <a:lumOff val="25000"/>
+                  </a:schemeClr>
+                </a:solidFill>
+                <a:latin typeface="思源黑体 CN Medium" panose="020B0600000000000000" pitchFamily="34" charset="-122"/>
+                <a:ea typeface="思源黑体 CN Medium" panose="020B0600000000000000" pitchFamily="34" charset="-122"/>
+              </a:rPr>
+              <a:t>引导词：</a:t>
+            </a:r>
+            <a:endParaRPr lang="en-US" altLang="zh-CN" b="1" dirty="0">
+              <a:solidFill>
+                <a:schemeClr val="tx1">
+                  <a:lumMod val="75000"/>
+                  <a:lumOff val="25000"/>
+                </a:schemeClr>
+              </a:solidFill>
+              <a:latin typeface="思源黑体 CN Medium" panose="020B0600000000000000" pitchFamily="34" charset="-122"/>
+              <a:ea typeface="思源黑体 CN Medium" panose="020B0600000000000000" pitchFamily="34" charset="-122"/>
+            </a:endParaRPr>
+          </a:p>
+          <a:p>
+            <a:r>
+              <a:rPr lang="zh-CN" altLang="en-US" dirty="0">
+                <a:latin typeface="Microsoft YaHei" panose="020B0503020204020204" pitchFamily="34" charset="-122"/>
+                <a:ea typeface="Microsoft YaHei" panose="020B0503020204020204" pitchFamily="34" charset="-122"/>
+              </a:rPr>
+              <a:t>请您单击此处添加合适文字加以说明</a:t>
+            </a:r>
+            <a:endParaRPr lang="zh-CN" altLang="en-US" dirty="0"/>
+          </a:p>
+        </p:txBody>
+      </p:sp>
+      <p:sp>
+        <p:nvSpPr>
+          <p:cNvPr id="6" name="文本框 5">
+            <a:extLst>
+              <a:ext uri="{FF2B5EF4-FFF2-40B4-BE49-F238E27FC236}">
+                <a16:creationId xmlns:a16="http://schemas.microsoft.com/office/drawing/2014/main" id="{5C212E4F-4E78-3DFA-EBCA-EFD450AE0DFA}"/>
+              </a:ext>
+            </a:extLst>
+          </p:cNvPr>
+          <p:cNvSpPr txBox="1"/>
+          <p:nvPr/>
+        </p:nvSpPr>
+        <p:spPr>
+          <a:xfrm>
+            <a:off x="677334" y="2837521"/>
+            <a:ext cx="3783087" cy="2721964"/>
+          </a:xfrm>
+          <a:prstGeom prst="rect">
+            <a:avLst/>
+          </a:prstGeom>
+          <a:noFill/>
+        </p:spPr>
+        <p:txBody>
+          <a:bodyPr wrap="square" rtlCol="0">
+            <a:spAutoFit/>
+          </a:bodyPr>
+          <a:lstStyle/>
+          <a:p>
+            <a:pPr lvl="0" algn="l">
+              <a:lnSpc>
+                <a:spcPct val="150000"/>
+              </a:lnSpc>
+              <a:defRPr/>
+            </a:pPr>
+            <a:r>
+              <a:rPr lang="zh-CN" altLang="en-US" b="1" dirty="0">
+                <a:solidFill>
+                  <a:schemeClr val="tx1">
+                    <a:lumMod val="75000"/>
+                    <a:lumOff val="25000"/>
+                  </a:schemeClr>
+                </a:solidFill>
+                <a:latin typeface="+mj-ea"/>
+                <a:ea typeface="+mj-ea"/>
+              </a:rPr>
+              <a:t>成功案例</a:t>
+            </a:r>
+            <a:endParaRPr lang="en-US" altLang="zh-CN" b="1" dirty="0">
+              <a:solidFill>
+                <a:schemeClr val="tx1">
+                  <a:lumMod val="75000"/>
+                  <a:lumOff val="25000"/>
+                </a:schemeClr>
+              </a:solidFill>
+              <a:latin typeface="+mj-ea"/>
+              <a:ea typeface="+mj-ea"/>
+            </a:endParaRPr>
+          </a:p>
+          <a:p>
+            <a:pPr marL="285750" indent="-285750">
+              <a:buFont typeface="Arial" panose="020B0604020202020204" pitchFamily="34" charset="0"/>
+              <a:buChar char="•"/>
+            </a:pPr>
+            <a:r>
+              <a:rPr lang="zh-CN" altLang="en-US" sz="1600" b="1" dirty="0">
+                <a:latin typeface="+mj-ea"/>
+                <a:ea typeface="+mj-ea"/>
+              </a:rPr>
+              <a:t>标题</a:t>
+            </a:r>
+            <a:r>
+              <a:rPr lang="zh-CN" altLang="en-US" sz="1600" dirty="0">
+                <a:latin typeface="+mj-ea"/>
+                <a:ea typeface="+mj-ea"/>
+              </a:rPr>
+              <a:t>：</a:t>
+            </a:r>
+            <a:r>
+              <a:rPr lang="zh-CN" altLang="en-US" sz="1600" dirty="0">
+                <a:latin typeface="Microsoft YaHei" panose="020B0503020204020204" pitchFamily="34" charset="-122"/>
+                <a:ea typeface="Microsoft YaHei" panose="020B0503020204020204" pitchFamily="34" charset="-122"/>
+              </a:rPr>
+              <a:t>请您单击此处添加合适文字加以说明</a:t>
+            </a:r>
+            <a:endParaRPr lang="en-US" altLang="zh-CN" sz="1600" dirty="0">
+              <a:latin typeface="Microsoft YaHei" panose="020B0503020204020204" pitchFamily="34" charset="-122"/>
+              <a:ea typeface="Microsoft YaHei" panose="020B0503020204020204" pitchFamily="34" charset="-122"/>
+            </a:endParaRPr>
+          </a:p>
+          <a:p>
+            <a:pPr marL="285750" indent="-285750">
+              <a:buFont typeface="Arial" panose="020B0604020202020204" pitchFamily="34" charset="0"/>
+              <a:buChar char="•"/>
+            </a:pPr>
+            <a:r>
+              <a:rPr lang="zh-CN" altLang="en-US" sz="1600" b="1" dirty="0">
+                <a:latin typeface="+mj-ea"/>
+                <a:ea typeface="+mj-ea"/>
+              </a:rPr>
+              <a:t>标题</a:t>
+            </a:r>
+            <a:r>
+              <a:rPr lang="zh-CN" altLang="en-US" sz="1600" dirty="0">
+                <a:latin typeface="+mj-ea"/>
+                <a:ea typeface="+mj-ea"/>
+              </a:rPr>
+              <a:t>：</a:t>
+            </a:r>
+            <a:r>
+              <a:rPr lang="zh-CN" altLang="en-US" sz="1600" dirty="0">
+                <a:latin typeface="Microsoft YaHei" panose="020B0503020204020204" pitchFamily="34" charset="-122"/>
+                <a:ea typeface="Microsoft YaHei" panose="020B0503020204020204" pitchFamily="34" charset="-122"/>
+              </a:rPr>
+              <a:t>请您单击此处添加合适文字加以说明</a:t>
+            </a:r>
+            <a:endParaRPr lang="en-US" altLang="zh-CN" sz="1600" dirty="0">
+              <a:latin typeface="+mj-ea"/>
+              <a:ea typeface="+mj-ea"/>
+            </a:endParaRPr>
+          </a:p>
+          <a:p>
+            <a:endParaRPr lang="en-US" altLang="zh-CN" sz="1600" dirty="0">
+              <a:latin typeface="+mj-ea"/>
+              <a:ea typeface="+mj-ea"/>
+            </a:endParaRPr>
+          </a:p>
+          <a:p>
+            <a:endParaRPr lang="en-US" altLang="zh-CN" sz="1600" dirty="0">
+              <a:latin typeface="+mj-ea"/>
+              <a:ea typeface="+mj-ea"/>
+            </a:endParaRPr>
+          </a:p>
+          <a:p>
+            <a:r>
+              <a:rPr lang="zh-CN" altLang="en-US" sz="1600" b="1" dirty="0">
+                <a:latin typeface="+mj-ea"/>
+                <a:ea typeface="+mj-ea"/>
+              </a:rPr>
+              <a:t>总结</a:t>
+            </a:r>
+            <a:r>
+              <a:rPr lang="zh-CN" altLang="en-US" sz="1600" dirty="0">
+                <a:latin typeface="+mj-ea"/>
+                <a:ea typeface="+mj-ea"/>
+              </a:rPr>
+              <a:t>：</a:t>
+            </a:r>
+            <a:r>
+              <a:rPr lang="zh-CN" altLang="en-US" sz="1600" dirty="0">
+                <a:latin typeface="Microsoft YaHei" panose="020B0503020204020204" pitchFamily="34" charset="-122"/>
+                <a:ea typeface="Microsoft YaHei" panose="020B0503020204020204" pitchFamily="34" charset="-122"/>
+              </a:rPr>
+              <a:t>请您单击此处添加合适文字加以说明</a:t>
+            </a:r>
+            <a:endParaRPr lang="zh-CN" altLang="en-US" sz="1600" dirty="0">
+              <a:latin typeface="+mj-ea"/>
+              <a:ea typeface="+mj-ea"/>
+            </a:endParaRPr>
+          </a:p>
+          <a:p>
+            <a:pPr lvl="0" algn="l">
+              <a:lnSpc>
+                <a:spcPct val="150000"/>
+              </a:lnSpc>
+              <a:defRPr/>
+            </a:pPr>
+            <a:endParaRPr lang="zh-CN" altLang="en-US" sz="1200" kern="0" dirty="0">
+              <a:solidFill>
+                <a:schemeClr val="tx1">
+                  <a:lumMod val="75000"/>
+                  <a:lumOff val="25000"/>
+                </a:schemeClr>
+              </a:solidFill>
+              <a:latin typeface="+mj-ea"/>
+              <a:ea typeface="+mj-ea"/>
+            </a:endParaRPr>
+          </a:p>
+        </p:txBody>
+      </p:sp>
+      <p:sp>
+        <p:nvSpPr>
+          <p:cNvPr id="7" name="文本框 6">
+            <a:extLst>
+              <a:ext uri="{FF2B5EF4-FFF2-40B4-BE49-F238E27FC236}">
+                <a16:creationId xmlns:a16="http://schemas.microsoft.com/office/drawing/2014/main" id="{83BA65BA-83E0-0FD3-82B5-9C93BD812596}"/>
+              </a:ext>
+            </a:extLst>
+          </p:cNvPr>
+          <p:cNvSpPr txBox="1"/>
+          <p:nvPr/>
+        </p:nvSpPr>
+        <p:spPr>
+          <a:xfrm>
+            <a:off x="6664869" y="2837521"/>
+            <a:ext cx="3469821" cy="2477601"/>
+          </a:xfrm>
+          <a:prstGeom prst="rect">
+            <a:avLst/>
+          </a:prstGeom>
+          <a:noFill/>
+        </p:spPr>
+        <p:txBody>
+          <a:bodyPr wrap="square" rtlCol="0">
+            <a:spAutoFit/>
+          </a:bodyPr>
+          <a:lstStyle/>
+          <a:p>
+            <a:pPr lvl="0" algn="l">
+              <a:lnSpc>
+                <a:spcPct val="150000"/>
+              </a:lnSpc>
+              <a:defRPr/>
+            </a:pPr>
+            <a:r>
+              <a:rPr lang="zh-CN" altLang="en-US" b="1" dirty="0">
+                <a:solidFill>
+                  <a:schemeClr val="tx1">
+                    <a:lumMod val="75000"/>
+                    <a:lumOff val="25000"/>
+                  </a:schemeClr>
+                </a:solidFill>
+                <a:latin typeface="+mj-ea"/>
+                <a:ea typeface="+mj-ea"/>
+              </a:rPr>
+              <a:t>失败案例</a:t>
+            </a:r>
+            <a:endParaRPr lang="en-US" altLang="zh-CN" b="1" dirty="0">
+              <a:solidFill>
+                <a:schemeClr val="tx1">
+                  <a:lumMod val="75000"/>
+                  <a:lumOff val="25000"/>
+                </a:schemeClr>
+              </a:solidFill>
+              <a:latin typeface="+mj-ea"/>
+              <a:ea typeface="+mj-ea"/>
+            </a:endParaRPr>
+          </a:p>
+          <a:p>
+            <a:pPr marL="285750" indent="-285750">
+              <a:buFont typeface="Arial" panose="020B0604020202020204" pitchFamily="34" charset="0"/>
+              <a:buChar char="•"/>
+            </a:pPr>
+            <a:r>
+              <a:rPr lang="zh-CN" altLang="en-US" sz="1600" b="1" dirty="0">
+                <a:latin typeface="+mj-ea"/>
+                <a:ea typeface="+mj-ea"/>
+              </a:rPr>
+              <a:t>标题</a:t>
+            </a:r>
+            <a:r>
+              <a:rPr lang="zh-CN" altLang="en-US" sz="1600" dirty="0">
+                <a:latin typeface="+mj-ea"/>
+                <a:ea typeface="+mj-ea"/>
+              </a:rPr>
+              <a:t>：</a:t>
+            </a:r>
+            <a:r>
+              <a:rPr lang="zh-CN" altLang="en-US" sz="1600" dirty="0">
+                <a:latin typeface="Microsoft YaHei" panose="020B0503020204020204" pitchFamily="34" charset="-122"/>
+                <a:ea typeface="Microsoft YaHei" panose="020B0503020204020204" pitchFamily="34" charset="-122"/>
+              </a:rPr>
+              <a:t>请您单击此处添加合适文字加以说明</a:t>
+            </a:r>
+            <a:endParaRPr lang="en-US" altLang="zh-CN" sz="1600" dirty="0">
+              <a:latin typeface="Microsoft YaHei" panose="020B0503020204020204" pitchFamily="34" charset="-122"/>
+              <a:ea typeface="Microsoft YaHei" panose="020B0503020204020204" pitchFamily="34" charset="-122"/>
+            </a:endParaRPr>
+          </a:p>
+          <a:p>
+            <a:pPr marL="285750" indent="-285750">
+              <a:buFont typeface="Arial" panose="020B0604020202020204" pitchFamily="34" charset="0"/>
+              <a:buChar char="•"/>
+            </a:pPr>
+            <a:r>
+              <a:rPr lang="zh-CN" altLang="en-US" sz="1600" dirty="0">
+                <a:latin typeface="+mj-ea"/>
+                <a:ea typeface="+mj-ea"/>
+              </a:rPr>
+              <a:t>标题：</a:t>
+            </a:r>
+            <a:r>
+              <a:rPr lang="zh-CN" altLang="en-US" sz="1600" dirty="0">
+                <a:latin typeface="Microsoft YaHei" panose="020B0503020204020204" pitchFamily="34" charset="-122"/>
+                <a:ea typeface="Microsoft YaHei" panose="020B0503020204020204" pitchFamily="34" charset="-122"/>
+              </a:rPr>
+              <a:t>请您单击此处添加合适文字加以说明</a:t>
+            </a:r>
+            <a:endParaRPr lang="en-US" altLang="zh-CN" sz="1600" dirty="0">
+              <a:latin typeface="+mj-ea"/>
+              <a:ea typeface="+mj-ea"/>
+            </a:endParaRPr>
+          </a:p>
+          <a:p>
+            <a:pPr marL="285750" indent="-285750">
+              <a:buFont typeface="Arial" panose="020B0604020202020204" pitchFamily="34" charset="0"/>
+              <a:buChar char="•"/>
+            </a:pPr>
+            <a:endParaRPr lang="en-US" altLang="zh-CN" sz="1600" dirty="0">
+              <a:latin typeface="+mj-ea"/>
+              <a:ea typeface="+mj-ea"/>
+            </a:endParaRPr>
+          </a:p>
+          <a:p>
+            <a:endParaRPr lang="en-US" altLang="zh-CN" sz="1600" dirty="0">
+              <a:latin typeface="+mj-ea"/>
+              <a:ea typeface="+mj-ea"/>
+            </a:endParaRPr>
+          </a:p>
+          <a:p>
+            <a:r>
+              <a:rPr lang="zh-CN" altLang="en-US" sz="1600" b="1" dirty="0">
+                <a:latin typeface="+mj-ea"/>
+                <a:ea typeface="+mj-ea"/>
+              </a:rPr>
+              <a:t>总结：</a:t>
+            </a:r>
+            <a:r>
+              <a:rPr lang="zh-CN" altLang="en-US" sz="1600" dirty="0">
+                <a:latin typeface="Microsoft YaHei" panose="020B0503020204020204" pitchFamily="34" charset="-122"/>
+                <a:ea typeface="Microsoft YaHei" panose="020B0503020204020204" pitchFamily="34" charset="-122"/>
+              </a:rPr>
+              <a:t>请您单击此处添加合适文字加以说明</a:t>
+            </a:r>
+            <a:endParaRPr lang="zh-CN" altLang="en-US" sz="1200" kern="0" dirty="0">
+              <a:solidFill>
+                <a:schemeClr val="tx1">
+                  <a:lumMod val="75000"/>
+                  <a:lumOff val="25000"/>
+                </a:schemeClr>
+              </a:solidFill>
+              <a:latin typeface="+mj-ea"/>
+              <a:ea typeface="+mj-ea"/>
+            </a:endParaRPr>
+          </a:p>
+        </p:txBody>
+      </p:sp>
+    </p:spTree>
+    <p:extLst>
+      <p:ext uri="{BB962C8B-B14F-4D97-AF65-F5344CB8AC3E}">
+        <p14:creationId xmlns:p14="http://schemas.microsoft.com/office/powerpoint/2010/main" val="379973247"/>
+      </p:ext>
+    </p:extLst>
+  </p:cSld>
+  <p:clrMapOvr>
+    <a:masterClrMapping/>
+  </p:clrMapOvr>
+  <mc:AlternateContent xmlns:mc="http://schemas.openxmlformats.org/markup-compatibility/2006" xmlns:p14="http://schemas.microsoft.com/office/powerpoint/2010/main">
+    <mc:Choice Requires="p14">
+      <p:transition spd="med" p14:dur="700">
+        <p:fade/>
+      </p:transition>
+    </mc:Choice>
+    <mc:Fallback xmlns="">
+      <p:transition spd="med">
+        <p:fade/>
+      </p:transition>
+    </mc:Fallback>
+  </mc:AlternateContent>
+  <p:timing>
+    <p:tnLst>
+      <p:par>
+        <p:cTn id="1" dur="indefinite" restart="never" nodeType="tmRoot">
+          <p:childTnLst>
+            <p:seq concurrent="1" nextAc="seek">
+              <p:cTn id="2" dur="indefinite" nodeType="mainSeq">
+                <p:childTnLst>
+                  <p:par>
+                    <p:cTn id="3" fill="hold">
+                      <p:stCondLst>
+                        <p:cond delay="indefinite"/>
+                        <p:cond evt="onBegin" delay="0">
+                          <p:tn val="2"/>
+                        </p:cond>
+                      </p:stCondLst>
+                      <p:childTnLst>
+                        <p:par>
+                          <p:cTn id="4" fill="hold">
+                            <p:stCondLst>
+                              <p:cond delay="0"/>
+                            </p:stCondLst>
+                            <p:childTnLst>
+                              <p:par>
+                                <p:cTn id="5" presetID="14" presetClass="entr" presetSubtype="10" fill="hold" grpId="0" nodeType="afterEffect">
+                                  <p:stCondLst>
+                                    <p:cond delay="0"/>
+                                  </p:stCondLst>
+                                  <p:childTnLst>
+                                    <p:set>
+                                      <p:cBhvr>
+                                        <p:cTn id="6" dur="1" fill="hold">
+                                          <p:stCondLst>
+                                            <p:cond delay="0"/>
+                                          </p:stCondLst>
+                                        </p:cTn>
+                                        <p:tgtEl>
+                                          <p:spTgt spid="4"/>
+                                        </p:tgtEl>
+                                        <p:attrNameLst>
+                                          <p:attrName>style.visibility</p:attrName>
+                                        </p:attrNameLst>
+                                      </p:cBhvr>
+                                      <p:to>
+                                        <p:strVal val="visible"/>
+                                      </p:to>
+                                    </p:set>
+                                    <p:animEffect transition="in" filter="randombar(horizontal)">
+                                      <p:cBhvr>
+                                        <p:cTn id="7" dur="500"/>
+                                        <p:tgtEl>
+                                          <p:spTgt spid="4"/>
+                                        </p:tgtEl>
+                                      </p:cBhvr>
+                                    </p:animEffect>
+                                  </p:childTnLst>
+                                </p:cTn>
+                              </p:par>
+                            </p:childTnLst>
+                          </p:cTn>
+                        </p:par>
+                        <p:par>
+                          <p:cTn id="8" fill="hold">
+                            <p:stCondLst>
+                              <p:cond delay="500"/>
+                            </p:stCondLst>
+                            <p:childTnLst>
+                              <p:par>
+                                <p:cTn id="9" presetID="14" presetClass="entr" presetSubtype="10" fill="hold" grpId="0" nodeType="afterEffect">
+                                  <p:stCondLst>
+                                    <p:cond delay="0"/>
+                                  </p:stCondLst>
+                                  <p:childTnLst>
+                                    <p:set>
+                                      <p:cBhvr>
+                                        <p:cTn id="10" dur="1" fill="hold">
+                                          <p:stCondLst>
+                                            <p:cond delay="0"/>
+                                          </p:stCondLst>
+                                        </p:cTn>
+                                        <p:tgtEl>
+                                          <p:spTgt spid="6"/>
+                                        </p:tgtEl>
+                                        <p:attrNameLst>
+                                          <p:attrName>style.visibility</p:attrName>
+                                        </p:attrNameLst>
+                                      </p:cBhvr>
+                                      <p:to>
+                                        <p:strVal val="visible"/>
+                                      </p:to>
+                                    </p:set>
+                                    <p:animEffect transition="in" filter="randombar(horizontal)">
+                                      <p:cBhvr>
+                                        <p:cTn id="11" dur="500"/>
+                                        <p:tgtEl>
+                                          <p:spTgt spid="6"/>
+                                        </p:tgtEl>
+                                      </p:cBhvr>
+                                    </p:animEffect>
+                                  </p:childTnLst>
+                                </p:cTn>
+                              </p:par>
+                            </p:childTnLst>
+                          </p:cTn>
+                        </p:par>
+                        <p:par>
+                          <p:cTn id="12" fill="hold">
+                            <p:stCondLst>
+                              <p:cond delay="1000"/>
+                            </p:stCondLst>
+                            <p:childTnLst>
+                              <p:par>
+                                <p:cTn id="13" presetID="14" presetClass="entr" presetSubtype="10" fill="hold" grpId="0" nodeType="afterEffect">
+                                  <p:stCondLst>
+                                    <p:cond delay="0"/>
+                                  </p:stCondLst>
+                                  <p:childTnLst>
+                                    <p:set>
+                                      <p:cBhvr>
+                                        <p:cTn id="14" dur="1" fill="hold">
+                                          <p:stCondLst>
+                                            <p:cond delay="0"/>
+                                          </p:stCondLst>
+                                        </p:cTn>
+                                        <p:tgtEl>
+                                          <p:spTgt spid="7"/>
+                                        </p:tgtEl>
+                                        <p:attrNameLst>
+                                          <p:attrName>style.visibility</p:attrName>
+                                        </p:attrNameLst>
+                                      </p:cBhvr>
+                                      <p:to>
+                                        <p:strVal val="visible"/>
+                                      </p:to>
+                                    </p:set>
+                                    <p:animEffect transition="in" filter="randombar(horizontal)">
+                                      <p:cBhvr>
+                                        <p:cTn id="15" dur="500"/>
+                                        <p:tgtEl>
+                                          <p:spTgt spid="7"/>
+                                        </p:tgtEl>
+                                      </p:cBhvr>
+                                    </p:animEffect>
+                                  </p:childTnLst>
+                                </p:cTn>
+                              </p:par>
+                            </p:childTnLst>
+                          </p:cTn>
+                        </p:par>
+                      </p:childTnLst>
+                    </p:cTn>
+                  </p:par>
+                </p:childTnLst>
+              </p:cTn>
+              <p:prevCondLst>
+                <p:cond evt="onPrev" delay="0">
+                  <p:tgtEl>
+                    <p:sldTgt/>
+                  </p:tgtEl>
+                </p:cond>
+              </p:prevCondLst>
+              <p:nextCondLst>
+                <p:cond evt="onNext" delay="0">
+                  <p:tgtEl>
+                    <p:sldTgt/>
+                  </p:tgtEl>
+                </p:cond>
+              </p:nextCondLst>
+            </p:seq>
+          </p:childTnLst>
+        </p:cTn>
+      </p:par>
+    </p:tnLst>
+    <p:bldLst>
+      <p:bldP spid="4" grpId="0"/>
+      <p:bldP spid="6" grpId="0"/>
+      <p:bldP spid="7" grpId="0"/>
+    </p:bldLst>
+  </p:timing>
+</p:sld>
+</file>
+
+<file path=ppt/slides/slide19.xml><?xml version="1.0" encoding="utf-8"?>
 <p:sld xmlns:a="http://schemas.openxmlformats.org/drawingml/2006/main" xmlns:r="http://schemas.openxmlformats.org/officeDocument/2006/relationships" xmlns:p="http://schemas.openxmlformats.org/presentationml/2006/main">
   <p:cSld>
     <p:bg>
@@ -6149,7 +8896,7 @@
           <p:cNvPr id="2" name="Title 1">
             <a:extLst>
               <a:ext uri="{FF2B5EF4-FFF2-40B4-BE49-F238E27FC236}">
-                <a16:creationId xmlns:a16="http://schemas.microsoft.com/office/drawing/2014/main" id="{F3605411-7D2C-4654-8BFB-2F393DFD5913}"/>
+                <a16:creationId xmlns:a16="http://schemas.microsoft.com/office/drawing/2014/main" id="{681FCB56-235C-408C-9DC7-10D03944A3A5}"/>
               </a:ext>
             </a:extLst>
           </p:cNvPr>
@@ -6162,8 +8909,8 @@
         </p:nvSpPr>
         <p:spPr>
           <a:xfrm>
-            <a:off x="677334" y="4237304"/>
-            <a:ext cx="8596667" cy="674024"/>
+            <a:off x="677334" y="142875"/>
+            <a:ext cx="8596668" cy="1320800"/>
           </a:xfrm>
         </p:spPr>
         <p:txBody>
@@ -6176,7 +8923,7 @@
             </a:lvl1pPr>
           </a:lstStyle>
           <a:p>
-            <a:pPr algn="ctr">
+            <a:pPr>
               <a:defRPr>
                 <a:solidFill/>
               </a:defRPr>
@@ -6185,41 +8932,17 @@
               <a:rPr lang="en-IN" dirty="0">
                 <a:solidFill/>
               </a:rPr>
-              <a:t>Display and Camera Features</a:t>
-            </a:r>
-          </a:p>
-        </p:txBody>
-      </p:sp>
-      <p:pic>
-        <p:nvPicPr>
-          <p:cNvPr id="3" name="Picture Placeholder 5" descr="_page_0_Picture_6.jpeg"/>
-          <p:cNvPicPr>
-            <a:picLocks noChangeAspect="1"/>
-          </p:cNvPicPr>
-          <p:nvPr/>
-        </p:nvPicPr>
-        <p:blipFill>
-          <a:blip r:embed="rId2"/>
-          <a:stretch>
-            <a:fillRect/>
-          </a:stretch>
-        </p:blipFill>
-        <p:spPr>
-          <a:xfrm>
-            <a:off x="677334" y="609600"/>
-            <a:ext cx="5499100" cy="3835400"/>
-          </a:xfrm>
-          <a:prstGeom prst="rect">
-            <a:avLst/>
-          </a:prstGeom>
-        </p:spPr>
-      </p:pic>
-      <p:sp>
-        <p:nvSpPr>
-          <p:cNvPr id="4" name="Text Placeholder 3">
+              <a:t>Thank You for Joining Us</a:t>
+            </a:r>
+          </a:p>
+        </p:txBody>
+      </p:sp>
+      <p:sp>
+        <p:nvSpPr>
+          <p:cNvPr id="3" name="Content Placeholder 2">
             <a:extLst>
               <a:ext uri="{FF2B5EF4-FFF2-40B4-BE49-F238E27FC236}">
-                <a16:creationId xmlns:a16="http://schemas.microsoft.com/office/drawing/2014/main" id="{6A48B58D-A676-460B-A052-DDB6DC16EEF4}"/>
+                <a16:creationId xmlns:a16="http://schemas.microsoft.com/office/drawing/2014/main" id="{D26B22D8-88E4-4422-838D-71DFE6BB6D81}"/>
               </a:ext>
             </a:extLst>
           </p:cNvPr>
@@ -6227,18 +8950,18 @@
             <a:spLocks noGrp="1"/>
           </p:cNvSpPr>
           <p:nvPr>
-            <p:ph type="body" sz="half" idx="2"/>
+            <p:ph idx="1"/>
           </p:nvPr>
         </p:nvSpPr>
         <p:spPr>
           <a:xfrm>
-            <a:off x="677334" y="4911328"/>
-            <a:ext cx="8596667" cy="1789510"/>
+            <a:off x="677334" y="1346201"/>
+            <a:ext cx="8596668" cy="5368923"/>
           </a:xfrm>
         </p:spPr>
         <p:txBody>
           <a:bodyPr>
-            <a:normAutofit/>
+            <a:noAutofit/>
           </a:bodyPr>
           <a:lstStyle>
             <a:lvl1pPr>
@@ -6254,7 +8977,7 @@
               </a:defRPr>
             </a:pPr>
             <a:r>
-              <a:rPr lang="en-IN" sz="1600" dirty="0">
+              <a:rPr lang="en-IN" sz="2000" dirty="0">
                 <a:solidFill>
                   <a:schemeClr val="accent1">
                     <a:lumMod val="60000"/>
@@ -6262,7 +8985,7 @@
                   </a:schemeClr>
                 </a:solidFill>
               </a:rPr>
-              <a:t>New display technology offers thinner borders and larger 6.3-inch and 6.9-inch Super Retina XDR displays, providing an immersive viewing experience.</a:t>
+              <a:t>We hope you enjoyed learning about the iPhone 16 Pro.</a:t>
             </a:r>
           </a:p>
           <a:p>
@@ -6272,7 +8995,7 @@
               </a:defRPr>
             </a:pPr>
             <a:r>
-              <a:rPr lang="en-IN" sz="1600" dirty="0">
+              <a:rPr lang="en-IN" sz="2000" dirty="0">
                 <a:solidFill>
                   <a:schemeClr val="accent1">
                     <a:lumMod val="60000"/>
@@ -6280,11 +9003,44 @@
                   </a:schemeClr>
                 </a:solidFill>
               </a:rPr>
-              <a:t>The 48MP Ultra Wide camera captures high-resolution photos and videos with advanced features like autofocus and ProRAW support. The 5x Telephoto camera provides sharper close-ups, even from a distance.</a:t>
-            </a:r>
-          </a:p>
-          <a:p>
-            <a:endParaRPr lang="en-IN" dirty="0"/>
+              <a:t>For further inquiries, please contact:</a:t>
+            </a:r>
+          </a:p>
+          <a:p>
+            <a:pPr>
+              <a:defRPr>
+                <a:solidFill/>
+              </a:defRPr>
+            </a:pPr>
+            <a:r>
+              <a:rPr lang="en-IN" sz="2000" dirty="0">
+                <a:solidFill>
+                  <a:schemeClr val="accent1">
+                    <a:lumMod val="60000"/>
+                    <a:lumOff val="40000"/>
+                  </a:schemeClr>
+                </a:solidFill>
+              </a:rPr>
+              <a:t>Customer Support: support@apple.com</a:t>
+            </a:r>
+          </a:p>
+          <a:p>
+            <a:pPr>
+              <a:defRPr>
+                <a:solidFill/>
+              </a:defRPr>
+            </a:pPr>
+            <a:r>
+              <a:rPr lang="en-IN" sz="2000" dirty="0">
+                <a:solidFill>
+                  <a:schemeClr val="accent1">
+                    <a:lumMod val="60000"/>
+                    <a:lumOff val="40000"/>
+                  </a:schemeClr>
+                </a:solidFill>
+              </a:rPr>
+              <a:t>Stay tuned for more exciting updates from Apple!</a:t>
+            </a:r>
           </a:p>
         </p:txBody>
       </p:sp>
@@ -6296,15 +9052,9 @@
 </p:sld>
 </file>
 
-<file path=ppt/slides/slide5.xml><?xml version="1.0" encoding="utf-8"?>
+<file path=ppt/slides/slide2.xml><?xml version="1.0" encoding="utf-8"?>
 <p:sld xmlns:a="http://schemas.openxmlformats.org/drawingml/2006/main" xmlns:r="http://schemas.openxmlformats.org/officeDocument/2006/relationships" xmlns:p="http://schemas.openxmlformats.org/presentationml/2006/main">
   <p:cSld>
-    <p:bg>
-      <p:bgPr>
-        <a:noFill/>
-        <a:effectLst/>
-      </p:bgPr>
-    </p:bg>
     <p:spTree>
       <p:nvGrpSpPr>
         <p:cNvPr id="1" name=""/>
@@ -6321,10 +9071,10 @@
       </p:grpSpPr>
       <p:sp>
         <p:nvSpPr>
-          <p:cNvPr id="2" name="Title 1">
+          <p:cNvPr id="2" name="标题 1">
             <a:extLst>
               <a:ext uri="{FF2B5EF4-FFF2-40B4-BE49-F238E27FC236}">
-                <a16:creationId xmlns:a16="http://schemas.microsoft.com/office/drawing/2014/main" id="{F3605411-7D2C-4654-8BFB-2F393DFD5913}"/>
+                <a16:creationId xmlns:a16="http://schemas.microsoft.com/office/drawing/2014/main" id="{E31B8BA6-B38C-2217-9EE1-EA1DBBD6B199}"/>
               </a:ext>
             </a:extLst>
           </p:cNvPr>
@@ -6335,151 +9085,519 @@
             <p:ph type="title"/>
           </p:nvPr>
         </p:nvSpPr>
+        <p:spPr/>
+        <p:txBody>
+          <a:bodyPr/>
+          <a:lstStyle/>
+          <a:p>
+            <a:pPr algn="ctr"/>
+            <a:r>
+              <a:rPr kumimoji="1" lang="zh-CN" altLang="en-US" dirty="0"/>
+              <a:t>目录</a:t>
+            </a:r>
+          </a:p>
+        </p:txBody>
+      </p:sp>
+      <p:sp>
+        <p:nvSpPr>
+          <p:cNvPr id="6" name="矩形 5">
+            <a:extLst>
+              <a:ext uri="{FF2B5EF4-FFF2-40B4-BE49-F238E27FC236}">
+                <a16:creationId xmlns:a16="http://schemas.microsoft.com/office/drawing/2014/main" id="{7CD1413F-E7AC-DE36-0387-5D2E26A7B6D4}"/>
+              </a:ext>
+            </a:extLst>
+          </p:cNvPr>
+          <p:cNvSpPr/>
+          <p:nvPr/>
+        </p:nvSpPr>
         <p:spPr>
           <a:xfrm>
-            <a:off x="677334" y="4237304"/>
-            <a:ext cx="8596667" cy="674024"/>
-          </a:xfrm>
-        </p:spPr>
-        <p:txBody>
-          <a:bodyPr/>
-          <a:lstStyle>
-            <a:lvl1pPr>
-              <a:defRPr>
-                <a:solidFill/>
-              </a:defRPr>
-            </a:lvl1pPr>
-          </a:lstStyle>
-          <a:p>
-            <a:pPr algn="ctr">
-              <a:defRPr>
-                <a:solidFill/>
-              </a:defRPr>
-            </a:pPr>
-            <a:r>
-              <a:rPr lang="en-IN" dirty="0">
-                <a:solidFill/>
-              </a:rPr>
-              <a:t>Apple Intelligence: Personal and Private</a:t>
-            </a:r>
-          </a:p>
-        </p:txBody>
-      </p:sp>
-      <p:pic>
-        <p:nvPicPr>
-          <p:cNvPr id="3" name="Picture Placeholder 5" descr="_page_1_Picture_8.jpeg"/>
-          <p:cNvPicPr>
-            <a:picLocks noChangeAspect="1"/>
-          </p:cNvPicPr>
-          <p:nvPr/>
-        </p:nvPicPr>
-        <p:blipFill>
-          <a:blip r:embed="rId2"/>
-          <a:stretch>
-            <a:fillRect/>
-          </a:stretch>
-        </p:blipFill>
-        <p:spPr>
-          <a:xfrm>
-            <a:off x="677334" y="609600"/>
-            <a:ext cx="8369300" cy="3835400"/>
+            <a:off x="2927681" y="1930400"/>
+            <a:ext cx="4783494" cy="458908"/>
           </a:xfrm>
           <a:prstGeom prst="rect">
             <a:avLst/>
           </a:prstGeom>
         </p:spPr>
-      </p:pic>
-      <p:sp>
-        <p:nvSpPr>
-          <p:cNvPr id="4" name="Text Placeholder 3">
+        <p:txBody>
+          <a:bodyPr wrap="square">
+            <a:spAutoFit/>
+          </a:bodyPr>
+          <a:lstStyle/>
+          <a:p>
+            <a:pPr>
+              <a:lnSpc>
+                <a:spcPct val="150000"/>
+              </a:lnSpc>
+            </a:pPr>
+            <a:r>
+              <a:rPr lang="en-US" altLang="zh-CN" b="1" dirty="0">
+                <a:solidFill>
+                  <a:srgbClr val="323232"/>
+                </a:solidFill>
+                <a:latin typeface="思源黑体 CN Medium" panose="020B0600000000000000" pitchFamily="34" charset="-122"/>
+                <a:ea typeface="思源黑体 CN Medium" panose="020B0600000000000000" pitchFamily="34" charset="-122"/>
+                <a:sym typeface="+mn-lt"/>
+              </a:rPr>
+              <a:t>01</a:t>
+            </a:r>
+            <a:r>
+              <a:rPr lang="zh-CN" altLang="en-US" b="1" dirty="0">
+                <a:solidFill>
+                  <a:srgbClr val="323232"/>
+                </a:solidFill>
+                <a:latin typeface="思源黑体 CN Medium" panose="020B0600000000000000" pitchFamily="34" charset="-122"/>
+                <a:ea typeface="思源黑体 CN Medium" panose="020B0600000000000000" pitchFamily="34" charset="-122"/>
+                <a:sym typeface="+mn-lt"/>
+              </a:rPr>
+              <a:t> 添加标题</a:t>
+            </a:r>
+          </a:p>
+        </p:txBody>
+      </p:sp>
+      <p:sp>
+        <p:nvSpPr>
+          <p:cNvPr id="7" name="矩形 6">
             <a:extLst>
               <a:ext uri="{FF2B5EF4-FFF2-40B4-BE49-F238E27FC236}">
-                <a16:creationId xmlns:a16="http://schemas.microsoft.com/office/drawing/2014/main" id="{6A48B58D-A676-460B-A052-DDB6DC16EEF4}"/>
+                <a16:creationId xmlns:a16="http://schemas.microsoft.com/office/drawing/2014/main" id="{134E5576-80ED-D7D8-15D4-5E809B6E2278}"/>
               </a:ext>
             </a:extLst>
           </p:cNvPr>
-          <p:cNvSpPr>
-            <a:spLocks noGrp="1"/>
-          </p:cNvSpPr>
-          <p:nvPr>
-            <p:ph type="body" sz="half" idx="2"/>
-          </p:nvPr>
+          <p:cNvSpPr/>
+          <p:nvPr/>
         </p:nvSpPr>
         <p:spPr>
           <a:xfrm>
-            <a:off x="677334" y="4911328"/>
-            <a:ext cx="8596667" cy="1789510"/>
+            <a:off x="2927681" y="2787130"/>
+            <a:ext cx="4783494" cy="458908"/>
           </a:xfrm>
+          <a:prstGeom prst="rect">
+            <a:avLst/>
+          </a:prstGeom>
         </p:spPr>
         <p:txBody>
-          <a:bodyPr>
-            <a:normAutofit/>
+          <a:bodyPr wrap="square">
+            <a:spAutoFit/>
           </a:bodyPr>
-          <a:lstStyle>
-            <a:lvl1pPr>
-              <a:defRPr>
-                <a:solidFill/>
-              </a:defRPr>
-            </a:lvl1pPr>
-          </a:lstStyle>
+          <a:lstStyle/>
           <a:p>
             <a:pPr>
-              <a:defRPr>
-                <a:solidFill/>
-              </a:defRPr>
+              <a:lnSpc>
+                <a:spcPct val="150000"/>
+              </a:lnSpc>
             </a:pPr>
             <a:r>
-              <a:rPr lang="en-IN" sz="1600" dirty="0">
+              <a:rPr lang="en-US" altLang="zh-CN" b="1" dirty="0">
                 <a:solidFill>
-                  <a:schemeClr val="accent1">
-                    <a:lumMod val="60000"/>
-                    <a:lumOff val="40000"/>
+                  <a:srgbClr val="323232"/>
+                </a:solidFill>
+                <a:latin typeface="思源黑体 CN Medium" panose="020B0600000000000000" pitchFamily="34" charset="-122"/>
+                <a:ea typeface="思源黑体 CN Medium" panose="020B0600000000000000" pitchFamily="34" charset="-122"/>
+                <a:sym typeface="+mn-lt"/>
+              </a:rPr>
+              <a:t>02</a:t>
+            </a:r>
+            <a:r>
+              <a:rPr lang="zh-CN" altLang="en-US" b="1" dirty="0">
+                <a:solidFill>
+                  <a:srgbClr val="323232"/>
+                </a:solidFill>
+                <a:latin typeface="思源黑体 CN Medium" panose="020B0600000000000000" pitchFamily="34" charset="-122"/>
+                <a:ea typeface="思源黑体 CN Medium" panose="020B0600000000000000" pitchFamily="34" charset="-122"/>
+                <a:sym typeface="+mn-lt"/>
+              </a:rPr>
+              <a:t> 添加标题</a:t>
+            </a:r>
+          </a:p>
+        </p:txBody>
+      </p:sp>
+      <p:sp>
+        <p:nvSpPr>
+          <p:cNvPr id="8" name="矩形 7">
+            <a:extLst>
+              <a:ext uri="{FF2B5EF4-FFF2-40B4-BE49-F238E27FC236}">
+                <a16:creationId xmlns:a16="http://schemas.microsoft.com/office/drawing/2014/main" id="{5F2E979F-BDF7-437D-7FA2-0D4EAEF87B4F}"/>
+              </a:ext>
+            </a:extLst>
+          </p:cNvPr>
+          <p:cNvSpPr/>
+          <p:nvPr/>
+        </p:nvSpPr>
+        <p:spPr>
+          <a:xfrm>
+            <a:off x="2940393" y="3643860"/>
+            <a:ext cx="4783494" cy="458908"/>
+          </a:xfrm>
+          <a:prstGeom prst="rect">
+            <a:avLst/>
+          </a:prstGeom>
+        </p:spPr>
+        <p:txBody>
+          <a:bodyPr wrap="square">
+            <a:spAutoFit/>
+          </a:bodyPr>
+          <a:lstStyle/>
+          <a:p>
+            <a:pPr>
+              <a:lnSpc>
+                <a:spcPct val="150000"/>
+              </a:lnSpc>
+            </a:pPr>
+            <a:r>
+              <a:rPr lang="en-US" altLang="zh-CN" b="1" dirty="0">
+                <a:solidFill>
+                  <a:srgbClr val="323232"/>
+                </a:solidFill>
+                <a:latin typeface="思源黑体 CN Medium" panose="020B0600000000000000" pitchFamily="34" charset="-122"/>
+                <a:ea typeface="思源黑体 CN Medium" panose="020B0600000000000000" pitchFamily="34" charset="-122"/>
+                <a:sym typeface="+mn-lt"/>
+              </a:rPr>
+              <a:t>03</a:t>
+            </a:r>
+            <a:r>
+              <a:rPr lang="zh-CN" altLang="en-US" b="1" dirty="0">
+                <a:solidFill>
+                  <a:srgbClr val="323232"/>
+                </a:solidFill>
+                <a:latin typeface="思源黑体 CN Medium" panose="020B0600000000000000" pitchFamily="34" charset="-122"/>
+                <a:ea typeface="思源黑体 CN Medium" panose="020B0600000000000000" pitchFamily="34" charset="-122"/>
+                <a:sym typeface="+mn-lt"/>
+              </a:rPr>
+              <a:t> 添加标题</a:t>
+            </a:r>
+          </a:p>
+        </p:txBody>
+      </p:sp>
+      <p:sp>
+        <p:nvSpPr>
+          <p:cNvPr id="9" name="矩形 8">
+            <a:extLst>
+              <a:ext uri="{FF2B5EF4-FFF2-40B4-BE49-F238E27FC236}">
+                <a16:creationId xmlns:a16="http://schemas.microsoft.com/office/drawing/2014/main" id="{AC25A9DB-C5A8-991B-3269-324DDD8B2415}"/>
+              </a:ext>
+            </a:extLst>
+          </p:cNvPr>
+          <p:cNvSpPr/>
+          <p:nvPr/>
+        </p:nvSpPr>
+        <p:spPr>
+          <a:xfrm>
+            <a:off x="2940393" y="4500590"/>
+            <a:ext cx="4783494" cy="458908"/>
+          </a:xfrm>
+          <a:prstGeom prst="rect">
+            <a:avLst/>
+          </a:prstGeom>
+        </p:spPr>
+        <p:txBody>
+          <a:bodyPr wrap="square">
+            <a:spAutoFit/>
+          </a:bodyPr>
+          <a:lstStyle/>
+          <a:p>
+            <a:pPr>
+              <a:lnSpc>
+                <a:spcPct val="150000"/>
+              </a:lnSpc>
+            </a:pPr>
+            <a:r>
+              <a:rPr lang="en-US" altLang="zh-CN" b="1" dirty="0">
+                <a:solidFill>
+                  <a:srgbClr val="323232"/>
+                </a:solidFill>
+                <a:latin typeface="思源黑体 CN Medium" panose="020B0600000000000000" pitchFamily="34" charset="-122"/>
+                <a:ea typeface="思源黑体 CN Medium" panose="020B0600000000000000" pitchFamily="34" charset="-122"/>
+                <a:sym typeface="+mn-lt"/>
+              </a:rPr>
+              <a:t>04</a:t>
+            </a:r>
+            <a:r>
+              <a:rPr lang="zh-CN" altLang="en-US" b="1" dirty="0">
+                <a:solidFill>
+                  <a:srgbClr val="323232"/>
+                </a:solidFill>
+                <a:latin typeface="思源黑体 CN Medium" panose="020B0600000000000000" pitchFamily="34" charset="-122"/>
+                <a:ea typeface="思源黑体 CN Medium" panose="020B0600000000000000" pitchFamily="34" charset="-122"/>
+                <a:sym typeface="+mn-lt"/>
+              </a:rPr>
+              <a:t> 添加标题</a:t>
+            </a:r>
+          </a:p>
+        </p:txBody>
+      </p:sp>
+      <p:sp>
+        <p:nvSpPr>
+          <p:cNvPr id="10" name="矩形 9">
+            <a:extLst>
+              <a:ext uri="{FF2B5EF4-FFF2-40B4-BE49-F238E27FC236}">
+                <a16:creationId xmlns:a16="http://schemas.microsoft.com/office/drawing/2014/main" id="{F3925CBC-080C-C377-E8EB-9EC90770FD94}"/>
+              </a:ext>
+            </a:extLst>
+          </p:cNvPr>
+          <p:cNvSpPr/>
+          <p:nvPr/>
+        </p:nvSpPr>
+        <p:spPr>
+          <a:xfrm>
+            <a:off x="2917998" y="5357320"/>
+            <a:ext cx="4783494" cy="458908"/>
+          </a:xfrm>
+          <a:prstGeom prst="rect">
+            <a:avLst/>
+          </a:prstGeom>
+        </p:spPr>
+        <p:txBody>
+          <a:bodyPr wrap="square">
+            <a:spAutoFit/>
+          </a:bodyPr>
+          <a:lstStyle/>
+          <a:p>
+            <a:pPr>
+              <a:lnSpc>
+                <a:spcPct val="150000"/>
+              </a:lnSpc>
+            </a:pPr>
+            <a:r>
+              <a:rPr lang="en-US" altLang="zh-CN" b="1" dirty="0">
+                <a:solidFill>
+                  <a:srgbClr val="323232"/>
+                </a:solidFill>
+                <a:latin typeface="思源黑体 CN Medium" panose="020B0600000000000000" pitchFamily="34" charset="-122"/>
+                <a:ea typeface="思源黑体 CN Medium" panose="020B0600000000000000" pitchFamily="34" charset="-122"/>
+                <a:sym typeface="+mn-lt"/>
+              </a:rPr>
+              <a:t>05</a:t>
+            </a:r>
+            <a:r>
+              <a:rPr lang="zh-CN" altLang="en-US" b="1" dirty="0">
+                <a:solidFill>
+                  <a:srgbClr val="323232"/>
+                </a:solidFill>
+                <a:latin typeface="思源黑体 CN Medium" panose="020B0600000000000000" pitchFamily="34" charset="-122"/>
+                <a:ea typeface="思源黑体 CN Medium" panose="020B0600000000000000" pitchFamily="34" charset="-122"/>
+                <a:sym typeface="+mn-lt"/>
+              </a:rPr>
+              <a:t> 添加标题</a:t>
+            </a:r>
+          </a:p>
+        </p:txBody>
+      </p:sp>
+      <p:sp>
+        <p:nvSpPr>
+          <p:cNvPr id="11" name="文本框 10">
+            <a:extLst>
+              <a:ext uri="{FF2B5EF4-FFF2-40B4-BE49-F238E27FC236}">
+                <a16:creationId xmlns:a16="http://schemas.microsoft.com/office/drawing/2014/main" id="{4A70D1BB-6707-D764-39B0-C4C8442543BE}"/>
+              </a:ext>
+            </a:extLst>
+          </p:cNvPr>
+          <p:cNvSpPr txBox="1"/>
+          <p:nvPr/>
+        </p:nvSpPr>
+        <p:spPr>
+          <a:xfrm>
+            <a:off x="3835864" y="1145570"/>
+            <a:ext cx="2279607" cy="523220"/>
+          </a:xfrm>
+          <a:prstGeom prst="rect">
+            <a:avLst/>
+          </a:prstGeom>
+          <a:noFill/>
+          <a:extLst>
+            <a:ext uri="{909E8E84-426E-40DD-AFC4-6F175D3DCCD1}">
+              <a14:hiddenFill xmlns:a14="http://schemas.microsoft.com/office/drawing/2010/main">
+                <a:solidFill>
+                  <a:srgbClr val="FEFCF0"/>
+                </a:solidFill>
+              </a14:hiddenFill>
+            </a:ext>
+          </a:extLst>
+        </p:spPr>
+        <p:txBody>
+          <a:bodyPr wrap="square" rtlCol="0">
+            <a:spAutoFit/>
+          </a:bodyPr>
+          <a:lstStyle/>
+          <a:p>
+            <a:pPr algn="dist"/>
+            <a:r>
+              <a:rPr lang="en-US" altLang="zh-CN" sz="2800" dirty="0">
+                <a:solidFill>
+                  <a:schemeClr val="bg1">
+                    <a:lumMod val="65000"/>
                   </a:schemeClr>
                 </a:solidFill>
+                <a:effectLst>
+                  <a:outerShdw blurRad="330200" sx="102000" sy="102000" algn="ctr" rotWithShape="0">
+                    <a:prstClr val="black">
+                      <a:alpha val="10000"/>
+                    </a:prstClr>
+                  </a:outerShdw>
+                </a:effectLst>
+                <a:latin typeface="思源黑体 CN Bold" panose="020B0800000000000000" charset="-122"/>
+                <a:ea typeface="思源黑体 CN Bold" panose="020B0800000000000000" charset="-122"/>
               </a:rPr>
-              <a:t>Apple Intelligence is a personal intelligence system that assists in writing, self-expression, and task completion. It is designed with privacy at its core, ensuring your data is safe and private at every step.</a:t>
-            </a:r>
-          </a:p>
-          <a:p>
-            <a:pPr>
-              <a:defRPr>
-                <a:solidFill/>
-              </a:defRPr>
-            </a:pPr>
-            <a:r>
-              <a:rPr lang="en-IN" sz="1600" dirty="0">
-                <a:solidFill>
-                  <a:schemeClr val="accent1">
-                    <a:lumMod val="60000"/>
-                    <a:lumOff val="40000"/>
-                  </a:schemeClr>
-                </a:solidFill>
-              </a:rPr>
-              <a:t>Features include on-device processing and Private Cloud Compute, which keep your data secure and private. Enjoy the benefits of advanced AI without compromising your personal information.</a:t>
-            </a:r>
-          </a:p>
-          <a:p>
-            <a:endParaRPr lang="en-IN" dirty="0"/>
+              <a:t>Contents</a:t>
+            </a:r>
           </a:p>
         </p:txBody>
       </p:sp>
     </p:spTree>
+    <p:extLst>
+      <p:ext uri="{BB962C8B-B14F-4D97-AF65-F5344CB8AC3E}">
+        <p14:creationId xmlns:p14="http://schemas.microsoft.com/office/powerpoint/2010/main" val="3109714676"/>
+      </p:ext>
+    </p:extLst>
   </p:cSld>
   <p:clrMapOvr>
     <a:masterClrMapping/>
   </p:clrMapOvr>
+  <mc:AlternateContent xmlns:mc="http://schemas.openxmlformats.org/markup-compatibility/2006" xmlns:p14="http://schemas.microsoft.com/office/powerpoint/2010/main">
+    <mc:Choice Requires="p14">
+      <p:transition spd="med" p14:dur="700">
+        <p:fade/>
+      </p:transition>
+    </mc:Choice>
+    <mc:Fallback xmlns="">
+      <p:transition spd="med">
+        <p:fade/>
+      </p:transition>
+    </mc:Fallback>
+  </mc:AlternateContent>
+  <p:timing>
+    <p:tnLst>
+      <p:par>
+        <p:cTn id="1" dur="indefinite" restart="never" nodeType="tmRoot">
+          <p:childTnLst>
+            <p:seq concurrent="1" nextAc="seek">
+              <p:cTn id="2" dur="indefinite" nodeType="mainSeq">
+                <p:childTnLst>
+                  <p:par>
+                    <p:cTn id="3" fill="hold">
+                      <p:stCondLst>
+                        <p:cond delay="indefinite"/>
+                        <p:cond evt="onBegin" delay="0">
+                          <p:tn val="2"/>
+                        </p:cond>
+                      </p:stCondLst>
+                      <p:childTnLst>
+                        <p:par>
+                          <p:cTn id="4" fill="hold">
+                            <p:stCondLst>
+                              <p:cond delay="0"/>
+                            </p:stCondLst>
+                            <p:childTnLst>
+                              <p:par>
+                                <p:cTn id="5" presetID="2" presetClass="entr" presetSubtype="2" decel="100000" fill="hold" grpId="0" nodeType="withEffect">
+                                  <p:stCondLst>
+                                    <p:cond delay="0"/>
+                                  </p:stCondLst>
+                                  <p:childTnLst>
+                                    <p:set>
+                                      <p:cBhvr>
+                                        <p:cTn id="6" dur="1" fill="hold">
+                                          <p:stCondLst>
+                                            <p:cond delay="0"/>
+                                          </p:stCondLst>
+                                        </p:cTn>
+                                        <p:tgtEl>
+                                          <p:spTgt spid="11"/>
+                                        </p:tgtEl>
+                                        <p:attrNameLst>
+                                          <p:attrName>style.visibility</p:attrName>
+                                        </p:attrNameLst>
+                                      </p:cBhvr>
+                                      <p:to>
+                                        <p:strVal val="visible"/>
+                                      </p:to>
+                                    </p:set>
+                                    <p:anim calcmode="lin" valueType="num">
+                                      <p:cBhvr additive="base">
+                                        <p:cTn id="7" dur="750" fill="hold"/>
+                                        <p:tgtEl>
+                                          <p:spTgt spid="11"/>
+                                        </p:tgtEl>
+                                        <p:attrNameLst>
+                                          <p:attrName>ppt_x</p:attrName>
+                                        </p:attrNameLst>
+                                      </p:cBhvr>
+                                      <p:tavLst>
+                                        <p:tav tm="0">
+                                          <p:val>
+                                            <p:strVal val="1+#ppt_w/2"/>
+                                          </p:val>
+                                        </p:tav>
+                                        <p:tav tm="100000">
+                                          <p:val>
+                                            <p:strVal val="#ppt_x"/>
+                                          </p:val>
+                                        </p:tav>
+                                      </p:tavLst>
+                                    </p:anim>
+                                    <p:anim calcmode="lin" valueType="num">
+                                      <p:cBhvr additive="base">
+                                        <p:cTn id="8" dur="750" fill="hold"/>
+                                        <p:tgtEl>
+                                          <p:spTgt spid="11"/>
+                                        </p:tgtEl>
+                                        <p:attrNameLst>
+                                          <p:attrName>ppt_y</p:attrName>
+                                        </p:attrNameLst>
+                                      </p:cBhvr>
+                                      <p:tavLst>
+                                        <p:tav tm="0">
+                                          <p:val>
+                                            <p:strVal val="#ppt_y"/>
+                                          </p:val>
+                                        </p:tav>
+                                        <p:tav tm="100000">
+                                          <p:val>
+                                            <p:strVal val="#ppt_y"/>
+                                          </p:val>
+                                        </p:tav>
+                                      </p:tavLst>
+                                    </p:anim>
+                                  </p:childTnLst>
+                                </p:cTn>
+                              </p:par>
+                            </p:childTnLst>
+                          </p:cTn>
+                        </p:par>
+                      </p:childTnLst>
+                    </p:cTn>
+                  </p:par>
+                </p:childTnLst>
+              </p:cTn>
+              <p:prevCondLst>
+                <p:cond evt="onPrev" delay="0">
+                  <p:tgtEl>
+                    <p:sldTgt/>
+                  </p:tgtEl>
+                </p:cond>
+              </p:prevCondLst>
+              <p:nextCondLst>
+                <p:cond evt="onNext" delay="0">
+                  <p:tgtEl>
+                    <p:sldTgt/>
+                  </p:tgtEl>
+                </p:cond>
+              </p:nextCondLst>
+            </p:seq>
+          </p:childTnLst>
+        </p:cTn>
+      </p:par>
+    </p:tnLst>
+    <p:bldLst>
+      <p:bldP spid="11" grpId="0" bldLvl="0" animBg="1"/>
+    </p:bldLst>
+  </p:timing>
 </p:sld>
 </file>
 
-<file path=ppt/slides/slide6.xml><?xml version="1.0" encoding="utf-8"?>
+<file path=ppt/slides/slide3.xml><?xml version="1.0" encoding="utf-8"?>
 <p:sld xmlns:a="http://schemas.openxmlformats.org/drawingml/2006/main" xmlns:r="http://schemas.openxmlformats.org/officeDocument/2006/relationships" xmlns:p="http://schemas.openxmlformats.org/presentationml/2006/main">
   <p:cSld>
-    <p:bg>
-      <p:bgPr>
-        <a:noFill/>
-        <a:effectLst/>
-      </p:bgPr>
-    </p:bg>
     <p:spTree>
       <p:nvGrpSpPr>
         <p:cNvPr id="1" name=""/>
@@ -6496,10 +9614,10 @@
       </p:grpSpPr>
       <p:sp>
         <p:nvSpPr>
-          <p:cNvPr id="2" name="Title 1">
+          <p:cNvPr id="6" name="标题 5">
             <a:extLst>
               <a:ext uri="{FF2B5EF4-FFF2-40B4-BE49-F238E27FC236}">
-                <a16:creationId xmlns:a16="http://schemas.microsoft.com/office/drawing/2014/main" id="{F3605411-7D2C-4654-8BFB-2F393DFD5913}"/>
+                <a16:creationId xmlns:a16="http://schemas.microsoft.com/office/drawing/2014/main" id="{C7CB0938-3CE9-B9FB-FE42-7AA758289A05}"/>
               </a:ext>
             </a:extLst>
           </p:cNvPr>
@@ -6512,64 +9630,41 @@
         </p:nvSpPr>
         <p:spPr>
           <a:xfrm>
-            <a:off x="677334" y="4237304"/>
-            <a:ext cx="8596667" cy="674024"/>
+            <a:off x="677335" y="3800819"/>
+            <a:ext cx="8596668" cy="726629"/>
           </a:xfrm>
         </p:spPr>
         <p:txBody>
-          <a:bodyPr/>
-          <a:lstStyle>
-            <a:lvl1pPr>
-              <a:defRPr>
-                <a:solidFill/>
-              </a:defRPr>
-            </a:lvl1pPr>
-          </a:lstStyle>
-          <a:p>
-            <a:pPr algn="ctr">
-              <a:defRPr>
-                <a:solidFill/>
-              </a:defRPr>
-            </a:pPr>
-            <a:r>
-              <a:rPr lang="en-IN" dirty="0">
-                <a:solidFill/>
+          <a:bodyPr>
+            <a:normAutofit/>
+          </a:bodyPr>
+          <a:lstStyle/>
+          <a:p>
+            <a:pPr algn="ctr"/>
+            <a:r>
+              <a:rPr lang="zh-CN" altLang="en-US" dirty="0">
+                <a:solidFill>
+                  <a:schemeClr val="accent2"/>
+                </a:solidFill>
+                <a:latin typeface="思源宋体 CN Heavy" panose="02020900000000000000" charset="-122"/>
+                <a:ea typeface="思源宋体 CN Heavy" panose="02020900000000000000" charset="-122"/>
               </a:rPr>
-              <a:t>Performance and Battery Life</a:t>
-            </a:r>
-          </a:p>
-        </p:txBody>
-      </p:sp>
-      <p:pic>
-        <p:nvPicPr>
-          <p:cNvPr id="3" name="Picture Placeholder 5" descr="_page_2_Picture_0.jpeg"/>
-          <p:cNvPicPr>
-            <a:picLocks noChangeAspect="1"/>
-          </p:cNvPicPr>
-          <p:nvPr/>
-        </p:nvPicPr>
-        <p:blipFill>
-          <a:blip r:embed="rId2"/>
-          <a:stretch>
-            <a:fillRect/>
-          </a:stretch>
-        </p:blipFill>
-        <p:spPr>
-          <a:xfrm>
-            <a:off x="677334" y="609600"/>
-            <a:ext cx="7569200" cy="3835400"/>
-          </a:xfrm>
-          <a:prstGeom prst="rect">
-            <a:avLst/>
-          </a:prstGeom>
-        </p:spPr>
-      </p:pic>
-      <p:sp>
-        <p:nvSpPr>
-          <p:cNvPr id="4" name="Text Placeholder 3">
+              <a:t>请您单击此处添加合适文字加以说明</a:t>
+            </a:r>
+            <a:endParaRPr lang="zh-CN" altLang="en-US" dirty="0">
+              <a:solidFill>
+                <a:schemeClr val="accent2"/>
+              </a:solidFill>
+            </a:endParaRPr>
+          </a:p>
+        </p:txBody>
+      </p:sp>
+      <p:sp>
+        <p:nvSpPr>
+          <p:cNvPr id="7" name="文本占位符 6">
             <a:extLst>
               <a:ext uri="{FF2B5EF4-FFF2-40B4-BE49-F238E27FC236}">
-                <a16:creationId xmlns:a16="http://schemas.microsoft.com/office/drawing/2014/main" id="{6A48B58D-A676-460B-A052-DDB6DC16EEF4}"/>
+                <a16:creationId xmlns:a16="http://schemas.microsoft.com/office/drawing/2014/main" id="{7E2875F3-3660-C963-7CAB-C521D7C8AA41}"/>
               </a:ext>
             </a:extLst>
           </p:cNvPr>
@@ -6577,84 +9672,90 @@
             <a:spLocks noGrp="1"/>
           </p:cNvSpPr>
           <p:nvPr>
-            <p:ph type="body" sz="half" idx="2"/>
+            <p:ph type="body" idx="1"/>
           </p:nvPr>
+        </p:nvSpPr>
+        <p:spPr/>
+        <p:txBody>
+          <a:bodyPr/>
+          <a:lstStyle/>
+          <a:p>
+            <a:endParaRPr lang="zh-CN" altLang="en-US" dirty="0"/>
+          </a:p>
+        </p:txBody>
+      </p:sp>
+      <p:sp>
+        <p:nvSpPr>
+          <p:cNvPr id="8" name="文本框 7">
+            <a:extLst>
+              <a:ext uri="{FF2B5EF4-FFF2-40B4-BE49-F238E27FC236}">
+                <a16:creationId xmlns:a16="http://schemas.microsoft.com/office/drawing/2014/main" id="{B1B40035-F291-C2B4-535B-7D660BD01D4A}"/>
+              </a:ext>
+            </a:extLst>
+          </p:cNvPr>
+          <p:cNvSpPr txBox="1"/>
+          <p:nvPr/>
         </p:nvSpPr>
         <p:spPr>
           <a:xfrm>
-            <a:off x="677334" y="4911328"/>
-            <a:ext cx="8596667" cy="1789510"/>
+            <a:off x="4231715" y="2736995"/>
+            <a:ext cx="1487908" cy="584775"/>
           </a:xfrm>
+          <a:prstGeom prst="rect">
+            <a:avLst/>
+          </a:prstGeom>
+          <a:noFill/>
         </p:spPr>
         <p:txBody>
-          <a:bodyPr>
-            <a:normAutofit/>
+          <a:bodyPr wrap="none" rtlCol="0">
+            <a:spAutoFit/>
           </a:bodyPr>
-          <a:lstStyle>
-            <a:lvl1pPr>
-              <a:defRPr>
-                <a:solidFill/>
-              </a:defRPr>
-            </a:lvl1pPr>
-          </a:lstStyle>
-          <a:p>
-            <a:pPr>
-              <a:defRPr>
-                <a:solidFill/>
-              </a:defRPr>
-            </a:pPr>
-            <a:r>
-              <a:rPr lang="en-IN" sz="1600" dirty="0">
-                <a:solidFill>
-                  <a:schemeClr val="accent1">
-                    <a:lumMod val="60000"/>
-                    <a:lumOff val="40000"/>
-                  </a:schemeClr>
-                </a:solidFill>
-              </a:rPr>
-              <a:t>The A18 Pro chip features a faster Neural Engine, improved CPU and GPU, and increased memory bandwidth. It offers advanced video and photo capabilities, the best graphics performance for gaming, and hardware-accelerated ray tracing in iOS 18.</a:t>
-            </a:r>
-          </a:p>
-          <a:p>
-            <a:pPr>
-              <a:defRPr>
-                <a:solidFill/>
-              </a:defRPr>
-            </a:pPr>
-            <a:r>
-              <a:rPr lang="en-IN" sz="1600" dirty="0">
-                <a:solidFill>
-                  <a:schemeClr val="accent1">
-                    <a:lumMod val="60000"/>
-                    <a:lumOff val="40000"/>
-                  </a:schemeClr>
-                </a:solidFill>
-              </a:rPr>
-              <a:t>The iPhone 16 Pro provides extended battery life, with the Pro Max model offering up to 33 hours of video playback. Fast wireless charging supports up to 25W using a 30W power adapter, allowing up to 50% charge in approximately 30 minutes.</a:t>
-            </a:r>
-          </a:p>
-          <a:p>
-            <a:endParaRPr lang="en-IN" dirty="0"/>
+          <a:lstStyle/>
+          <a:p>
+            <a:r>
+              <a:rPr kumimoji="1" lang="en-US" altLang="zh-CN" sz="3200" dirty="0"/>
+              <a:t>Part</a:t>
+            </a:r>
+            <a:r>
+              <a:rPr kumimoji="1" lang="zh-CN" altLang="en-US" sz="3200" dirty="0"/>
+              <a:t> </a:t>
+            </a:r>
+            <a:r>
+              <a:rPr kumimoji="1" lang="en-US" altLang="zh-CN" sz="3200" dirty="0"/>
+              <a:t>01</a:t>
+            </a:r>
+            <a:endParaRPr kumimoji="1" lang="zh-CN" altLang="en-US" sz="3200" dirty="0"/>
           </a:p>
         </p:txBody>
       </p:sp>
     </p:spTree>
+    <p:extLst>
+      <p:ext uri="{BB962C8B-B14F-4D97-AF65-F5344CB8AC3E}">
+        <p14:creationId xmlns:p14="http://schemas.microsoft.com/office/powerpoint/2010/main" val="1324932055"/>
+      </p:ext>
+    </p:extLst>
   </p:cSld>
   <p:clrMapOvr>
     <a:masterClrMapping/>
   </p:clrMapOvr>
+  <mc:AlternateContent xmlns:mc="http://schemas.openxmlformats.org/markup-compatibility/2006" xmlns:p14="http://schemas.microsoft.com/office/powerpoint/2010/main">
+    <mc:Choice Requires="p14">
+      <p:transition spd="med" p14:dur="700">
+        <p:fade/>
+      </p:transition>
+    </mc:Choice>
+    <mc:Fallback xmlns="">
+      <p:transition spd="med">
+        <p:fade/>
+      </p:transition>
+    </mc:Fallback>
+  </mc:AlternateContent>
 </p:sld>
 </file>
 
-<file path=ppt/slides/slide7.xml><?xml version="1.0" encoding="utf-8"?>
+<file path=ppt/slides/slide4.xml><?xml version="1.0" encoding="utf-8"?>
 <p:sld xmlns:a="http://schemas.openxmlformats.org/drawingml/2006/main" xmlns:r="http://schemas.openxmlformats.org/officeDocument/2006/relationships" xmlns:p="http://schemas.openxmlformats.org/presentationml/2006/main">
   <p:cSld>
-    <p:bg>
-      <p:bgPr>
-        <a:noFill/>
-        <a:effectLst/>
-      </p:bgPr>
-    </p:bg>
     <p:spTree>
       <p:nvGrpSpPr>
         <p:cNvPr id="1" name=""/>
@@ -6671,10 +9772,10 @@
       </p:grpSpPr>
       <p:sp>
         <p:nvSpPr>
-          <p:cNvPr id="2" name="Title 1">
+          <p:cNvPr id="6" name="标题 5">
             <a:extLst>
               <a:ext uri="{FF2B5EF4-FFF2-40B4-BE49-F238E27FC236}">
-                <a16:creationId xmlns:a16="http://schemas.microsoft.com/office/drawing/2014/main" id="{A007B38C-0E0A-475E-AAF1-5C4557C3F24A}"/>
+                <a16:creationId xmlns:a16="http://schemas.microsoft.com/office/drawing/2014/main" id="{47CF4A44-3053-5436-F14A-4AC0EBD031EE}"/>
               </a:ext>
             </a:extLst>
           </p:cNvPr>
@@ -6685,182 +9786,365 @@
             <p:ph type="title"/>
           </p:nvPr>
         </p:nvSpPr>
-        <p:spPr>
-          <a:xfrm>
-            <a:off x="677334" y="156237"/>
-            <a:ext cx="8596668" cy="1320800"/>
-          </a:xfrm>
-        </p:spPr>
+        <p:spPr/>
         <p:txBody>
           <a:bodyPr/>
-          <a:lstStyle>
-            <a:lvl1pPr>
-              <a:defRPr>
-                <a:solidFill/>
-              </a:defRPr>
-            </a:lvl1pPr>
-          </a:lstStyle>
-          <a:p>
-            <a:pPr>
-              <a:defRPr>
-                <a:solidFill/>
-              </a:defRPr>
-            </a:pPr>
-            <a:r>
-              <a:rPr lang="en-IN" dirty="0">
-                <a:solidFill/>
-              </a:rPr>
-              <a:t>Additional Features and Accessibility</a:t>
-            </a:r>
-          </a:p>
-        </p:txBody>
-      </p:sp>
-      <p:sp>
-        <p:nvSpPr>
-          <p:cNvPr id="3" name="Content Placeholder 2">
+          <a:lstStyle/>
+          <a:p>
+            <a:r>
+              <a:rPr lang="zh-CN" altLang="en-US" dirty="0"/>
+              <a:t>目标与任务导学设计</a:t>
+            </a:r>
+          </a:p>
+        </p:txBody>
+      </p:sp>
+      <p:sp>
+        <p:nvSpPr>
+          <p:cNvPr id="8" name="文本框 7">
             <a:extLst>
               <a:ext uri="{FF2B5EF4-FFF2-40B4-BE49-F238E27FC236}">
-                <a16:creationId xmlns:a16="http://schemas.microsoft.com/office/drawing/2014/main" id="{0649A416-4688-43F4-BBB6-AFE1E13406BA}"/>
+                <a16:creationId xmlns:a16="http://schemas.microsoft.com/office/drawing/2014/main" id="{C7510B72-F6C0-4663-DF45-5E3A0E279421}"/>
               </a:ext>
             </a:extLst>
           </p:cNvPr>
-          <p:cNvSpPr>
-            <a:spLocks noGrp="1"/>
-          </p:cNvSpPr>
-          <p:nvPr>
-            <p:ph idx="1"/>
-          </p:nvPr>
+          <p:cNvSpPr txBox="1"/>
+          <p:nvPr/>
         </p:nvSpPr>
         <p:spPr>
           <a:xfrm>
-            <a:off x="677334" y="1234440"/>
-            <a:ext cx="8596668" cy="5623559"/>
+            <a:off x="727387" y="1553944"/>
+            <a:ext cx="8496562" cy="784830"/>
           </a:xfrm>
+          <a:prstGeom prst="rect">
+            <a:avLst/>
+          </a:prstGeom>
+          <a:noFill/>
         </p:spPr>
         <p:txBody>
-          <a:bodyPr>
-            <a:normAutofit/>
+          <a:bodyPr wrap="square" rtlCol="0">
+            <a:spAutoFit/>
           </a:bodyPr>
-          <a:lstStyle>
-            <a:lvl1pPr>
-              <a:defRPr>
-                <a:solidFill/>
-              </a:defRPr>
-            </a:lvl1pPr>
-          </a:lstStyle>
-          <a:p>
-            <a:pPr>
-              <a:defRPr>
-                <a:solidFill/>
-              </a:defRPr>
+          <a:lstStyle/>
+          <a:p>
+            <a:pPr lvl="0" algn="l">
+              <a:lnSpc>
+                <a:spcPct val="150000"/>
+              </a:lnSpc>
+              <a:defRPr/>
             </a:pPr>
             <a:r>
-              <a:rPr lang="en-IN" sz="2000" dirty="0">
-                <a:solidFill/>
-              </a:rPr>
-              <a:t>Satellite Connectivity: Stay connected in remote areas.</a:t>
-            </a:r>
-          </a:p>
-          <a:p>
-            <a:pPr marL="0" indent="0">
-              <a:buNone/>
-            </a:pPr>
-            <a:endParaRPr lang="en-IN" dirty="0"/>
-          </a:p>
-          <a:p>
-            <a:pPr>
-              <a:defRPr>
-                <a:solidFill/>
-              </a:defRPr>
-            </a:pPr>
-            <a:r>
-              <a:rPr lang="en-IN" dirty="0">
+              <a:rPr lang="zh-CN" altLang="en-US" dirty="0">
                 <a:solidFill>
-                  <a:schemeClr val="accent1">
-                    <a:lumMod val="60000"/>
-                    <a:lumOff val="40000"/>
+                  <a:schemeClr val="tx1">
+                    <a:lumMod val="75000"/>
+                    <a:lumOff val="25000"/>
                   </a:schemeClr>
                 </a:solidFill>
+                <a:latin typeface="Microsoft YaHei" panose="020B0503020204020204" pitchFamily="34" charset="-122"/>
+                <a:ea typeface="Microsoft YaHei" panose="020B0503020204020204" pitchFamily="34" charset="-122"/>
               </a:rPr>
-              <a:t>Privacy and Security: Secure your data with end-to-end encryption.</a:t>
-            </a:r>
-          </a:p>
-          <a:p>
-            <a:pPr>
-              <a:defRPr>
-                <a:solidFill/>
-              </a:defRPr>
+              <a:t>引导词：看一看</a:t>
+            </a:r>
+            <a:endParaRPr lang="en-US" altLang="zh-CN" dirty="0">
+              <a:solidFill>
+                <a:schemeClr val="tx1">
+                  <a:lumMod val="75000"/>
+                  <a:lumOff val="25000"/>
+                </a:schemeClr>
+              </a:solidFill>
+              <a:latin typeface="Microsoft YaHei" panose="020B0503020204020204" pitchFamily="34" charset="-122"/>
+              <a:ea typeface="Microsoft YaHei" panose="020B0503020204020204" pitchFamily="34" charset="-122"/>
+            </a:endParaRPr>
+          </a:p>
+          <a:p>
+            <a:r>
+              <a:rPr lang="zh-CN" altLang="en-US" dirty="0">
+                <a:latin typeface="Microsoft YaHei" panose="020B0503020204020204" pitchFamily="34" charset="-122"/>
+                <a:ea typeface="Microsoft YaHei" panose="020B0503020204020204" pitchFamily="34" charset="-122"/>
+              </a:rPr>
+              <a:t>请您单击此处添加合适文字加以说明</a:t>
+            </a:r>
+            <a:endParaRPr lang="zh-CN" altLang="en-US" sz="1200" kern="0" dirty="0">
+              <a:solidFill>
+                <a:schemeClr val="tx1">
+                  <a:lumMod val="75000"/>
+                  <a:lumOff val="25000"/>
+                </a:schemeClr>
+              </a:solidFill>
+              <a:latin typeface="Microsoft YaHei" panose="020B0503020204020204" pitchFamily="34" charset="-122"/>
+              <a:ea typeface="Microsoft YaHei" panose="020B0503020204020204" pitchFamily="34" charset="-122"/>
+            </a:endParaRPr>
+          </a:p>
+        </p:txBody>
+      </p:sp>
+      <p:sp>
+        <p:nvSpPr>
+          <p:cNvPr id="9" name="文本框 8">
+            <a:extLst>
+              <a:ext uri="{FF2B5EF4-FFF2-40B4-BE49-F238E27FC236}">
+                <a16:creationId xmlns:a16="http://schemas.microsoft.com/office/drawing/2014/main" id="{3C7A1B14-D419-100A-FC75-858AF525C401}"/>
+              </a:ext>
+            </a:extLst>
+          </p:cNvPr>
+          <p:cNvSpPr txBox="1"/>
+          <p:nvPr/>
+        </p:nvSpPr>
+        <p:spPr>
+          <a:xfrm>
+            <a:off x="727387" y="3804479"/>
+            <a:ext cx="6696428" cy="752194"/>
+          </a:xfrm>
+          <a:prstGeom prst="rect">
+            <a:avLst/>
+          </a:prstGeom>
+          <a:noFill/>
+        </p:spPr>
+        <p:txBody>
+          <a:bodyPr wrap="square" rtlCol="0">
+            <a:spAutoFit/>
+          </a:bodyPr>
+          <a:lstStyle/>
+          <a:p>
+            <a:pPr lvl="0" algn="l">
+              <a:lnSpc>
+                <a:spcPct val="150000"/>
+              </a:lnSpc>
+              <a:defRPr/>
             </a:pPr>
             <a:r>
-              <a:rPr lang="en-IN" dirty="0">
+              <a:rPr lang="zh-CN" altLang="en-US" b="1" dirty="0">
                 <a:solidFill>
-                  <a:schemeClr val="accent1">
-                    <a:lumMod val="60000"/>
-                    <a:lumOff val="40000"/>
+                  <a:schemeClr val="tx1">
+                    <a:lumMod val="75000"/>
+                    <a:lumOff val="25000"/>
                   </a:schemeClr>
                 </a:solidFill>
+                <a:latin typeface="思源黑体 CN Medium" panose="020B0600000000000000" pitchFamily="34" charset="-122"/>
+                <a:ea typeface="思源黑体 CN Medium" panose="020B0600000000000000" pitchFamily="34" charset="-122"/>
               </a:rPr>
-              <a:t>Accessibility: Features for all users, including Eye Tracking and Music Haptics.</a:t>
-            </a:r>
-          </a:p>
-          <a:p>
-            <a:pPr>
-              <a:defRPr>
-                <a:solidFill/>
-              </a:defRPr>
-            </a:pPr>
-            <a:r>
-              <a:rPr lang="en-IN" dirty="0">
+              <a:t>回答</a:t>
+            </a:r>
+            <a:r>
+              <a:rPr lang="en-US" altLang="zh-CN" b="1" dirty="0">
                 <a:solidFill>
-                  <a:schemeClr val="accent1">
-                    <a:lumMod val="60000"/>
-                    <a:lumOff val="40000"/>
+                  <a:schemeClr val="tx1">
+                    <a:lumMod val="75000"/>
+                    <a:lumOff val="25000"/>
                   </a:schemeClr>
                 </a:solidFill>
+                <a:latin typeface="思源黑体 CN Medium" panose="020B0600000000000000" pitchFamily="34" charset="-122"/>
+                <a:ea typeface="思源黑体 CN Medium" panose="020B0600000000000000" pitchFamily="34" charset="-122"/>
+                <a:sym typeface="Wingdings" pitchFamily="2" charset="2"/>
               </a:rPr>
-              <a:t>Satellite SOS: Text emergency services when cell service is unavailable.</a:t>
-            </a:r>
-          </a:p>
-          <a:p>
-            <a:pPr>
-              <a:defRPr>
-                <a:solidFill/>
-              </a:defRPr>
-            </a:pPr>
-            <a:r>
-              <a:rPr lang="en-IN" dirty="0">
+              <a:t>:</a:t>
+            </a:r>
+            <a:r>
+              <a:rPr lang="zh-CN" altLang="en-US" dirty="0">
                 <a:solidFill>
-                  <a:schemeClr val="accent1">
-                    <a:lumMod val="60000"/>
-                    <a:lumOff val="40000"/>
+                  <a:schemeClr val="tx1">
+                    <a:lumMod val="75000"/>
+                    <a:lumOff val="25000"/>
                   </a:schemeClr>
                 </a:solidFill>
+                <a:latin typeface="思源黑体 CN Medium" panose="020B0600000000000000" pitchFamily="34" charset="-122"/>
+                <a:ea typeface="思源黑体 CN Medium" panose="020B0600000000000000" pitchFamily="34" charset="-122"/>
+                <a:sym typeface="Wingdings" pitchFamily="2" charset="2"/>
               </a:rPr>
-              <a:t>Vocal Shortcuts: Voice commands to enhance usability.</a:t>
-            </a:r>
-          </a:p>
-          <a:p>
-            <a:endParaRPr lang="en-IN" dirty="0"/>
+              <a:t>（留白）</a:t>
+            </a:r>
+            <a:endParaRPr lang="en-US" altLang="zh-CN" dirty="0">
+              <a:solidFill>
+                <a:schemeClr val="tx1">
+                  <a:lumMod val="75000"/>
+                  <a:lumOff val="25000"/>
+                </a:schemeClr>
+              </a:solidFill>
+              <a:latin typeface="思源黑体 CN Medium" panose="020B0600000000000000" pitchFamily="34" charset="-122"/>
+              <a:ea typeface="思源黑体 CN Medium" panose="020B0600000000000000" pitchFamily="34" charset="-122"/>
+            </a:endParaRPr>
+          </a:p>
+          <a:p>
+            <a:pPr lvl="0" algn="l">
+              <a:lnSpc>
+                <a:spcPct val="150000"/>
+              </a:lnSpc>
+              <a:defRPr/>
+            </a:pPr>
+            <a:endParaRPr lang="zh-CN" altLang="en-US" sz="1200" kern="0" dirty="0">
+              <a:solidFill>
+                <a:schemeClr val="tx1">
+                  <a:lumMod val="75000"/>
+                  <a:lumOff val="25000"/>
+                </a:schemeClr>
+              </a:solidFill>
+              <a:latin typeface="思源黑体 CN Normal" panose="020B0400000000000000" pitchFamily="34" charset="-122"/>
+              <a:ea typeface="思源黑体 CN Normal" panose="020B0400000000000000" pitchFamily="34" charset="-122"/>
+            </a:endParaRPr>
           </a:p>
         </p:txBody>
       </p:sp>
     </p:spTree>
+    <p:extLst>
+      <p:ext uri="{BB962C8B-B14F-4D97-AF65-F5344CB8AC3E}">
+        <p14:creationId xmlns:p14="http://schemas.microsoft.com/office/powerpoint/2010/main" val="2785649700"/>
+      </p:ext>
+    </p:extLst>
   </p:cSld>
   <p:clrMapOvr>
     <a:masterClrMapping/>
   </p:clrMapOvr>
+  <mc:AlternateContent xmlns:mc="http://schemas.openxmlformats.org/markup-compatibility/2006" xmlns:p14="http://schemas.microsoft.com/office/powerpoint/2010/main">
+    <mc:Choice Requires="p14">
+      <p:transition spd="med" p14:dur="700">
+        <p:fade/>
+      </p:transition>
+    </mc:Choice>
+    <mc:Fallback xmlns="">
+      <p:transition spd="med">
+        <p:fade/>
+      </p:transition>
+    </mc:Fallback>
+  </mc:AlternateContent>
+  <p:timing>
+    <p:tnLst>
+      <p:par>
+        <p:cTn id="1" dur="indefinite" restart="never" nodeType="tmRoot">
+          <p:childTnLst>
+            <p:seq concurrent="1" nextAc="seek">
+              <p:cTn id="2" dur="indefinite" nodeType="mainSeq">
+                <p:childTnLst>
+                  <p:par>
+                    <p:cTn id="3" fill="hold">
+                      <p:stCondLst>
+                        <p:cond delay="indefinite"/>
+                        <p:cond evt="onBegin" delay="0">
+                          <p:tn val="2"/>
+                        </p:cond>
+                      </p:stCondLst>
+                      <p:childTnLst>
+                        <p:par>
+                          <p:cTn id="4" fill="hold">
+                            <p:stCondLst>
+                              <p:cond delay="0"/>
+                            </p:stCondLst>
+                            <p:childTnLst>
+                              <p:par>
+                                <p:cTn id="5" presetID="14" presetClass="entr" presetSubtype="10" fill="hold" grpId="0" nodeType="afterEffect">
+                                  <p:stCondLst>
+                                    <p:cond delay="0"/>
+                                  </p:stCondLst>
+                                  <p:childTnLst>
+                                    <p:set>
+                                      <p:cBhvr>
+                                        <p:cTn id="6" dur="1" fill="hold">
+                                          <p:stCondLst>
+                                            <p:cond delay="0"/>
+                                          </p:stCondLst>
+                                        </p:cTn>
+                                        <p:tgtEl>
+                                          <p:spTgt spid="8"/>
+                                        </p:tgtEl>
+                                        <p:attrNameLst>
+                                          <p:attrName>style.visibility</p:attrName>
+                                        </p:attrNameLst>
+                                      </p:cBhvr>
+                                      <p:to>
+                                        <p:strVal val="visible"/>
+                                      </p:to>
+                                    </p:set>
+                                    <p:animEffect transition="in" filter="randombar(horizontal)">
+                                      <p:cBhvr>
+                                        <p:cTn id="7" dur="500"/>
+                                        <p:tgtEl>
+                                          <p:spTgt spid="8"/>
+                                        </p:tgtEl>
+                                      </p:cBhvr>
+                                    </p:animEffect>
+                                  </p:childTnLst>
+                                </p:cTn>
+                              </p:par>
+                            </p:childTnLst>
+                          </p:cTn>
+                        </p:par>
+                        <p:par>
+                          <p:cTn id="8" fill="hold">
+                            <p:stCondLst>
+                              <p:cond delay="500"/>
+                            </p:stCondLst>
+                            <p:childTnLst>
+                              <p:par>
+                                <p:cTn id="9" presetID="14" presetClass="entr" presetSubtype="10" fill="hold" grpId="0" nodeType="afterEffect">
+                                  <p:stCondLst>
+                                    <p:cond delay="0"/>
+                                  </p:stCondLst>
+                                  <p:childTnLst>
+                                    <p:set>
+                                      <p:cBhvr>
+                                        <p:cTn id="10" dur="1" fill="hold">
+                                          <p:stCondLst>
+                                            <p:cond delay="0"/>
+                                          </p:stCondLst>
+                                        </p:cTn>
+                                        <p:tgtEl>
+                                          <p:spTgt spid="9"/>
+                                        </p:tgtEl>
+                                        <p:attrNameLst>
+                                          <p:attrName>style.visibility</p:attrName>
+                                        </p:attrNameLst>
+                                      </p:cBhvr>
+                                      <p:to>
+                                        <p:strVal val="visible"/>
+                                      </p:to>
+                                    </p:set>
+                                    <p:animEffect transition="in" filter="randombar(horizontal)">
+                                      <p:cBhvr>
+                                        <p:cTn id="11" dur="500"/>
+                                        <p:tgtEl>
+                                          <p:spTgt spid="9"/>
+                                        </p:tgtEl>
+                                      </p:cBhvr>
+                                    </p:animEffect>
+                                  </p:childTnLst>
+                                </p:cTn>
+                              </p:par>
+                            </p:childTnLst>
+                          </p:cTn>
+                        </p:par>
+                      </p:childTnLst>
+                    </p:cTn>
+                  </p:par>
+                </p:childTnLst>
+              </p:cTn>
+              <p:prevCondLst>
+                <p:cond evt="onPrev" delay="0">
+                  <p:tgtEl>
+                    <p:sldTgt/>
+                  </p:tgtEl>
+                </p:cond>
+              </p:prevCondLst>
+              <p:nextCondLst>
+                <p:cond evt="onNext" delay="0">
+                  <p:tgtEl>
+                    <p:sldTgt/>
+                  </p:tgtEl>
+                </p:cond>
+              </p:nextCondLst>
+            </p:seq>
+          </p:childTnLst>
+        </p:cTn>
+      </p:par>
+    </p:tnLst>
+    <p:bldLst>
+      <p:bldP spid="8" grpId="0"/>
+      <p:bldP spid="9" grpId="0"/>
+    </p:bldLst>
+  </p:timing>
 </p:sld>
 </file>
 
-<file path=ppt/slides/slide8.xml><?xml version="1.0" encoding="utf-8"?>
+<file path=ppt/slides/slide5.xml><?xml version="1.0" encoding="utf-8"?>
 <p:sld xmlns:a="http://schemas.openxmlformats.org/drawingml/2006/main" xmlns:r="http://schemas.openxmlformats.org/officeDocument/2006/relationships" xmlns:p="http://schemas.openxmlformats.org/presentationml/2006/main">
   <p:cSld>
-    <p:bg>
-      <p:bgPr>
-        <a:noFill/>
-        <a:effectLst/>
-      </p:bgPr>
-    </p:bg>
     <p:spTree>
       <p:nvGrpSpPr>
         <p:cNvPr id="1" name=""/>
@@ -6877,10 +10161,10 @@
       </p:grpSpPr>
       <p:sp>
         <p:nvSpPr>
-          <p:cNvPr id="2" name="Title 1">
+          <p:cNvPr id="2" name="标题 1">
             <a:extLst>
               <a:ext uri="{FF2B5EF4-FFF2-40B4-BE49-F238E27FC236}">
-                <a16:creationId xmlns:a16="http://schemas.microsoft.com/office/drawing/2014/main" id="{A007B38C-0E0A-475E-AAF1-5C4557C3F24A}"/>
+                <a16:creationId xmlns:a16="http://schemas.microsoft.com/office/drawing/2014/main" id="{207F58BC-6D0A-7CCF-64C6-F07D53D55174}"/>
               </a:ext>
             </a:extLst>
           </p:cNvPr>
@@ -6891,46 +10175,28 @@
             <p:ph type="title"/>
           </p:nvPr>
         </p:nvSpPr>
-        <p:spPr>
-          <a:xfrm>
-            <a:off x="677334" y="156237"/>
-            <a:ext cx="8596668" cy="1320800"/>
-          </a:xfrm>
-        </p:spPr>
+        <p:spPr/>
         <p:txBody>
           <a:bodyPr/>
-          <a:lstStyle>
-            <a:lvl1pPr>
-              <a:defRPr>
-                <a:solidFill/>
-              </a:defRPr>
-            </a:lvl1pPr>
-          </a:lstStyle>
-          <a:p>
-            <a:pPr>
-              <a:defRPr>
-                <a:solidFill/>
-              </a:defRPr>
-            </a:pPr>
-            <a:r>
-              <a:rPr lang="en-IN" dirty="0">
-                <a:solidFill/>
-              </a:rPr>
-              <a:t>Environmental and Ethical Considerations</a:t>
-            </a:r>
-          </a:p>
-        </p:txBody>
-      </p:sp>
-      <p:sp>
-        <p:nvSpPr>
-          <p:cNvPr id="3" name="Content Placeholder 2">
+          <a:lstStyle/>
+          <a:p>
+            <a:r>
+              <a:rPr kumimoji="1" lang="zh-CN" altLang="en-US" dirty="0"/>
+              <a:t>学习目标</a:t>
+            </a:r>
+          </a:p>
+        </p:txBody>
+      </p:sp>
+      <p:sp>
+        <p:nvSpPr>
+          <p:cNvPr id="4" name="内容占位符 3">
             <a:extLst>
               <a:ext uri="{FF2B5EF4-FFF2-40B4-BE49-F238E27FC236}">
-                <a16:creationId xmlns:a16="http://schemas.microsoft.com/office/drawing/2014/main" id="{0649A416-4688-43F4-BBB6-AFE1E13406BA}"/>
+                <a16:creationId xmlns:a16="http://schemas.microsoft.com/office/drawing/2014/main" id="{E9F6A827-A0F4-264A-91B7-4716C581298A}"/>
               </a:ext>
             </a:extLst>
           </p:cNvPr>
-          <p:cNvSpPr>
+          <p:cNvSpPr txBox="1">
             <a:spLocks noGrp="1"/>
           </p:cNvSpPr>
           <p:nvPr>
@@ -6939,134 +10205,200 @@
         </p:nvSpPr>
         <p:spPr>
           <a:xfrm>
-            <a:off x="677334" y="1234440"/>
-            <a:ext cx="8596668" cy="5623559"/>
+            <a:off x="677334" y="2160589"/>
+            <a:ext cx="8596668" cy="1285673"/>
           </a:xfrm>
+          <a:prstGeom prst="rect">
+            <a:avLst/>
+          </a:prstGeom>
+          <a:noFill/>
         </p:spPr>
         <p:txBody>
-          <a:bodyPr>
-            <a:normAutofit/>
+          <a:bodyPr wrap="square" rtlCol="0">
+            <a:spAutoFit/>
           </a:bodyPr>
-          <a:lstStyle>
-            <a:lvl1pPr>
-              <a:defRPr>
-                <a:solidFill/>
-              </a:defRPr>
-            </a:lvl1pPr>
-          </a:lstStyle>
-          <a:p>
-            <a:pPr>
-              <a:defRPr>
-                <a:solidFill/>
-              </a:defRPr>
+          <a:lstStyle/>
+          <a:p>
+            <a:pPr lvl="0" algn="l">
+              <a:lnSpc>
+                <a:spcPct val="150000"/>
+              </a:lnSpc>
+              <a:defRPr/>
             </a:pPr>
             <a:r>
-              <a:rPr lang="en-IN" sz="2000" dirty="0">
-                <a:solidFill/>
-              </a:rPr>
-              <a:t>All Apple data centers run on 100% renewable energy.</a:t>
-            </a:r>
-          </a:p>
-          <a:p>
-            <a:pPr marL="0" indent="0">
-              <a:buNone/>
-            </a:pPr>
-            <a:endParaRPr lang="en-IN" dirty="0"/>
-          </a:p>
-          <a:p>
-            <a:pPr>
-              <a:defRPr>
-                <a:solidFill/>
-              </a:defRPr>
-            </a:pPr>
-            <a:r>
-              <a:rPr lang="en-IN" dirty="0">
+              <a:rPr lang="zh-CN" altLang="en-US" b="1" dirty="0">
                 <a:solidFill>
-                  <a:schemeClr val="accent1">
-                    <a:lumMod val="60000"/>
-                    <a:lumOff val="40000"/>
+                  <a:schemeClr val="tx1">
+                    <a:lumMod val="75000"/>
+                    <a:lumOff val="25000"/>
                   </a:schemeClr>
                 </a:solidFill>
+                <a:latin typeface="思源黑体 CN Medium" panose="020B0600000000000000" pitchFamily="34" charset="-122"/>
+                <a:ea typeface="思源黑体 CN Medium" panose="020B0600000000000000" pitchFamily="34" charset="-122"/>
               </a:rPr>
-              <a:t>The iPhone 16 Pro uses over 95% recycled lithium in the battery, 100% recycled gold in the USB-C connector, and 100% recycled copper in the MagSafe charger.</a:t>
-            </a:r>
-          </a:p>
-          <a:p>
-            <a:pPr>
-              <a:defRPr>
-                <a:solidFill/>
-              </a:defRPr>
+              <a:t>介绍语</a:t>
+            </a:r>
+            <a:endParaRPr lang="en-US" altLang="zh-CN" b="1" dirty="0">
+              <a:solidFill>
+                <a:schemeClr val="tx1">
+                  <a:lumMod val="75000"/>
+                  <a:lumOff val="25000"/>
+                </a:schemeClr>
+              </a:solidFill>
+              <a:latin typeface="思源黑体 CN Medium" panose="020B0600000000000000" pitchFamily="34" charset="-122"/>
+              <a:ea typeface="思源黑体 CN Medium" panose="020B0600000000000000" pitchFamily="34" charset="-122"/>
+            </a:endParaRPr>
+          </a:p>
+          <a:p>
+            <a:r>
+              <a:rPr lang="zh-CN" altLang="en-US" dirty="0">
+                <a:latin typeface="Microsoft YaHei" panose="020B0503020204020204" pitchFamily="34" charset="-122"/>
+                <a:ea typeface="Microsoft YaHei" panose="020B0503020204020204" pitchFamily="34" charset="-122"/>
+              </a:rPr>
+              <a:t>请您单击此处添加合适文字加以说明</a:t>
+            </a:r>
+            <a:endParaRPr lang="zh-CN" altLang="en-US" sz="1200" kern="0" dirty="0">
+              <a:latin typeface="Microsoft YaHei" panose="020B0503020204020204" pitchFamily="34" charset="-122"/>
+              <a:ea typeface="Microsoft YaHei" panose="020B0503020204020204" pitchFamily="34" charset="-122"/>
+            </a:endParaRPr>
+          </a:p>
+          <a:p>
+            <a:pPr lvl="0" algn="l">
+              <a:lnSpc>
+                <a:spcPct val="150000"/>
+              </a:lnSpc>
+              <a:defRPr/>
             </a:pPr>
-            <a:r>
-              <a:rPr lang="en-IN" dirty="0">
-                <a:solidFill>
-                  <a:schemeClr val="accent1">
-                    <a:lumMod val="60000"/>
-                    <a:lumOff val="40000"/>
-                  </a:schemeClr>
-                </a:solidFill>
-              </a:rPr>
-              <a:t>Packaging is 100% fiber-based and thinner, reducing carbon impact for shipping.</a:t>
-            </a:r>
-          </a:p>
-          <a:p>
-            <a:pPr>
-              <a:defRPr>
-                <a:solidFill/>
-              </a:defRPr>
-            </a:pPr>
-            <a:r>
-              <a:rPr lang="en-IN" dirty="0">
-                <a:solidFill>
-                  <a:schemeClr val="accent1">
-                    <a:lumMod val="60000"/>
-                    <a:lumOff val="40000"/>
-                  </a:schemeClr>
-                </a:solidFill>
-              </a:rPr>
-              <a:t>Apple prioritizes ethical practices with the use of recycled materials and sustainable packaging.</a:t>
-            </a:r>
-          </a:p>
-          <a:p>
-            <a:pPr>
-              <a:defRPr>
-                <a:solidFill/>
-              </a:defRPr>
-            </a:pPr>
-            <a:r>
-              <a:rPr lang="en-IN" dirty="0">
-                <a:solidFill>
-                  <a:schemeClr val="accent1">
-                    <a:lumMod val="60000"/>
-                    <a:lumOff val="40000"/>
-                  </a:schemeClr>
-                </a:solidFill>
-              </a:rPr>
-              <a:t>Privacy and security are paramount, ensuring user data is protected and inaccessible to anyone, including Apple.</a:t>
-            </a:r>
-          </a:p>
-          <a:p>
-            <a:endParaRPr lang="en-IN" dirty="0"/>
+            <a:endParaRPr lang="zh-CN" altLang="en-US" sz="1200" kern="0" dirty="0">
+              <a:solidFill>
+                <a:schemeClr val="tx1">
+                  <a:lumMod val="75000"/>
+                  <a:lumOff val="25000"/>
+                </a:schemeClr>
+              </a:solidFill>
+              <a:latin typeface="思源黑体 CN Normal" panose="020B0400000000000000" pitchFamily="34" charset="-122"/>
+              <a:ea typeface="思源黑体 CN Normal" panose="020B0400000000000000" pitchFamily="34" charset="-122"/>
+            </a:endParaRPr>
           </a:p>
         </p:txBody>
       </p:sp>
     </p:spTree>
+    <p:extLst>
+      <p:ext uri="{BB962C8B-B14F-4D97-AF65-F5344CB8AC3E}">
+        <p14:creationId xmlns:p14="http://schemas.microsoft.com/office/powerpoint/2010/main" val="1932803274"/>
+      </p:ext>
+    </p:extLst>
   </p:cSld>
   <p:clrMapOvr>
     <a:masterClrMapping/>
   </p:clrMapOvr>
+  <mc:AlternateContent xmlns:mc="http://schemas.openxmlformats.org/markup-compatibility/2006" xmlns:p14="http://schemas.microsoft.com/office/powerpoint/2010/main">
+    <mc:Choice Requires="p14">
+      <p:transition spd="med" p14:dur="700">
+        <p:fade/>
+      </p:transition>
+    </mc:Choice>
+    <mc:Fallback xmlns="">
+      <p:transition spd="med">
+        <p:fade/>
+      </p:transition>
+    </mc:Fallback>
+  </mc:AlternateContent>
+  <p:timing>
+    <p:tnLst>
+      <p:par>
+        <p:cTn id="1" dur="indefinite" restart="never" nodeType="tmRoot">
+          <p:childTnLst>
+            <p:seq concurrent="1" nextAc="seek">
+              <p:cTn id="2" dur="indefinite" nodeType="mainSeq">
+                <p:childTnLst>
+                  <p:par>
+                    <p:cTn id="3" fill="hold">
+                      <p:stCondLst>
+                        <p:cond delay="indefinite"/>
+                        <p:cond evt="onBegin" delay="0">
+                          <p:tn val="2"/>
+                        </p:cond>
+                      </p:stCondLst>
+                      <p:childTnLst>
+                        <p:par>
+                          <p:cTn id="4" fill="hold">
+                            <p:stCondLst>
+                              <p:cond delay="0"/>
+                            </p:stCondLst>
+                            <p:childTnLst>
+                              <p:par>
+                                <p:cTn id="5" presetID="14" presetClass="entr" presetSubtype="10" fill="hold" grpId="0" nodeType="afterEffect">
+                                  <p:stCondLst>
+                                    <p:cond delay="0"/>
+                                  </p:stCondLst>
+                                  <p:childTnLst>
+                                    <p:set>
+                                      <p:cBhvr>
+                                        <p:cTn id="6" dur="1" fill="hold">
+                                          <p:stCondLst>
+                                            <p:cond delay="0"/>
+                                          </p:stCondLst>
+                                        </p:cTn>
+                                        <p:tgtEl>
+                                          <p:spTgt spid="4"/>
+                                        </p:tgtEl>
+                                        <p:attrNameLst>
+                                          <p:attrName>style.visibility</p:attrName>
+                                        </p:attrNameLst>
+                                      </p:cBhvr>
+                                      <p:to>
+                                        <p:strVal val="visible"/>
+                                      </p:to>
+                                    </p:set>
+                                    <p:animEffect transition="in" filter="randombar(horizontal)">
+                                      <p:cBhvr>
+                                        <p:cTn id="7" dur="500"/>
+                                        <p:tgtEl>
+                                          <p:spTgt spid="4"/>
+                                        </p:tgtEl>
+                                      </p:cBhvr>
+                                    </p:animEffect>
+                                  </p:childTnLst>
+                                </p:cTn>
+                              </p:par>
+                            </p:childTnLst>
+                          </p:cTn>
+                        </p:par>
+                      </p:childTnLst>
+                    </p:cTn>
+                  </p:par>
+                </p:childTnLst>
+              </p:cTn>
+              <p:prevCondLst>
+                <p:cond evt="onPrev" delay="0">
+                  <p:tgtEl>
+                    <p:sldTgt/>
+                  </p:tgtEl>
+                </p:cond>
+              </p:prevCondLst>
+              <p:nextCondLst>
+                <p:cond evt="onNext" delay="0">
+                  <p:tgtEl>
+                    <p:sldTgt/>
+                  </p:tgtEl>
+                </p:cond>
+              </p:nextCondLst>
+            </p:seq>
+          </p:childTnLst>
+        </p:cTn>
+      </p:par>
+    </p:tnLst>
+    <p:bldLst>
+      <p:bldP spid="4" grpId="0"/>
+    </p:bldLst>
+  </p:timing>
 </p:sld>
 </file>
 
-<file path=ppt/slides/slide9.xml><?xml version="1.0" encoding="utf-8"?>
+<file path=ppt/slides/slide6.xml><?xml version="1.0" encoding="utf-8"?>
 <p:sld xmlns:a="http://schemas.openxmlformats.org/drawingml/2006/main" xmlns:r="http://schemas.openxmlformats.org/officeDocument/2006/relationships" xmlns:p="http://schemas.openxmlformats.org/presentationml/2006/main">
   <p:cSld>
-    <p:bg>
-      <p:bgPr>
-        <a:noFill/>
-        <a:effectLst/>
-      </p:bgPr>
-    </p:bg>
     <p:spTree>
       <p:nvGrpSpPr>
         <p:cNvPr id="1" name=""/>
@@ -7083,10 +10415,10 @@
       </p:grpSpPr>
       <p:sp>
         <p:nvSpPr>
-          <p:cNvPr id="2" name="Title 1">
+          <p:cNvPr id="2" name="标题 1">
             <a:extLst>
               <a:ext uri="{FF2B5EF4-FFF2-40B4-BE49-F238E27FC236}">
-                <a16:creationId xmlns:a16="http://schemas.microsoft.com/office/drawing/2014/main" id="{681FCB56-235C-408C-9DC7-10D03944A3A5}"/>
+                <a16:creationId xmlns:a16="http://schemas.microsoft.com/office/drawing/2014/main" id="{3573A5A7-715C-842E-A3BC-62DEDA6633E6}"/>
               </a:ext>
             </a:extLst>
           </p:cNvPr>
@@ -7097,42 +10429,80 @@
             <p:ph type="title"/>
           </p:nvPr>
         </p:nvSpPr>
+        <p:spPr/>
+        <p:txBody>
+          <a:bodyPr/>
+          <a:lstStyle/>
+          <a:p>
+            <a:r>
+              <a:rPr kumimoji="1" lang="zh-CN" altLang="en-US" dirty="0"/>
+              <a:t>学习目标</a:t>
+            </a:r>
+          </a:p>
+        </p:txBody>
+      </p:sp>
+      <p:sp>
+        <p:nvSpPr>
+          <p:cNvPr id="4" name="矩形 3">
+            <a:extLst>
+              <a:ext uri="{FF2B5EF4-FFF2-40B4-BE49-F238E27FC236}">
+                <a16:creationId xmlns:a16="http://schemas.microsoft.com/office/drawing/2014/main" id="{EA6263A8-C5B0-0963-A5C9-AE7059AD1B89}"/>
+              </a:ext>
+            </a:extLst>
+          </p:cNvPr>
+          <p:cNvSpPr/>
+          <p:nvPr/>
+        </p:nvSpPr>
         <p:spPr>
           <a:xfrm>
-            <a:off x="677334" y="142875"/>
-            <a:ext cx="8596668" cy="1320800"/>
+            <a:off x="677334" y="1474742"/>
+            <a:ext cx="9098798" cy="646331"/>
           </a:xfrm>
+          <a:prstGeom prst="rect">
+            <a:avLst/>
+          </a:prstGeom>
         </p:spPr>
         <p:txBody>
-          <a:bodyPr/>
-          <a:lstStyle>
-            <a:lvl1pPr>
-              <a:defRPr>
-                <a:solidFill/>
-              </a:defRPr>
-            </a:lvl1pPr>
-          </a:lstStyle>
-          <a:p>
-            <a:pPr>
-              <a:defRPr>
-                <a:solidFill/>
-              </a:defRPr>
-            </a:pPr>
-            <a:r>
-              <a:rPr lang="en-IN" dirty="0">
-                <a:solidFill/>
+          <a:bodyPr wrap="square">
+            <a:spAutoFit/>
+          </a:bodyPr>
+          <a:lstStyle/>
+          <a:p>
+            <a:r>
+              <a:rPr lang="zh-CN" altLang="en-US" b="1" dirty="0">
+                <a:latin typeface="+mj-ea"/>
+                <a:ea typeface="+mj-ea"/>
               </a:rPr>
-              <a:t>Thank You for Joining Us</a:t>
-            </a:r>
-          </a:p>
-        </p:txBody>
-      </p:sp>
-      <p:sp>
-        <p:nvSpPr>
-          <p:cNvPr id="3" name="Content Placeholder 2">
+              <a:t>引导句</a:t>
+            </a:r>
+          </a:p>
+          <a:p>
+            <a:r>
+              <a:rPr lang="zh-CN" altLang="en-US" dirty="0">
+                <a:latin typeface="Microsoft YaHei" panose="020B0503020204020204" pitchFamily="34" charset="-122"/>
+                <a:ea typeface="Microsoft YaHei" panose="020B0503020204020204" pitchFamily="34" charset="-122"/>
+              </a:rPr>
+              <a:t>请您单击此处添加合适文字加以说明</a:t>
+            </a:r>
+            <a:endParaRPr lang="zh-CN" altLang="en-US" sz="1200" kern="0" dirty="0">
+              <a:solidFill>
+                <a:schemeClr val="tx1">
+                  <a:lumMod val="75000"/>
+                  <a:lumOff val="25000"/>
+                </a:schemeClr>
+              </a:solidFill>
+              <a:latin typeface="Microsoft YaHei" panose="020B0503020204020204" pitchFamily="34" charset="-122"/>
+              <a:ea typeface="Microsoft YaHei" panose="020B0503020204020204" pitchFamily="34" charset="-122"/>
+            </a:endParaRPr>
+          </a:p>
+        </p:txBody>
+      </p:sp>
+      <p:sp>
+        <p:nvSpPr>
+          <p:cNvPr id="5" name="内容占位符 4">
             <a:extLst>
               <a:ext uri="{FF2B5EF4-FFF2-40B4-BE49-F238E27FC236}">
-                <a16:creationId xmlns:a16="http://schemas.microsoft.com/office/drawing/2014/main" id="{D26B22D8-88E4-4422-838D-71DFE6BB6D81}"/>
+                <a16:creationId xmlns:a16="http://schemas.microsoft.com/office/drawing/2014/main" id="{F538E5AF-5230-00F2-607B-35D69135C807}"/>
               </a:ext>
             </a:extLst>
           </p:cNvPr>
@@ -7145,100 +10515,1124 @@
         </p:nvSpPr>
         <p:spPr>
           <a:xfrm>
-            <a:off x="677334" y="1346201"/>
-            <a:ext cx="8596668" cy="5368923"/>
+            <a:off x="677863" y="3338513"/>
+            <a:ext cx="8596312" cy="3206006"/>
           </a:xfrm>
+          <a:prstGeom prst="rect">
+            <a:avLst/>
+          </a:prstGeom>
         </p:spPr>
         <p:txBody>
-          <a:bodyPr>
-            <a:noAutofit/>
+          <a:bodyPr wrap="square">
+            <a:spAutoFit/>
           </a:bodyPr>
-          <a:lstStyle>
-            <a:lvl1pPr>
-              <a:defRPr>
-                <a:solidFill/>
-              </a:defRPr>
-            </a:lvl1pPr>
-          </a:lstStyle>
-          <a:p>
-            <a:pPr>
-              <a:defRPr>
-                <a:solidFill/>
-              </a:defRPr>
+          <a:lstStyle/>
+          <a:p>
+            <a:r>
+              <a:rPr lang="zh-CN" altLang="en-US" b="1" dirty="0">
+                <a:latin typeface="Microsoft YaHei" panose="020B0503020204020204" pitchFamily="34" charset="-122"/>
+                <a:ea typeface="Microsoft YaHei" panose="020B0503020204020204" pitchFamily="34" charset="-122"/>
+              </a:rPr>
+              <a:t>标题</a:t>
+            </a:r>
+            <a:r>
+              <a:rPr lang="zh-CN" altLang="en-US" dirty="0">
+                <a:latin typeface="Microsoft YaHei" panose="020B0503020204020204" pitchFamily="34" charset="-122"/>
+                <a:ea typeface="Microsoft YaHei" panose="020B0503020204020204" pitchFamily="34" charset="-122"/>
+              </a:rPr>
+              <a:t>：请您单击此处添加合适文字加以说明</a:t>
+            </a:r>
+            <a:endParaRPr lang="zh-CN" altLang="en-US" sz="1200" kern="0" dirty="0">
+              <a:latin typeface="Microsoft YaHei" panose="020B0503020204020204" pitchFamily="34" charset="-122"/>
+              <a:ea typeface="Microsoft YaHei" panose="020B0503020204020204" pitchFamily="34" charset="-122"/>
+            </a:endParaRPr>
+          </a:p>
+          <a:p>
+            <a:r>
+              <a:rPr lang="zh-CN" altLang="en-US" b="1" dirty="0">
+                <a:latin typeface="Microsoft YaHei" panose="020B0503020204020204" pitchFamily="34" charset="-122"/>
+                <a:ea typeface="Microsoft YaHei" panose="020B0503020204020204" pitchFamily="34" charset="-122"/>
+              </a:rPr>
+              <a:t>标题</a:t>
+            </a:r>
+            <a:r>
+              <a:rPr lang="zh-CN" altLang="en-US" dirty="0">
+                <a:latin typeface="Microsoft YaHei" panose="020B0503020204020204" pitchFamily="34" charset="-122"/>
+                <a:ea typeface="Microsoft YaHei" panose="020B0503020204020204" pitchFamily="34" charset="-122"/>
+              </a:rPr>
+              <a:t>：请您单击此处添加合适文字加以说明</a:t>
+            </a:r>
+            <a:endParaRPr lang="zh-CN" altLang="en-US" sz="1200" kern="0" dirty="0">
+              <a:latin typeface="Microsoft YaHei" panose="020B0503020204020204" pitchFamily="34" charset="-122"/>
+              <a:ea typeface="Microsoft YaHei" panose="020B0503020204020204" pitchFamily="34" charset="-122"/>
+            </a:endParaRPr>
+          </a:p>
+          <a:p>
+            <a:r>
+              <a:rPr lang="zh-CN" altLang="en-US" b="1" dirty="0">
+                <a:latin typeface="Microsoft YaHei" panose="020B0503020204020204" pitchFamily="34" charset="-122"/>
+                <a:ea typeface="Microsoft YaHei" panose="020B0503020204020204" pitchFamily="34" charset="-122"/>
+              </a:rPr>
+              <a:t>标题</a:t>
+            </a:r>
+            <a:r>
+              <a:rPr lang="zh-CN" altLang="en-US" dirty="0">
+                <a:latin typeface="Microsoft YaHei" panose="020B0503020204020204" pitchFamily="34" charset="-122"/>
+                <a:ea typeface="Microsoft YaHei" panose="020B0503020204020204" pitchFamily="34" charset="-122"/>
+              </a:rPr>
+              <a:t>：请您单击此处添加合适文字加以说明</a:t>
+            </a:r>
+            <a:endParaRPr lang="zh-CN" altLang="en-US" sz="1200" kern="0" dirty="0">
+              <a:latin typeface="Microsoft YaHei" panose="020B0503020204020204" pitchFamily="34" charset="-122"/>
+              <a:ea typeface="Microsoft YaHei" panose="020B0503020204020204" pitchFamily="34" charset="-122"/>
+            </a:endParaRPr>
+          </a:p>
+          <a:p>
+            <a:r>
+              <a:rPr lang="zh-CN" altLang="en-US" b="1" dirty="0">
+                <a:latin typeface="Microsoft YaHei" panose="020B0503020204020204" pitchFamily="34" charset="-122"/>
+                <a:ea typeface="Microsoft YaHei" panose="020B0503020204020204" pitchFamily="34" charset="-122"/>
+              </a:rPr>
+              <a:t>标题</a:t>
+            </a:r>
+            <a:r>
+              <a:rPr lang="zh-CN" altLang="en-US" dirty="0">
+                <a:latin typeface="Microsoft YaHei" panose="020B0503020204020204" pitchFamily="34" charset="-122"/>
+                <a:ea typeface="Microsoft YaHei" panose="020B0503020204020204" pitchFamily="34" charset="-122"/>
+              </a:rPr>
+              <a:t>：请您单击此处添加合适文字加以说明</a:t>
+            </a:r>
+            <a:endParaRPr lang="zh-CN" altLang="en-US" sz="1200" kern="0" dirty="0">
+              <a:latin typeface="Microsoft YaHei" panose="020B0503020204020204" pitchFamily="34" charset="-122"/>
+              <a:ea typeface="Microsoft YaHei" panose="020B0503020204020204" pitchFamily="34" charset="-122"/>
+            </a:endParaRPr>
+          </a:p>
+          <a:p>
+            <a:r>
+              <a:rPr lang="zh-CN" altLang="en-US" b="1" dirty="0">
+                <a:latin typeface="Microsoft YaHei" panose="020B0503020204020204" pitchFamily="34" charset="-122"/>
+                <a:ea typeface="Microsoft YaHei" panose="020B0503020204020204" pitchFamily="34" charset="-122"/>
+              </a:rPr>
+              <a:t>标题</a:t>
+            </a:r>
+            <a:r>
+              <a:rPr lang="zh-CN" altLang="en-US" dirty="0">
+                <a:latin typeface="Microsoft YaHei" panose="020B0503020204020204" pitchFamily="34" charset="-122"/>
+                <a:ea typeface="Microsoft YaHei" panose="020B0503020204020204" pitchFamily="34" charset="-122"/>
+              </a:rPr>
+              <a:t>：请您单击此处添加合适文字加以说明</a:t>
+            </a:r>
+            <a:endParaRPr lang="zh-CN" altLang="en-US" sz="1200" kern="0" dirty="0">
+              <a:latin typeface="Microsoft YaHei" panose="020B0503020204020204" pitchFamily="34" charset="-122"/>
+              <a:ea typeface="Microsoft YaHei" panose="020B0503020204020204" pitchFamily="34" charset="-122"/>
+            </a:endParaRPr>
+          </a:p>
+          <a:p>
+            <a:pPr marL="285750" indent="-285750">
+              <a:buFont typeface="Arial" panose="020B0604020202020204" pitchFamily="34" charset="0"/>
+              <a:buChar char="•"/>
             </a:pPr>
-            <a:r>
-              <a:rPr lang="en-IN" sz="2000" dirty="0">
-                <a:solidFill>
-                  <a:schemeClr val="accent1">
-                    <a:lumMod val="60000"/>
-                    <a:lumOff val="40000"/>
-                  </a:schemeClr>
-                </a:solidFill>
-              </a:rPr>
-              <a:t>We hope you enjoyed learning about the iPhone 16 Pro.</a:t>
-            </a:r>
-          </a:p>
-          <a:p>
-            <a:pPr>
-              <a:defRPr>
-                <a:solidFill/>
-              </a:defRPr>
+            <a:endParaRPr lang="zh-CN" altLang="en-US" dirty="0">
+              <a:latin typeface="+mj-ea"/>
+              <a:ea typeface="+mj-ea"/>
+            </a:endParaRPr>
+          </a:p>
+          <a:p>
+            <a:pPr marL="285750" indent="-285750">
+              <a:buFont typeface="Arial" panose="020B0604020202020204" pitchFamily="34" charset="0"/>
+              <a:buChar char="•"/>
             </a:pPr>
-            <a:r>
-              <a:rPr lang="en-IN" sz="2000" dirty="0">
-                <a:solidFill>
-                  <a:schemeClr val="accent1">
-                    <a:lumMod val="60000"/>
-                    <a:lumOff val="40000"/>
-                  </a:schemeClr>
-                </a:solidFill>
-              </a:rPr>
-              <a:t>For further inquiries, please contact:</a:t>
-            </a:r>
-          </a:p>
-          <a:p>
-            <a:pPr>
-              <a:defRPr>
-                <a:solidFill/>
-              </a:defRPr>
+            <a:endParaRPr lang="zh-CN" altLang="en-US" dirty="0">
+              <a:latin typeface="+mj-ea"/>
+              <a:ea typeface="+mj-ea"/>
+            </a:endParaRPr>
+          </a:p>
+          <a:p>
+            <a:pPr marL="285750" indent="-285750">
+              <a:buFont typeface="Arial" panose="020B0604020202020204" pitchFamily="34" charset="0"/>
+              <a:buChar char="•"/>
             </a:pPr>
-            <a:r>
-              <a:rPr lang="en-IN" sz="2000" dirty="0">
-                <a:solidFill>
-                  <a:schemeClr val="accent1">
-                    <a:lumMod val="60000"/>
-                    <a:lumOff val="40000"/>
-                  </a:schemeClr>
-                </a:solidFill>
-              </a:rPr>
-              <a:t>Customer Support: support@apple.com</a:t>
-            </a:r>
-          </a:p>
-          <a:p>
-            <a:pPr>
-              <a:defRPr>
-                <a:solidFill/>
-              </a:defRPr>
-            </a:pPr>
-            <a:r>
-              <a:rPr lang="en-IN" sz="2000" dirty="0">
-                <a:solidFill>
-                  <a:schemeClr val="accent1">
-                    <a:lumMod val="60000"/>
-                    <a:lumOff val="40000"/>
-                  </a:schemeClr>
-                </a:solidFill>
-              </a:rPr>
-              <a:t>Stay tuned for more exciting updates from Apple!</a:t>
-            </a:r>
+            <a:endParaRPr lang="zh-CN" altLang="en-US" dirty="0">
+              <a:latin typeface="+mj-ea"/>
+              <a:ea typeface="+mj-ea"/>
+            </a:endParaRPr>
           </a:p>
         </p:txBody>
       </p:sp>
     </p:spTree>
+    <p:extLst>
+      <p:ext uri="{BB962C8B-B14F-4D97-AF65-F5344CB8AC3E}">
+        <p14:creationId xmlns:p14="http://schemas.microsoft.com/office/powerpoint/2010/main" val="1887366757"/>
+      </p:ext>
+    </p:extLst>
   </p:cSld>
   <p:clrMapOvr>
     <a:masterClrMapping/>
   </p:clrMapOvr>
+  <mc:AlternateContent xmlns:mc="http://schemas.openxmlformats.org/markup-compatibility/2006" xmlns:p14="http://schemas.microsoft.com/office/powerpoint/2010/main">
+    <mc:Choice Requires="p14">
+      <p:transition spd="med" p14:dur="700">
+        <p:fade/>
+      </p:transition>
+    </mc:Choice>
+    <mc:Fallback xmlns="">
+      <p:transition spd="med">
+        <p:fade/>
+      </p:transition>
+    </mc:Fallback>
+  </mc:AlternateContent>
+  <p:timing>
+    <p:tnLst>
+      <p:par>
+        <p:cTn id="1" dur="indefinite" restart="never" nodeType="tmRoot">
+          <p:childTnLst>
+            <p:seq concurrent="1" nextAc="seek">
+              <p:cTn id="2" dur="indefinite" nodeType="mainSeq">
+                <p:childTnLst>
+                  <p:par>
+                    <p:cTn id="3" fill="hold">
+                      <p:stCondLst>
+                        <p:cond delay="indefinite"/>
+                        <p:cond evt="onBegin" delay="0">
+                          <p:tn val="2"/>
+                        </p:cond>
+                      </p:stCondLst>
+                      <p:childTnLst>
+                        <p:par>
+                          <p:cTn id="4" fill="hold">
+                            <p:stCondLst>
+                              <p:cond delay="0"/>
+                            </p:stCondLst>
+                            <p:childTnLst>
+                              <p:par>
+                                <p:cTn id="5" presetID="10" presetClass="entr" presetSubtype="0" fill="hold" grpId="0" nodeType="withEffect">
+                                  <p:stCondLst>
+                                    <p:cond delay="1750"/>
+                                  </p:stCondLst>
+                                  <p:childTnLst>
+                                    <p:set>
+                                      <p:cBhvr>
+                                        <p:cTn id="6" dur="1" fill="hold">
+                                          <p:stCondLst>
+                                            <p:cond delay="0"/>
+                                          </p:stCondLst>
+                                        </p:cTn>
+                                        <p:tgtEl>
+                                          <p:spTgt spid="4"/>
+                                        </p:tgtEl>
+                                        <p:attrNameLst>
+                                          <p:attrName>style.visibility</p:attrName>
+                                        </p:attrNameLst>
+                                      </p:cBhvr>
+                                      <p:to>
+                                        <p:strVal val="visible"/>
+                                      </p:to>
+                                    </p:set>
+                                    <p:animEffect transition="in" filter="fade">
+                                      <p:cBhvr>
+                                        <p:cTn id="7" dur="750"/>
+                                        <p:tgtEl>
+                                          <p:spTgt spid="4"/>
+                                        </p:tgtEl>
+                                      </p:cBhvr>
+                                    </p:animEffect>
+                                  </p:childTnLst>
+                                </p:cTn>
+                              </p:par>
+                              <p:par>
+                                <p:cTn id="8" presetID="35" presetClass="path" presetSubtype="0" decel="100000" fill="hold" grpId="1" nodeType="withEffect">
+                                  <p:stCondLst>
+                                    <p:cond delay="1750"/>
+                                  </p:stCondLst>
+                                  <p:childTnLst>
+                                    <p:animMotion origin="layout" path="M 4.16667E-6 2.96296E-6 L -0.04011 2.96296E-6 " pathEditMode="relative" rAng="0" ptsTypes="AA">
+                                      <p:cBhvr>
+                                        <p:cTn id="9" dur="1250" spd="-100000" fill="hold"/>
+                                        <p:tgtEl>
+                                          <p:spTgt spid="4"/>
+                                        </p:tgtEl>
+                                        <p:attrNameLst>
+                                          <p:attrName>ppt_x</p:attrName>
+                                          <p:attrName>ppt_y</p:attrName>
+                                        </p:attrNameLst>
+                                      </p:cBhvr>
+                                      <p:rCtr x="-2005" y="0"/>
+                                    </p:animMotion>
+                                  </p:childTnLst>
+                                </p:cTn>
+                              </p:par>
+                              <p:par>
+                                <p:cTn id="10" presetID="10" presetClass="entr" presetSubtype="0" fill="hold" grpId="0" nodeType="withEffect">
+                                  <p:stCondLst>
+                                    <p:cond delay="1750"/>
+                                  </p:stCondLst>
+                                  <p:childTnLst>
+                                    <p:set>
+                                      <p:cBhvr>
+                                        <p:cTn id="11" dur="1" fill="hold">
+                                          <p:stCondLst>
+                                            <p:cond delay="0"/>
+                                          </p:stCondLst>
+                                        </p:cTn>
+                                        <p:tgtEl>
+                                          <p:spTgt spid="5"/>
+                                        </p:tgtEl>
+                                        <p:attrNameLst>
+                                          <p:attrName>style.visibility</p:attrName>
+                                        </p:attrNameLst>
+                                      </p:cBhvr>
+                                      <p:to>
+                                        <p:strVal val="visible"/>
+                                      </p:to>
+                                    </p:set>
+                                    <p:animEffect transition="in" filter="fade">
+                                      <p:cBhvr>
+                                        <p:cTn id="12" dur="750"/>
+                                        <p:tgtEl>
+                                          <p:spTgt spid="5"/>
+                                        </p:tgtEl>
+                                      </p:cBhvr>
+                                    </p:animEffect>
+                                  </p:childTnLst>
+                                </p:cTn>
+                              </p:par>
+                              <p:par>
+                                <p:cTn id="13" presetID="35" presetClass="path" presetSubtype="0" decel="100000" fill="hold" grpId="1" nodeType="withEffect">
+                                  <p:stCondLst>
+                                    <p:cond delay="1750"/>
+                                  </p:stCondLst>
+                                  <p:childTnLst>
+                                    <p:animMotion origin="layout" path="M -2.91667E-6 -1.85185E-6 L -0.0401 -1.85185E-6 " pathEditMode="relative" rAng="0" ptsTypes="AA">
+                                      <p:cBhvr>
+                                        <p:cTn id="14" dur="1250" spd="-100000" fill="hold"/>
+                                        <p:tgtEl>
+                                          <p:spTgt spid="5"/>
+                                        </p:tgtEl>
+                                        <p:attrNameLst>
+                                          <p:attrName>ppt_x</p:attrName>
+                                          <p:attrName>ppt_y</p:attrName>
+                                        </p:attrNameLst>
+                                      </p:cBhvr>
+                                      <p:rCtr x="-2005" y="0"/>
+                                    </p:animMotion>
+                                  </p:childTnLst>
+                                </p:cTn>
+                              </p:par>
+                            </p:childTnLst>
+                          </p:cTn>
+                        </p:par>
+                      </p:childTnLst>
+                    </p:cTn>
+                  </p:par>
+                </p:childTnLst>
+              </p:cTn>
+              <p:prevCondLst>
+                <p:cond evt="onPrev" delay="0">
+                  <p:tgtEl>
+                    <p:sldTgt/>
+                  </p:tgtEl>
+                </p:cond>
+              </p:prevCondLst>
+              <p:nextCondLst>
+                <p:cond evt="onNext" delay="0">
+                  <p:tgtEl>
+                    <p:sldTgt/>
+                  </p:tgtEl>
+                </p:cond>
+              </p:nextCondLst>
+            </p:seq>
+          </p:childTnLst>
+        </p:cTn>
+      </p:par>
+    </p:tnLst>
+    <p:bldLst>
+      <p:bldP spid="4" grpId="0"/>
+      <p:bldP spid="4" grpId="1"/>
+      <p:bldP spid="5" grpId="0"/>
+      <p:bldP spid="5" grpId="1"/>
+    </p:bldLst>
+  </p:timing>
+</p:sld>
+</file>
+
+<file path=ppt/slides/slide7.xml><?xml version="1.0" encoding="utf-8"?>
+<p:sld xmlns:a="http://schemas.openxmlformats.org/drawingml/2006/main" xmlns:r="http://schemas.openxmlformats.org/officeDocument/2006/relationships" xmlns:p="http://schemas.openxmlformats.org/presentationml/2006/main">
+  <p:cSld>
+    <p:spTree>
+      <p:nvGrpSpPr>
+        <p:cNvPr id="1" name=""/>
+        <p:cNvGrpSpPr/>
+        <p:nvPr/>
+      </p:nvGrpSpPr>
+      <p:grpSpPr>
+        <a:xfrm>
+          <a:off x="0" y="0"/>
+          <a:ext cx="0" cy="0"/>
+          <a:chOff x="0" y="0"/>
+          <a:chExt cx="0" cy="0"/>
+        </a:xfrm>
+      </p:grpSpPr>
+      <p:sp>
+        <p:nvSpPr>
+          <p:cNvPr id="2" name="标题 1">
+            <a:extLst>
+              <a:ext uri="{FF2B5EF4-FFF2-40B4-BE49-F238E27FC236}">
+                <a16:creationId xmlns:a16="http://schemas.microsoft.com/office/drawing/2014/main" id="{BA09216B-15FC-9AD2-FC87-95248B80FF31}"/>
+              </a:ext>
+            </a:extLst>
+          </p:cNvPr>
+          <p:cNvSpPr>
+            <a:spLocks noGrp="1"/>
+          </p:cNvSpPr>
+          <p:nvPr>
+            <p:ph type="title"/>
+          </p:nvPr>
+        </p:nvSpPr>
+        <p:spPr/>
+        <p:txBody>
+          <a:bodyPr/>
+          <a:lstStyle/>
+          <a:p>
+            <a:r>
+              <a:rPr kumimoji="1" lang="zh-CN" altLang="en-US" dirty="0"/>
+              <a:t>学习任务</a:t>
+            </a:r>
+          </a:p>
+        </p:txBody>
+      </p:sp>
+      <p:sp>
+        <p:nvSpPr>
+          <p:cNvPr id="3" name="内容占位符 2">
+            <a:extLst>
+              <a:ext uri="{FF2B5EF4-FFF2-40B4-BE49-F238E27FC236}">
+                <a16:creationId xmlns:a16="http://schemas.microsoft.com/office/drawing/2014/main" id="{3683120C-0E28-A256-5FC8-CA476A2A02DC}"/>
+              </a:ext>
+            </a:extLst>
+          </p:cNvPr>
+          <p:cNvSpPr>
+            <a:spLocks noGrp="1"/>
+          </p:cNvSpPr>
+          <p:nvPr>
+            <p:ph idx="1"/>
+          </p:nvPr>
+        </p:nvSpPr>
+        <p:spPr>
+          <a:xfrm>
+            <a:off x="677334" y="2160590"/>
+            <a:ext cx="8596668" cy="2675816"/>
+          </a:xfrm>
+        </p:spPr>
+        <p:txBody>
+          <a:bodyPr/>
+          <a:lstStyle/>
+          <a:p>
+            <a:r>
+              <a:rPr lang="zh-CN" altLang="en-US" dirty="0">
+                <a:latin typeface="Microsoft YaHei" panose="020B0503020204020204" pitchFamily="34" charset="-122"/>
+                <a:ea typeface="Microsoft YaHei" panose="020B0503020204020204" pitchFamily="34" charset="-122"/>
+              </a:rPr>
+              <a:t>请您单击此处添加合适文字加以说明</a:t>
+            </a:r>
+            <a:endParaRPr lang="zh-CN" altLang="en-US" sz="1200" kern="0" dirty="0">
+              <a:latin typeface="Microsoft YaHei" panose="020B0503020204020204" pitchFamily="34" charset="-122"/>
+              <a:ea typeface="Microsoft YaHei" panose="020B0503020204020204" pitchFamily="34" charset="-122"/>
+            </a:endParaRPr>
+          </a:p>
+          <a:p>
+            <a:r>
+              <a:rPr lang="zh-CN" altLang="en-US" dirty="0">
+                <a:latin typeface="Microsoft YaHei" panose="020B0503020204020204" pitchFamily="34" charset="-122"/>
+                <a:ea typeface="Microsoft YaHei" panose="020B0503020204020204" pitchFamily="34" charset="-122"/>
+              </a:rPr>
+              <a:t>请您单击此处添加合适文字加以说明</a:t>
+            </a:r>
+            <a:endParaRPr lang="zh-CN" altLang="en-US" sz="1200" kern="0" dirty="0">
+              <a:latin typeface="Microsoft YaHei" panose="020B0503020204020204" pitchFamily="34" charset="-122"/>
+              <a:ea typeface="Microsoft YaHei" panose="020B0503020204020204" pitchFamily="34" charset="-122"/>
+            </a:endParaRPr>
+          </a:p>
+          <a:p>
+            <a:r>
+              <a:rPr lang="zh-CN" altLang="en-US" dirty="0">
+                <a:latin typeface="Microsoft YaHei" panose="020B0503020204020204" pitchFamily="34" charset="-122"/>
+                <a:ea typeface="Microsoft YaHei" panose="020B0503020204020204" pitchFamily="34" charset="-122"/>
+              </a:rPr>
+              <a:t>请您单击此处添加合适文字加以说明</a:t>
+            </a:r>
+            <a:endParaRPr lang="zh-CN" altLang="en-US" sz="1200" kern="0" dirty="0">
+              <a:latin typeface="Microsoft YaHei" panose="020B0503020204020204" pitchFamily="34" charset="-122"/>
+              <a:ea typeface="Microsoft YaHei" panose="020B0503020204020204" pitchFamily="34" charset="-122"/>
+            </a:endParaRPr>
+          </a:p>
+          <a:p>
+            <a:endParaRPr kumimoji="1" lang="zh-CN" altLang="en-US" dirty="0">
+              <a:latin typeface="Microsoft YaHei" panose="020B0503020204020204" pitchFamily="34" charset="-122"/>
+              <a:ea typeface="Microsoft YaHei" panose="020B0503020204020204" pitchFamily="34" charset="-122"/>
+            </a:endParaRPr>
+          </a:p>
+        </p:txBody>
+      </p:sp>
+      <p:sp>
+        <p:nvSpPr>
+          <p:cNvPr id="4" name="矩形 3">
+            <a:extLst>
+              <a:ext uri="{FF2B5EF4-FFF2-40B4-BE49-F238E27FC236}">
+                <a16:creationId xmlns:a16="http://schemas.microsoft.com/office/drawing/2014/main" id="{BF893E34-FFAA-597B-5FA7-DE91C5CC2CE7}"/>
+              </a:ext>
+            </a:extLst>
+          </p:cNvPr>
+          <p:cNvSpPr>
+            <a:spLocks noChangeArrowheads="1"/>
+          </p:cNvSpPr>
+          <p:nvPr/>
+        </p:nvSpPr>
+        <p:spPr bwMode="auto">
+          <a:xfrm>
+            <a:off x="659010" y="5335583"/>
+            <a:ext cx="8614992" cy="584775"/>
+          </a:xfrm>
+          <a:prstGeom prst="rect">
+            <a:avLst/>
+          </a:prstGeom>
+          <a:noFill/>
+          <a:ln w="9525">
+            <a:noFill/>
+            <a:miter lim="800000"/>
+          </a:ln>
+        </p:spPr>
+        <p:txBody>
+          <a:bodyPr wrap="square">
+            <a:spAutoFit/>
+          </a:bodyPr>
+          <a:lstStyle/>
+          <a:p>
+            <a:r>
+              <a:rPr lang="zh-CN" altLang="en-US" sz="1600" b="1" dirty="0">
+                <a:latin typeface="+mj-ea"/>
+                <a:ea typeface="+mj-ea"/>
+              </a:rPr>
+              <a:t>你的任务</a:t>
+            </a:r>
+            <a:endParaRPr lang="en-US" altLang="zh-CN" sz="1600" dirty="0">
+              <a:latin typeface="+mj-ea"/>
+              <a:ea typeface="+mj-ea"/>
+            </a:endParaRPr>
+          </a:p>
+          <a:p>
+            <a:r>
+              <a:rPr lang="zh-CN" altLang="en-US" sz="1600" dirty="0">
+                <a:latin typeface="Microsoft YaHei" panose="020B0503020204020204" pitchFamily="34" charset="-122"/>
+                <a:ea typeface="Microsoft YaHei" panose="020B0503020204020204" pitchFamily="34" charset="-122"/>
+              </a:rPr>
+              <a:t>请您单击此处添加合适文字加以说明</a:t>
+            </a:r>
+            <a:endParaRPr lang="zh-CN" altLang="en-US" sz="1100" kern="0" dirty="0">
+              <a:solidFill>
+                <a:schemeClr val="tx1">
+                  <a:lumMod val="75000"/>
+                  <a:lumOff val="25000"/>
+                </a:schemeClr>
+              </a:solidFill>
+              <a:latin typeface="Microsoft YaHei" panose="020B0503020204020204" pitchFamily="34" charset="-122"/>
+              <a:ea typeface="Microsoft YaHei" panose="020B0503020204020204" pitchFamily="34" charset="-122"/>
+            </a:endParaRPr>
+          </a:p>
+        </p:txBody>
+      </p:sp>
+    </p:spTree>
+    <p:extLst>
+      <p:ext uri="{BB962C8B-B14F-4D97-AF65-F5344CB8AC3E}">
+        <p14:creationId xmlns:p14="http://schemas.microsoft.com/office/powerpoint/2010/main" val="1881403426"/>
+      </p:ext>
+    </p:extLst>
+  </p:cSld>
+  <p:clrMapOvr>
+    <a:masterClrMapping/>
+  </p:clrMapOvr>
+  <mc:AlternateContent xmlns:mc="http://schemas.openxmlformats.org/markup-compatibility/2006" xmlns:p14="http://schemas.microsoft.com/office/powerpoint/2010/main">
+    <mc:Choice Requires="p14">
+      <p:transition spd="med" p14:dur="700">
+        <p:fade/>
+      </p:transition>
+    </mc:Choice>
+    <mc:Fallback xmlns="">
+      <p:transition spd="med">
+        <p:fade/>
+      </p:transition>
+    </mc:Fallback>
+  </mc:AlternateContent>
+</p:sld>
+</file>
+
+<file path=ppt/slides/slide8.xml><?xml version="1.0" encoding="utf-8"?>
+<p:sld xmlns:a="http://schemas.openxmlformats.org/drawingml/2006/main" xmlns:r="http://schemas.openxmlformats.org/officeDocument/2006/relationships" xmlns:p="http://schemas.openxmlformats.org/presentationml/2006/main">
+  <p:cSld>
+    <p:spTree>
+      <p:nvGrpSpPr>
+        <p:cNvPr id="1" name="">
+          <a:extLst>
+            <a:ext uri="{FF2B5EF4-FFF2-40B4-BE49-F238E27FC236}">
+              <a16:creationId xmlns:a16="http://schemas.microsoft.com/office/drawing/2014/main" id="{55CFCBCB-8953-59CE-3F59-2EED8C0CFF3D}"/>
+            </a:ext>
+          </a:extLst>
+        </p:cNvPr>
+        <p:cNvGrpSpPr/>
+        <p:nvPr/>
+      </p:nvGrpSpPr>
+      <p:grpSpPr>
+        <a:xfrm>
+          <a:off x="0" y="0"/>
+          <a:ext cx="0" cy="0"/>
+          <a:chOff x="0" y="0"/>
+          <a:chExt cx="0" cy="0"/>
+        </a:xfrm>
+      </p:grpSpPr>
+      <p:sp>
+        <p:nvSpPr>
+          <p:cNvPr id="6" name="标题 5">
+            <a:extLst>
+              <a:ext uri="{FF2B5EF4-FFF2-40B4-BE49-F238E27FC236}">
+                <a16:creationId xmlns:a16="http://schemas.microsoft.com/office/drawing/2014/main" id="{6D23291F-6822-6BBD-7A88-AB2CA200F7EC}"/>
+              </a:ext>
+            </a:extLst>
+          </p:cNvPr>
+          <p:cNvSpPr>
+            <a:spLocks noGrp="1"/>
+          </p:cNvSpPr>
+          <p:nvPr>
+            <p:ph type="title"/>
+          </p:nvPr>
+        </p:nvSpPr>
+        <p:spPr>
+          <a:xfrm>
+            <a:off x="677335" y="3667048"/>
+            <a:ext cx="8596668" cy="860400"/>
+          </a:xfrm>
+        </p:spPr>
+        <p:txBody>
+          <a:bodyPr/>
+          <a:lstStyle/>
+          <a:p>
+            <a:pPr algn="ctr">
+              <a:defRPr/>
+            </a:pPr>
+            <a:r>
+              <a:rPr lang="zh-CN" altLang="en-US" dirty="0">
+                <a:solidFill>
+                  <a:schemeClr val="accent2"/>
+                </a:solidFill>
+                <a:latin typeface="思源宋体 CN Heavy" panose="02020900000000000000" charset="-122"/>
+                <a:ea typeface="思源宋体 CN Heavy" panose="02020900000000000000" charset="-122"/>
+              </a:rPr>
+              <a:t>请您单击此处添加合适文字加以说明</a:t>
+            </a:r>
+          </a:p>
+        </p:txBody>
+      </p:sp>
+      <p:sp>
+        <p:nvSpPr>
+          <p:cNvPr id="7" name="文本占位符 6">
+            <a:extLst>
+              <a:ext uri="{FF2B5EF4-FFF2-40B4-BE49-F238E27FC236}">
+                <a16:creationId xmlns:a16="http://schemas.microsoft.com/office/drawing/2014/main" id="{D6280B98-CD34-3BC1-32F3-147A992C4299}"/>
+              </a:ext>
+            </a:extLst>
+          </p:cNvPr>
+          <p:cNvSpPr>
+            <a:spLocks noGrp="1"/>
+          </p:cNvSpPr>
+          <p:nvPr>
+            <p:ph type="body" idx="1"/>
+          </p:nvPr>
+        </p:nvSpPr>
+        <p:spPr/>
+        <p:txBody>
+          <a:bodyPr/>
+          <a:lstStyle/>
+          <a:p>
+            <a:endParaRPr lang="zh-CN" altLang="en-US" dirty="0"/>
+          </a:p>
+        </p:txBody>
+      </p:sp>
+      <p:sp>
+        <p:nvSpPr>
+          <p:cNvPr id="2" name="文本框 1">
+            <a:extLst>
+              <a:ext uri="{FF2B5EF4-FFF2-40B4-BE49-F238E27FC236}">
+                <a16:creationId xmlns:a16="http://schemas.microsoft.com/office/drawing/2014/main" id="{C49EB8E4-D3EC-CF05-DAFC-CB45F7F941A1}"/>
+              </a:ext>
+            </a:extLst>
+          </p:cNvPr>
+          <p:cNvSpPr txBox="1"/>
+          <p:nvPr/>
+        </p:nvSpPr>
+        <p:spPr>
+          <a:xfrm>
+            <a:off x="4231715" y="2736995"/>
+            <a:ext cx="1487908" cy="584775"/>
+          </a:xfrm>
+          <a:prstGeom prst="rect">
+            <a:avLst/>
+          </a:prstGeom>
+          <a:noFill/>
+        </p:spPr>
+        <p:txBody>
+          <a:bodyPr wrap="none" rtlCol="0">
+            <a:spAutoFit/>
+          </a:bodyPr>
+          <a:lstStyle/>
+          <a:p>
+            <a:r>
+              <a:rPr kumimoji="1" lang="en-US" altLang="zh-CN" sz="3200" dirty="0"/>
+              <a:t>Part</a:t>
+            </a:r>
+            <a:r>
+              <a:rPr kumimoji="1" lang="zh-CN" altLang="en-US" sz="3200" dirty="0"/>
+              <a:t> </a:t>
+            </a:r>
+            <a:r>
+              <a:rPr kumimoji="1" lang="en-US" altLang="zh-CN" sz="3200" dirty="0"/>
+              <a:t>02</a:t>
+            </a:r>
+            <a:endParaRPr kumimoji="1" lang="zh-CN" altLang="en-US" sz="3200" dirty="0"/>
+          </a:p>
+        </p:txBody>
+      </p:sp>
+    </p:spTree>
+    <p:extLst>
+      <p:ext uri="{BB962C8B-B14F-4D97-AF65-F5344CB8AC3E}">
+        <p14:creationId xmlns:p14="http://schemas.microsoft.com/office/powerpoint/2010/main" val="3940608232"/>
+      </p:ext>
+    </p:extLst>
+  </p:cSld>
+  <p:clrMapOvr>
+    <a:masterClrMapping/>
+  </p:clrMapOvr>
+  <mc:AlternateContent xmlns:mc="http://schemas.openxmlformats.org/markup-compatibility/2006" xmlns:p14="http://schemas.microsoft.com/office/powerpoint/2010/main">
+    <mc:Choice Requires="p14">
+      <p:transition spd="med" p14:dur="700">
+        <p:fade/>
+      </p:transition>
+    </mc:Choice>
+    <mc:Fallback xmlns="">
+      <p:transition spd="med">
+        <p:fade/>
+      </p:transition>
+    </mc:Fallback>
+  </mc:AlternateContent>
+</p:sld>
+</file>
+
+<file path=ppt/slides/slide9.xml><?xml version="1.0" encoding="utf-8"?>
+<p:sld xmlns:a="http://schemas.openxmlformats.org/drawingml/2006/main" xmlns:r="http://schemas.openxmlformats.org/officeDocument/2006/relationships" xmlns:p="http://schemas.openxmlformats.org/presentationml/2006/main">
+  <p:cSld>
+    <p:spTree>
+      <p:nvGrpSpPr>
+        <p:cNvPr id="1" name="">
+          <a:extLst>
+            <a:ext uri="{FF2B5EF4-FFF2-40B4-BE49-F238E27FC236}">
+              <a16:creationId xmlns:a16="http://schemas.microsoft.com/office/drawing/2014/main" id="{4E4ADE30-AFE9-580D-3DB6-EB8CC5A2A870}"/>
+            </a:ext>
+          </a:extLst>
+        </p:cNvPr>
+        <p:cNvGrpSpPr/>
+        <p:nvPr/>
+      </p:nvGrpSpPr>
+      <p:grpSpPr>
+        <a:xfrm>
+          <a:off x="0" y="0"/>
+          <a:ext cx="0" cy="0"/>
+          <a:chOff x="0" y="0"/>
+          <a:chExt cx="0" cy="0"/>
+        </a:xfrm>
+      </p:grpSpPr>
+      <p:sp>
+        <p:nvSpPr>
+          <p:cNvPr id="6" name="标题 5">
+            <a:extLst>
+              <a:ext uri="{FF2B5EF4-FFF2-40B4-BE49-F238E27FC236}">
+                <a16:creationId xmlns:a16="http://schemas.microsoft.com/office/drawing/2014/main" id="{98AA0C89-4E5C-E110-4E71-E9379E144FC5}"/>
+              </a:ext>
+            </a:extLst>
+          </p:cNvPr>
+          <p:cNvSpPr>
+            <a:spLocks noGrp="1"/>
+          </p:cNvSpPr>
+          <p:nvPr>
+            <p:ph type="title"/>
+          </p:nvPr>
+        </p:nvSpPr>
+        <p:spPr/>
+        <p:txBody>
+          <a:bodyPr/>
+          <a:lstStyle/>
+          <a:p>
+            <a:r>
+              <a:rPr lang="zh-CN" altLang="en-US" dirty="0"/>
+              <a:t>目标与任务导学设计</a:t>
+            </a:r>
+          </a:p>
+        </p:txBody>
+      </p:sp>
+      <p:sp>
+        <p:nvSpPr>
+          <p:cNvPr id="8" name="文本框 7">
+            <a:extLst>
+              <a:ext uri="{FF2B5EF4-FFF2-40B4-BE49-F238E27FC236}">
+                <a16:creationId xmlns:a16="http://schemas.microsoft.com/office/drawing/2014/main" id="{B629B281-0DB5-028D-0D84-6E5038A7DC30}"/>
+              </a:ext>
+            </a:extLst>
+          </p:cNvPr>
+          <p:cNvSpPr txBox="1"/>
+          <p:nvPr/>
+        </p:nvSpPr>
+        <p:spPr>
+          <a:xfrm>
+            <a:off x="727387" y="1553944"/>
+            <a:ext cx="8496562" cy="1029193"/>
+          </a:xfrm>
+          <a:prstGeom prst="rect">
+            <a:avLst/>
+          </a:prstGeom>
+          <a:noFill/>
+        </p:spPr>
+        <p:txBody>
+          <a:bodyPr wrap="square" rtlCol="0">
+            <a:spAutoFit/>
+          </a:bodyPr>
+          <a:lstStyle/>
+          <a:p>
+            <a:pPr lvl="0">
+              <a:lnSpc>
+                <a:spcPct val="150000"/>
+              </a:lnSpc>
+              <a:defRPr/>
+            </a:pPr>
+            <a:r>
+              <a:rPr lang="zh-CN" altLang="en-US" dirty="0">
+                <a:solidFill>
+                  <a:schemeClr val="tx1">
+                    <a:lumMod val="75000"/>
+                    <a:lumOff val="25000"/>
+                  </a:schemeClr>
+                </a:solidFill>
+                <a:latin typeface="Microsoft YaHei" panose="020B0503020204020204" pitchFamily="34" charset="-122"/>
+                <a:ea typeface="Microsoft YaHei" panose="020B0503020204020204" pitchFamily="34" charset="-122"/>
+              </a:rPr>
+              <a:t>引导词：探究</a:t>
+            </a:r>
+            <a:endParaRPr lang="en-US" altLang="zh-CN" dirty="0">
+              <a:solidFill>
+                <a:schemeClr val="tx1">
+                  <a:lumMod val="75000"/>
+                  <a:lumOff val="25000"/>
+                </a:schemeClr>
+              </a:solidFill>
+              <a:latin typeface="Microsoft YaHei" panose="020B0503020204020204" pitchFamily="34" charset="-122"/>
+              <a:ea typeface="Microsoft YaHei" panose="020B0503020204020204" pitchFamily="34" charset="-122"/>
+            </a:endParaRPr>
+          </a:p>
+          <a:p>
+            <a:r>
+              <a:rPr lang="zh-CN" altLang="en-US" dirty="0">
+                <a:latin typeface="Microsoft YaHei" panose="020B0503020204020204" pitchFamily="34" charset="-122"/>
+                <a:ea typeface="Microsoft YaHei" panose="020B0503020204020204" pitchFamily="34" charset="-122"/>
+              </a:rPr>
+              <a:t>请您单击此处添加合适文字加以说明</a:t>
+            </a:r>
+            <a:endParaRPr lang="zh-CN" altLang="en-US" sz="1200" kern="0" dirty="0">
+              <a:solidFill>
+                <a:schemeClr val="tx1">
+                  <a:lumMod val="75000"/>
+                  <a:lumOff val="25000"/>
+                </a:schemeClr>
+              </a:solidFill>
+              <a:latin typeface="Microsoft YaHei" panose="020B0503020204020204" pitchFamily="34" charset="-122"/>
+              <a:ea typeface="Microsoft YaHei" panose="020B0503020204020204" pitchFamily="34" charset="-122"/>
+            </a:endParaRPr>
+          </a:p>
+          <a:p>
+            <a:pPr lvl="0" algn="l">
+              <a:lnSpc>
+                <a:spcPct val="150000"/>
+              </a:lnSpc>
+              <a:defRPr/>
+            </a:pPr>
+            <a:endParaRPr lang="zh-CN" altLang="en-US" sz="1200" kern="0" dirty="0">
+              <a:solidFill>
+                <a:schemeClr val="tx1">
+                  <a:lumMod val="75000"/>
+                  <a:lumOff val="25000"/>
+                </a:schemeClr>
+              </a:solidFill>
+              <a:latin typeface="Microsoft YaHei" panose="020B0503020204020204" pitchFamily="34" charset="-122"/>
+              <a:ea typeface="Microsoft YaHei" panose="020B0503020204020204" pitchFamily="34" charset="-122"/>
+            </a:endParaRPr>
+          </a:p>
+        </p:txBody>
+      </p:sp>
+      <p:sp>
+        <p:nvSpPr>
+          <p:cNvPr id="9" name="文本框 8">
+            <a:extLst>
+              <a:ext uri="{FF2B5EF4-FFF2-40B4-BE49-F238E27FC236}">
+                <a16:creationId xmlns:a16="http://schemas.microsoft.com/office/drawing/2014/main" id="{BC426D1A-1501-753D-AF13-B936526D5B3E}"/>
+              </a:ext>
+            </a:extLst>
+          </p:cNvPr>
+          <p:cNvSpPr txBox="1"/>
+          <p:nvPr/>
+        </p:nvSpPr>
+        <p:spPr>
+          <a:xfrm>
+            <a:off x="727387" y="3804479"/>
+            <a:ext cx="6696428" cy="752194"/>
+          </a:xfrm>
+          <a:prstGeom prst="rect">
+            <a:avLst/>
+          </a:prstGeom>
+          <a:noFill/>
+        </p:spPr>
+        <p:txBody>
+          <a:bodyPr wrap="square" rtlCol="0">
+            <a:spAutoFit/>
+          </a:bodyPr>
+          <a:lstStyle/>
+          <a:p>
+            <a:pPr lvl="0" algn="l">
+              <a:lnSpc>
+                <a:spcPct val="150000"/>
+              </a:lnSpc>
+              <a:defRPr/>
+            </a:pPr>
+            <a:r>
+              <a:rPr lang="zh-CN" altLang="en-US" b="1" dirty="0">
+                <a:solidFill>
+                  <a:schemeClr val="tx1">
+                    <a:lumMod val="75000"/>
+                    <a:lumOff val="25000"/>
+                  </a:schemeClr>
+                </a:solidFill>
+                <a:latin typeface="思源黑体 CN Medium" panose="020B0600000000000000" pitchFamily="34" charset="-122"/>
+                <a:ea typeface="思源黑体 CN Medium" panose="020B0600000000000000" pitchFamily="34" charset="-122"/>
+              </a:rPr>
+              <a:t>回答</a:t>
+            </a:r>
+            <a:r>
+              <a:rPr lang="en-US" altLang="zh-CN" b="1" dirty="0">
+                <a:solidFill>
+                  <a:schemeClr val="tx1">
+                    <a:lumMod val="75000"/>
+                    <a:lumOff val="25000"/>
+                  </a:schemeClr>
+                </a:solidFill>
+                <a:latin typeface="思源黑体 CN Medium" panose="020B0600000000000000" pitchFamily="34" charset="-122"/>
+                <a:ea typeface="思源黑体 CN Medium" panose="020B0600000000000000" pitchFamily="34" charset="-122"/>
+                <a:sym typeface="Wingdings" pitchFamily="2" charset="2"/>
+              </a:rPr>
+              <a:t>:</a:t>
+            </a:r>
+            <a:r>
+              <a:rPr lang="zh-CN" altLang="en-US" dirty="0">
+                <a:solidFill>
+                  <a:schemeClr val="tx1">
+                    <a:lumMod val="75000"/>
+                    <a:lumOff val="25000"/>
+                  </a:schemeClr>
+                </a:solidFill>
+                <a:latin typeface="思源黑体 CN Medium" panose="020B0600000000000000" pitchFamily="34" charset="-122"/>
+                <a:ea typeface="思源黑体 CN Medium" panose="020B0600000000000000" pitchFamily="34" charset="-122"/>
+                <a:sym typeface="Wingdings" pitchFamily="2" charset="2"/>
+              </a:rPr>
+              <a:t>（留白）</a:t>
+            </a:r>
+            <a:endParaRPr lang="en-US" altLang="zh-CN" dirty="0">
+              <a:solidFill>
+                <a:schemeClr val="tx1">
+                  <a:lumMod val="75000"/>
+                  <a:lumOff val="25000"/>
+                </a:schemeClr>
+              </a:solidFill>
+              <a:latin typeface="思源黑体 CN Medium" panose="020B0600000000000000" pitchFamily="34" charset="-122"/>
+              <a:ea typeface="思源黑体 CN Medium" panose="020B0600000000000000" pitchFamily="34" charset="-122"/>
+            </a:endParaRPr>
+          </a:p>
+          <a:p>
+            <a:pPr lvl="0" algn="l">
+              <a:lnSpc>
+                <a:spcPct val="150000"/>
+              </a:lnSpc>
+              <a:defRPr/>
+            </a:pPr>
+            <a:endParaRPr lang="zh-CN" altLang="en-US" sz="1200" kern="0" dirty="0">
+              <a:solidFill>
+                <a:schemeClr val="tx1">
+                  <a:lumMod val="75000"/>
+                  <a:lumOff val="25000"/>
+                </a:schemeClr>
+              </a:solidFill>
+              <a:latin typeface="思源黑体 CN Normal" panose="020B0400000000000000" pitchFamily="34" charset="-122"/>
+              <a:ea typeface="思源黑体 CN Normal" panose="020B0400000000000000" pitchFamily="34" charset="-122"/>
+            </a:endParaRPr>
+          </a:p>
+        </p:txBody>
+      </p:sp>
+    </p:spTree>
+    <p:extLst>
+      <p:ext uri="{BB962C8B-B14F-4D97-AF65-F5344CB8AC3E}">
+        <p14:creationId xmlns:p14="http://schemas.microsoft.com/office/powerpoint/2010/main" val="3210996812"/>
+      </p:ext>
+    </p:extLst>
+  </p:cSld>
+  <p:clrMapOvr>
+    <a:masterClrMapping/>
+  </p:clrMapOvr>
+  <mc:AlternateContent xmlns:mc="http://schemas.openxmlformats.org/markup-compatibility/2006" xmlns:p14="http://schemas.microsoft.com/office/powerpoint/2010/main">
+    <mc:Choice Requires="p14">
+      <p:transition spd="med" p14:dur="700">
+        <p:fade/>
+      </p:transition>
+    </mc:Choice>
+    <mc:Fallback xmlns="">
+      <p:transition spd="med">
+        <p:fade/>
+      </p:transition>
+    </mc:Fallback>
+  </mc:AlternateContent>
+  <p:timing>
+    <p:tnLst>
+      <p:par>
+        <p:cTn id="1" dur="indefinite" restart="never" nodeType="tmRoot">
+          <p:childTnLst>
+            <p:seq concurrent="1" nextAc="seek">
+              <p:cTn id="2" dur="indefinite" nodeType="mainSeq">
+                <p:childTnLst>
+                  <p:par>
+                    <p:cTn id="3" fill="hold">
+                      <p:stCondLst>
+                        <p:cond delay="indefinite"/>
+                        <p:cond evt="onBegin" delay="0">
+                          <p:tn val="2"/>
+                        </p:cond>
+                      </p:stCondLst>
+                      <p:childTnLst>
+                        <p:par>
+                          <p:cTn id="4" fill="hold">
+                            <p:stCondLst>
+                              <p:cond delay="0"/>
+                            </p:stCondLst>
+                            <p:childTnLst>
+                              <p:par>
+                                <p:cTn id="5" presetID="14" presetClass="entr" presetSubtype="10" fill="hold" grpId="0" nodeType="afterEffect">
+                                  <p:stCondLst>
+                                    <p:cond delay="0"/>
+                                  </p:stCondLst>
+                                  <p:childTnLst>
+                                    <p:set>
+                                      <p:cBhvr>
+                                        <p:cTn id="6" dur="1" fill="hold">
+                                          <p:stCondLst>
+                                            <p:cond delay="0"/>
+                                          </p:stCondLst>
+                                        </p:cTn>
+                                        <p:tgtEl>
+                                          <p:spTgt spid="8"/>
+                                        </p:tgtEl>
+                                        <p:attrNameLst>
+                                          <p:attrName>style.visibility</p:attrName>
+                                        </p:attrNameLst>
+                                      </p:cBhvr>
+                                      <p:to>
+                                        <p:strVal val="visible"/>
+                                      </p:to>
+                                    </p:set>
+                                    <p:animEffect transition="in" filter="randombar(horizontal)">
+                                      <p:cBhvr>
+                                        <p:cTn id="7" dur="500"/>
+                                        <p:tgtEl>
+                                          <p:spTgt spid="8"/>
+                                        </p:tgtEl>
+                                      </p:cBhvr>
+                                    </p:animEffect>
+                                  </p:childTnLst>
+                                </p:cTn>
+                              </p:par>
+                            </p:childTnLst>
+                          </p:cTn>
+                        </p:par>
+                        <p:par>
+                          <p:cTn id="8" fill="hold">
+                            <p:stCondLst>
+                              <p:cond delay="500"/>
+                            </p:stCondLst>
+                            <p:childTnLst>
+                              <p:par>
+                                <p:cTn id="9" presetID="14" presetClass="entr" presetSubtype="10" fill="hold" grpId="0" nodeType="afterEffect">
+                                  <p:stCondLst>
+                                    <p:cond delay="0"/>
+                                  </p:stCondLst>
+                                  <p:childTnLst>
+                                    <p:set>
+                                      <p:cBhvr>
+                                        <p:cTn id="10" dur="1" fill="hold">
+                                          <p:stCondLst>
+                                            <p:cond delay="0"/>
+                                          </p:stCondLst>
+                                        </p:cTn>
+                                        <p:tgtEl>
+                                          <p:spTgt spid="9"/>
+                                        </p:tgtEl>
+                                        <p:attrNameLst>
+                                          <p:attrName>style.visibility</p:attrName>
+                                        </p:attrNameLst>
+                                      </p:cBhvr>
+                                      <p:to>
+                                        <p:strVal val="visible"/>
+                                      </p:to>
+                                    </p:set>
+                                    <p:animEffect transition="in" filter="randombar(horizontal)">
+                                      <p:cBhvr>
+                                        <p:cTn id="11" dur="500"/>
+                                        <p:tgtEl>
+                                          <p:spTgt spid="9"/>
+                                        </p:tgtEl>
+                                      </p:cBhvr>
+                                    </p:animEffect>
+                                  </p:childTnLst>
+                                </p:cTn>
+                              </p:par>
+                            </p:childTnLst>
+                          </p:cTn>
+                        </p:par>
+                      </p:childTnLst>
+                    </p:cTn>
+                  </p:par>
+                </p:childTnLst>
+              </p:cTn>
+              <p:prevCondLst>
+                <p:cond evt="onPrev" delay="0">
+                  <p:tgtEl>
+                    <p:sldTgt/>
+                  </p:tgtEl>
+                </p:cond>
+              </p:prevCondLst>
+              <p:nextCondLst>
+                <p:cond evt="onNext" delay="0">
+                  <p:tgtEl>
+                    <p:sldTgt/>
+                  </p:tgtEl>
+                </p:cond>
+              </p:nextCondLst>
+            </p:seq>
+          </p:childTnLst>
+        </p:cTn>
+      </p:par>
+    </p:tnLst>
+    <p:bldLst>
+      <p:bldP spid="8" grpId="0"/>
+      <p:bldP spid="9" grpId="0"/>
+    </p:bldLst>
+  </p:timing>
 </p:sld>
 </file>
 
@@ -7497,4 +11891,319 @@
     </a:ext>
   </a:extLst>
 </a:theme>
+</file>
+
+<file path=ppt/theme/theme2.xml><?xml version="1.0" encoding="utf-8"?>
+<a:theme xmlns:a="http://schemas.openxmlformats.org/drawingml/2006/main" name="Office 主题​​">
+  <a:themeElements>
+    <a:clrScheme name="Office">
+      <a:dk1>
+        <a:sysClr val="windowText" lastClr="000000"/>
+      </a:dk1>
+      <a:lt1>
+        <a:sysClr val="window" lastClr="FFFFFF"/>
+      </a:lt1>
+      <a:dk2>
+        <a:srgbClr val="0E2841"/>
+      </a:dk2>
+      <a:lt2>
+        <a:srgbClr val="E8E8E8"/>
+      </a:lt2>
+      <a:accent1>
+        <a:srgbClr val="156082"/>
+      </a:accent1>
+      <a:accent2>
+        <a:srgbClr val="E97132"/>
+      </a:accent2>
+      <a:accent3>
+        <a:srgbClr val="196B24"/>
+      </a:accent3>
+      <a:accent4>
+        <a:srgbClr val="0F9ED5"/>
+      </a:accent4>
+      <a:accent5>
+        <a:srgbClr val="A02B93"/>
+      </a:accent5>
+      <a:accent6>
+        <a:srgbClr val="4EA72E"/>
+      </a:accent6>
+      <a:hlink>
+        <a:srgbClr val="467886"/>
+      </a:hlink>
+      <a:folHlink>
+        <a:srgbClr val="96607D"/>
+      </a:folHlink>
+    </a:clrScheme>
+    <a:fontScheme name="Office">
+      <a:majorFont>
+        <a:latin typeface="等线 Light" panose="02110004020202020204"/>
+        <a:ea typeface=""/>
+        <a:cs typeface=""/>
+        <a:font script="Jpan" typeface="游ゴシック Light"/>
+        <a:font script="Hang" typeface="맑은 고딕"/>
+        <a:font script="Hans" typeface="等线 Light"/>
+        <a:font script="Hant" typeface="新細明體"/>
+        <a:font script="Arab" typeface="Times New Roman"/>
+        <a:font script="Hebr" typeface="Times New Roman"/>
+        <a:font script="Thai" typeface="Angsana New"/>
+        <a:font script="Ethi" typeface="Nyala"/>
+        <a:font script="Beng" typeface="Vrinda"/>
+        <a:font script="Gujr" typeface="Shruti"/>
+        <a:font script="Khmr" typeface="MoolBoran"/>
+        <a:font script="Knda" typeface="Tunga"/>
+        <a:font script="Guru" typeface="Raavi"/>
+        <a:font script="Cans" typeface="Euphemia"/>
+        <a:font script="Cher" typeface="Plantagenet Cherokee"/>
+        <a:font script="Yiii" typeface="Microsoft Yi Baiti"/>
+        <a:font script="Tibt" typeface="Microsoft Himalaya"/>
+        <a:font script="Thaa" typeface="MV Boli"/>
+        <a:font script="Deva" typeface="Mangal"/>
+        <a:font script="Telu" typeface="Gautami"/>
+        <a:font script="Taml" typeface="Latha"/>
+        <a:font script="Syrc" typeface="Estrangelo Edessa"/>
+        <a:font script="Orya" typeface="Kalinga"/>
+        <a:font script="Mlym" typeface="Kartika"/>
+        <a:font script="Laoo" typeface="DokChampa"/>
+        <a:font script="Sinh" typeface="Iskoola Pota"/>
+        <a:font script="Mong" typeface="Mongolian Baiti"/>
+        <a:font script="Viet" typeface="Times New Roman"/>
+        <a:font script="Uigh" typeface="Microsoft Uighur"/>
+        <a:font script="Geor" typeface="Sylfaen"/>
+        <a:font script="Armn" typeface="Arial"/>
+        <a:font script="Bugi" typeface="Leelawadee UI"/>
+        <a:font script="Bopo" typeface="Microsoft JhengHei"/>
+        <a:font script="Java" typeface="Javanese Text"/>
+        <a:font script="Lisu" typeface="Segoe UI"/>
+        <a:font script="Mymr" typeface="Myanmar Text"/>
+        <a:font script="Nkoo" typeface="Ebrima"/>
+        <a:font script="Olck" typeface="Nirmala UI"/>
+        <a:font script="Osma" typeface="Ebrima"/>
+        <a:font script="Phag" typeface="Phagspa"/>
+        <a:font script="Syrn" typeface="Estrangelo Edessa"/>
+        <a:font script="Syrj" typeface="Estrangelo Edessa"/>
+        <a:font script="Syre" typeface="Estrangelo Edessa"/>
+        <a:font script="Sora" typeface="Nirmala UI"/>
+        <a:font script="Tale" typeface="Microsoft Tai Le"/>
+        <a:font script="Talu" typeface="Microsoft New Tai Lue"/>
+        <a:font script="Tfng" typeface="Ebrima"/>
+      </a:majorFont>
+      <a:minorFont>
+        <a:latin typeface="等线" panose="02110004020202020204"/>
+        <a:ea typeface=""/>
+        <a:cs typeface=""/>
+        <a:font script="Jpan" typeface="游ゴシック"/>
+        <a:font script="Hang" typeface="맑은 고딕"/>
+        <a:font script="Hans" typeface="等线"/>
+        <a:font script="Hant" typeface="新細明體"/>
+        <a:font script="Arab" typeface="Arial"/>
+        <a:font script="Hebr" typeface="Arial"/>
+        <a:font script="Thai" typeface="Cordia New"/>
+        <a:font script="Ethi" typeface="Nyala"/>
+        <a:font script="Beng" typeface="Vrinda"/>
+        <a:font script="Gujr" typeface="Shruti"/>
+        <a:font script="Khmr" typeface="DaunPenh"/>
+        <a:font script="Knda" typeface="Tunga"/>
+        <a:font script="Guru" typeface="Raavi"/>
+        <a:font script="Cans" typeface="Euphemia"/>
+        <a:font script="Cher" typeface="Plantagenet Cherokee"/>
+        <a:font script="Yiii" typeface="Microsoft Yi Baiti"/>
+        <a:font script="Tibt" typeface="Microsoft Himalaya"/>
+        <a:font script="Thaa" typeface="MV Boli"/>
+        <a:font script="Deva" typeface="Mangal"/>
+        <a:font script="Telu" typeface="Gautami"/>
+        <a:font script="Taml" typeface="Latha"/>
+        <a:font script="Syrc" typeface="Estrangelo Edessa"/>
+        <a:font script="Orya" typeface="Kalinga"/>
+        <a:font script="Mlym" typeface="Kartika"/>
+        <a:font script="Laoo" typeface="DokChampa"/>
+        <a:font script="Sinh" typeface="Iskoola Pota"/>
+        <a:font script="Mong" typeface="Mongolian Baiti"/>
+        <a:font script="Viet" typeface="Arial"/>
+        <a:font script="Uigh" typeface="Microsoft Uighur"/>
+        <a:font script="Geor" typeface="Sylfaen"/>
+        <a:font script="Armn" typeface="Arial"/>
+        <a:font script="Bugi" typeface="Leelawadee UI"/>
+        <a:font script="Bopo" typeface="Microsoft JhengHei"/>
+        <a:font script="Java" typeface="Javanese Text"/>
+        <a:font script="Lisu" typeface="Segoe UI"/>
+        <a:font script="Mymr" typeface="Myanmar Text"/>
+        <a:font script="Nkoo" typeface="Ebrima"/>
+        <a:font script="Olck" typeface="Nirmala UI"/>
+        <a:font script="Osma" typeface="Ebrima"/>
+        <a:font script="Phag" typeface="Phagspa"/>
+        <a:font script="Syrn" typeface="Estrangelo Edessa"/>
+        <a:font script="Syrj" typeface="Estrangelo Edessa"/>
+        <a:font script="Syre" typeface="Estrangelo Edessa"/>
+        <a:font script="Sora" typeface="Nirmala UI"/>
+        <a:font script="Tale" typeface="Microsoft Tai Le"/>
+        <a:font script="Talu" typeface="Microsoft New Tai Lue"/>
+        <a:font script="Tfng" typeface="Ebrima"/>
+      </a:minorFont>
+    </a:fontScheme>
+    <a:fmtScheme name="Office">
+      <a:fillStyleLst>
+        <a:solidFill>
+          <a:schemeClr val="phClr"/>
+        </a:solidFill>
+        <a:gradFill rotWithShape="1">
+          <a:gsLst>
+            <a:gs pos="0">
+              <a:schemeClr val="phClr">
+                <a:lumMod val="110000"/>
+                <a:satMod val="105000"/>
+                <a:tint val="67000"/>
+              </a:schemeClr>
+            </a:gs>
+            <a:gs pos="50000">
+              <a:schemeClr val="phClr">
+                <a:lumMod val="105000"/>
+                <a:satMod val="103000"/>
+                <a:tint val="73000"/>
+              </a:schemeClr>
+            </a:gs>
+            <a:gs pos="100000">
+              <a:schemeClr val="phClr">
+                <a:lumMod val="105000"/>
+                <a:satMod val="109000"/>
+                <a:tint val="81000"/>
+              </a:schemeClr>
+            </a:gs>
+          </a:gsLst>
+          <a:lin ang="5400000" scaled="0"/>
+        </a:gradFill>
+        <a:gradFill rotWithShape="1">
+          <a:gsLst>
+            <a:gs pos="0">
+              <a:schemeClr val="phClr">
+                <a:satMod val="103000"/>
+                <a:lumMod val="102000"/>
+                <a:tint val="94000"/>
+              </a:schemeClr>
+            </a:gs>
+            <a:gs pos="50000">
+              <a:schemeClr val="phClr">
+                <a:satMod val="110000"/>
+                <a:lumMod val="100000"/>
+                <a:shade val="100000"/>
+              </a:schemeClr>
+            </a:gs>
+            <a:gs pos="100000">
+              <a:schemeClr val="phClr">
+                <a:lumMod val="99000"/>
+                <a:satMod val="120000"/>
+                <a:shade val="78000"/>
+              </a:schemeClr>
+            </a:gs>
+          </a:gsLst>
+          <a:lin ang="5400000" scaled="0"/>
+        </a:gradFill>
+      </a:fillStyleLst>
+      <a:lnStyleLst>
+        <a:ln w="12700" cap="flat" cmpd="sng" algn="ctr">
+          <a:solidFill>
+            <a:schemeClr val="phClr"/>
+          </a:solidFill>
+          <a:prstDash val="solid"/>
+          <a:miter lim="800000"/>
+        </a:ln>
+        <a:ln w="19050" cap="flat" cmpd="sng" algn="ctr">
+          <a:solidFill>
+            <a:schemeClr val="phClr"/>
+          </a:solidFill>
+          <a:prstDash val="solid"/>
+          <a:miter lim="800000"/>
+        </a:ln>
+        <a:ln w="25400" cap="flat" cmpd="sng" algn="ctr">
+          <a:solidFill>
+            <a:schemeClr val="phClr"/>
+          </a:solidFill>
+          <a:prstDash val="solid"/>
+          <a:miter lim="800000"/>
+        </a:ln>
+      </a:lnStyleLst>
+      <a:effectStyleLst>
+        <a:effectStyle>
+          <a:effectLst/>
+        </a:effectStyle>
+        <a:effectStyle>
+          <a:effectLst/>
+        </a:effectStyle>
+        <a:effectStyle>
+          <a:effectLst>
+            <a:outerShdw blurRad="57150" dist="19050" dir="5400000" algn="ctr" rotWithShape="0">
+              <a:srgbClr val="000000">
+                <a:alpha val="63000"/>
+              </a:srgbClr>
+            </a:outerShdw>
+          </a:effectLst>
+        </a:effectStyle>
+      </a:effectStyleLst>
+      <a:bgFillStyleLst>
+        <a:solidFill>
+          <a:schemeClr val="phClr"/>
+        </a:solidFill>
+        <a:solidFill>
+          <a:schemeClr val="phClr">
+            <a:tint val="95000"/>
+            <a:satMod val="170000"/>
+          </a:schemeClr>
+        </a:solidFill>
+        <a:gradFill rotWithShape="1">
+          <a:gsLst>
+            <a:gs pos="0">
+              <a:schemeClr val="phClr">
+                <a:tint val="93000"/>
+                <a:satMod val="150000"/>
+                <a:shade val="98000"/>
+                <a:lumMod val="102000"/>
+              </a:schemeClr>
+            </a:gs>
+            <a:gs pos="50000">
+              <a:schemeClr val="phClr">
+                <a:tint val="98000"/>
+                <a:satMod val="130000"/>
+                <a:shade val="90000"/>
+                <a:lumMod val="103000"/>
+              </a:schemeClr>
+            </a:gs>
+            <a:gs pos="100000">
+              <a:schemeClr val="phClr">
+                <a:shade val="63000"/>
+                <a:satMod val="120000"/>
+              </a:schemeClr>
+            </a:gs>
+          </a:gsLst>
+          <a:lin ang="5400000" scaled="0"/>
+        </a:gradFill>
+      </a:bgFillStyleLst>
+    </a:fmtScheme>
+  </a:themeElements>
+  <a:objectDefaults>
+    <a:lnDef>
+      <a:spPr/>
+      <a:bodyPr/>
+      <a:lstStyle/>
+      <a:style>
+        <a:lnRef idx="2">
+          <a:schemeClr val="accent1"/>
+        </a:lnRef>
+        <a:fillRef idx="0">
+          <a:schemeClr val="accent1"/>
+        </a:fillRef>
+        <a:effectRef idx="1">
+          <a:schemeClr val="accent1"/>
+        </a:effectRef>
+        <a:fontRef idx="minor">
+          <a:schemeClr val="tx1"/>
+        </a:fontRef>
+      </a:style>
+    </a:lnDef>
+  </a:objectDefaults>
+  <a:extraClrSchemeLst/>
+  <a:extLst>
+    <a:ext uri="{05A4C25C-085E-4340-85A3-A5531E510DB2}">
+      <thm15:themeFamily xmlns:thm15="http://schemas.microsoft.com/office/thememl/2012/main" name="Office Theme" id="{2E142A2C-CD16-42D6-873A-C26D2A0506FA}" vid="{1BDDFF52-6CD6-40A5-AB3C-68EB2F1E4D0A}"/>
+    </a:ext>
+  </a:extLst>
+</a:theme>
 </file>